--- a/NeRF GenAI Rendered Models.pptx
+++ b/NeRF GenAI Rendered Models.pptx
@@ -3,27 +3,28 @@
 <p:presentation xmlns:a="http://schemas.openxmlformats.org/drawingml/2006/main" xmlns:r="http://schemas.openxmlformats.org/officeDocument/2006/relationships" xmlns:p="http://schemas.openxmlformats.org/presentationml/2006/main" saveSubsetFonts="1">
   <p:sldMasterIdLst>
     <p:sldMasterId id="2147483648" r:id="rId1"/>
+    <p:sldMasterId id="2147483660" r:id="rId2"/>
   </p:sldMasterIdLst>
   <p:notesMasterIdLst>
-    <p:notesMasterId r:id="rId18"/>
+    <p:notesMasterId r:id="rId19"/>
   </p:notesMasterIdLst>
   <p:sldIdLst>
-    <p:sldId id="261" r:id="rId2"/>
-    <p:sldId id="262" r:id="rId3"/>
-    <p:sldId id="269" r:id="rId4"/>
-    <p:sldId id="270" r:id="rId5"/>
-    <p:sldId id="258" r:id="rId6"/>
-    <p:sldId id="259" r:id="rId7"/>
-    <p:sldId id="257" r:id="rId8"/>
-    <p:sldId id="260" r:id="rId9"/>
-    <p:sldId id="271" r:id="rId10"/>
-    <p:sldId id="274" r:id="rId11"/>
-    <p:sldId id="275" r:id="rId12"/>
-    <p:sldId id="276" r:id="rId13"/>
-    <p:sldId id="272" r:id="rId14"/>
-    <p:sldId id="273" r:id="rId15"/>
-    <p:sldId id="278" r:id="rId16"/>
-    <p:sldId id="277" r:id="rId17"/>
+    <p:sldId id="261" r:id="rId3"/>
+    <p:sldId id="262" r:id="rId4"/>
+    <p:sldId id="269" r:id="rId5"/>
+    <p:sldId id="270" r:id="rId6"/>
+    <p:sldId id="258" r:id="rId7"/>
+    <p:sldId id="259" r:id="rId8"/>
+    <p:sldId id="257" r:id="rId9"/>
+    <p:sldId id="260" r:id="rId10"/>
+    <p:sldId id="271" r:id="rId11"/>
+    <p:sldId id="274" r:id="rId12"/>
+    <p:sldId id="275" r:id="rId13"/>
+    <p:sldId id="276" r:id="rId14"/>
+    <p:sldId id="272" r:id="rId15"/>
+    <p:sldId id="273" r:id="rId16"/>
+    <p:sldId id="278" r:id="rId17"/>
+    <p:sldId id="277" r:id="rId18"/>
   </p:sldIdLst>
   <p:sldSz cx="12192000" cy="6858000"/>
   <p:notesSz cx="6858000" cy="9144000"/>
@@ -212,7 +213,7 @@
           <a:p>
             <a:fld id="{92B15F0E-D9AA-4105-B000-57D776250DFF}" type="datetimeFigureOut">
               <a:rPr lang="en-IN" smtClean="0"/>
-              <a:t>19-01-2024</a:t>
+              <a:t>26-02-2024</a:t>
             </a:fld>
             <a:endParaRPr lang="en-IN"/>
           </a:p>
@@ -776,7 +777,7 @@
           <a:p>
             <a:fld id="{E74541E0-D784-4841-9ABA-0D7648CC5CF3}" type="datetimeFigureOut">
               <a:rPr lang="en-IN" smtClean="0"/>
-              <a:t>19-01-2024</a:t>
+              <a:t>26-02-2024</a:t>
             </a:fld>
             <a:endParaRPr lang="en-IN"/>
           </a:p>
@@ -976,7 +977,7 @@
           <a:p>
             <a:fld id="{E74541E0-D784-4841-9ABA-0D7648CC5CF3}" type="datetimeFigureOut">
               <a:rPr lang="en-IN" smtClean="0"/>
-              <a:t>19-01-2024</a:t>
+              <a:t>26-02-2024</a:t>
             </a:fld>
             <a:endParaRPr lang="en-IN"/>
           </a:p>
@@ -1186,7 +1187,7 @@
           <a:p>
             <a:fld id="{E74541E0-D784-4841-9ABA-0D7648CC5CF3}" type="datetimeFigureOut">
               <a:rPr lang="en-IN" smtClean="0"/>
-              <a:t>19-01-2024</a:t>
+              <a:t>26-02-2024</a:t>
             </a:fld>
             <a:endParaRPr lang="en-IN"/>
           </a:p>
@@ -1250,6 +1251,1925 @@
     <p:extLst>
       <p:ext uri="{BB962C8B-B14F-4D97-AF65-F5344CB8AC3E}">
         <p14:creationId xmlns:p14="http://schemas.microsoft.com/office/powerpoint/2010/main" val="2600925350"/>
+      </p:ext>
+    </p:extLst>
+  </p:cSld>
+  <p:clrMapOvr>
+    <a:masterClrMapping/>
+  </p:clrMapOvr>
+</p:sldLayout>
+</file>
+
+<file path=ppt/slideLayouts/slideLayout12.xml><?xml version="1.0" encoding="utf-8"?>
+<p:sldLayout xmlns:a="http://schemas.openxmlformats.org/drawingml/2006/main" xmlns:r="http://schemas.openxmlformats.org/officeDocument/2006/relationships" xmlns:p="http://schemas.openxmlformats.org/presentationml/2006/main" type="title" preserve="1">
+  <p:cSld name="Title Slide">
+    <p:spTree>
+      <p:nvGrpSpPr>
+        <p:cNvPr id="1" name=""/>
+        <p:cNvGrpSpPr/>
+        <p:nvPr/>
+      </p:nvGrpSpPr>
+      <p:grpSpPr>
+        <a:xfrm>
+          <a:off x="0" y="0"/>
+          <a:ext cx="0" cy="0"/>
+          <a:chOff x="0" y="0"/>
+          <a:chExt cx="0" cy="0"/>
+        </a:xfrm>
+      </p:grpSpPr>
+      <p:sp>
+        <p:nvSpPr>
+          <p:cNvPr id="2" name="Title 1"/>
+          <p:cNvSpPr>
+            <a:spLocks noGrp="1"/>
+          </p:cNvSpPr>
+          <p:nvPr>
+            <p:ph type="ctrTitle"/>
+          </p:nvPr>
+        </p:nvSpPr>
+        <p:spPr>
+          <a:xfrm>
+            <a:off x="1751012" y="609601"/>
+            <a:ext cx="8676222" cy="3200400"/>
+          </a:xfrm>
+        </p:spPr>
+        <p:txBody>
+          <a:bodyPr anchor="b">
+            <a:normAutofit/>
+          </a:bodyPr>
+          <a:lstStyle>
+            <a:lvl1pPr algn="ctr">
+              <a:defRPr sz="4800">
+                <a:effectLst>
+                  <a:glow rad="38100">
+                    <a:schemeClr val="bg1">
+                      <a:lumMod val="65000"/>
+                      <a:lumOff val="35000"/>
+                      <a:alpha val="50000"/>
+                    </a:schemeClr>
+                  </a:glow>
+                  <a:outerShdw blurRad="28575" dist="31750" dir="13200000" algn="tl" rotWithShape="0">
+                    <a:srgbClr val="000000">
+                      <a:alpha val="25000"/>
+                    </a:srgbClr>
+                  </a:outerShdw>
+                </a:effectLst>
+              </a:defRPr>
+            </a:lvl1pPr>
+          </a:lstStyle>
+          <a:p>
+            <a:r>
+              <a:rPr lang="en-US"/>
+              <a:t>Click to edit Master title style</a:t>
+            </a:r>
+            <a:endParaRPr lang="en-US" dirty="0"/>
+          </a:p>
+        </p:txBody>
+      </p:sp>
+      <p:sp>
+        <p:nvSpPr>
+          <p:cNvPr id="3" name="Subtitle 2"/>
+          <p:cNvSpPr>
+            <a:spLocks noGrp="1"/>
+          </p:cNvSpPr>
+          <p:nvPr>
+            <p:ph type="subTitle" idx="1"/>
+          </p:nvPr>
+        </p:nvSpPr>
+        <p:spPr>
+          <a:xfrm>
+            <a:off x="1751012" y="3886200"/>
+            <a:ext cx="8676222" cy="1905000"/>
+          </a:xfrm>
+        </p:spPr>
+        <p:txBody>
+          <a:bodyPr anchor="t">
+            <a:normAutofit/>
+          </a:bodyPr>
+          <a:lstStyle>
+            <a:lvl1pPr marL="0" indent="0" algn="ctr">
+              <a:buNone/>
+              <a:defRPr sz="2100">
+                <a:gradFill flip="none" rotWithShape="1">
+                  <a:gsLst>
+                    <a:gs pos="0">
+                      <a:schemeClr val="tx1"/>
+                    </a:gs>
+                    <a:gs pos="100000">
+                      <a:schemeClr val="tx1">
+                        <a:lumMod val="75000"/>
+                      </a:schemeClr>
+                    </a:gs>
+                  </a:gsLst>
+                  <a:lin ang="5400000" scaled="0"/>
+                  <a:tileRect/>
+                </a:gradFill>
+              </a:defRPr>
+            </a:lvl1pPr>
+            <a:lvl2pPr marL="457200" indent="0" algn="ctr">
+              <a:buNone/>
+              <a:defRPr>
+                <a:solidFill>
+                  <a:schemeClr val="tx1">
+                    <a:tint val="75000"/>
+                  </a:schemeClr>
+                </a:solidFill>
+              </a:defRPr>
+            </a:lvl2pPr>
+            <a:lvl3pPr marL="914400" indent="0" algn="ctr">
+              <a:buNone/>
+              <a:defRPr>
+                <a:solidFill>
+                  <a:schemeClr val="tx1">
+                    <a:tint val="75000"/>
+                  </a:schemeClr>
+                </a:solidFill>
+              </a:defRPr>
+            </a:lvl3pPr>
+            <a:lvl4pPr marL="1371600" indent="0" algn="ctr">
+              <a:buNone/>
+              <a:defRPr>
+                <a:solidFill>
+                  <a:schemeClr val="tx1">
+                    <a:tint val="75000"/>
+                  </a:schemeClr>
+                </a:solidFill>
+              </a:defRPr>
+            </a:lvl4pPr>
+            <a:lvl5pPr marL="1828800" indent="0" algn="ctr">
+              <a:buNone/>
+              <a:defRPr>
+                <a:solidFill>
+                  <a:schemeClr val="tx1">
+                    <a:tint val="75000"/>
+                  </a:schemeClr>
+                </a:solidFill>
+              </a:defRPr>
+            </a:lvl5pPr>
+            <a:lvl6pPr marL="2286000" indent="0" algn="ctr">
+              <a:buNone/>
+              <a:defRPr>
+                <a:solidFill>
+                  <a:schemeClr val="tx1">
+                    <a:tint val="75000"/>
+                  </a:schemeClr>
+                </a:solidFill>
+              </a:defRPr>
+            </a:lvl6pPr>
+            <a:lvl7pPr marL="2743200" indent="0" algn="ctr">
+              <a:buNone/>
+              <a:defRPr>
+                <a:solidFill>
+                  <a:schemeClr val="tx1">
+                    <a:tint val="75000"/>
+                  </a:schemeClr>
+                </a:solidFill>
+              </a:defRPr>
+            </a:lvl7pPr>
+            <a:lvl8pPr marL="3200400" indent="0" algn="ctr">
+              <a:buNone/>
+              <a:defRPr>
+                <a:solidFill>
+                  <a:schemeClr val="tx1">
+                    <a:tint val="75000"/>
+                  </a:schemeClr>
+                </a:solidFill>
+              </a:defRPr>
+            </a:lvl8pPr>
+            <a:lvl9pPr marL="3657600" indent="0" algn="ctr">
+              <a:buNone/>
+              <a:defRPr>
+                <a:solidFill>
+                  <a:schemeClr val="tx1">
+                    <a:tint val="75000"/>
+                  </a:schemeClr>
+                </a:solidFill>
+              </a:defRPr>
+            </a:lvl9pPr>
+          </a:lstStyle>
+          <a:p>
+            <a:r>
+              <a:rPr lang="en-US"/>
+              <a:t>Click to edit Master subtitle style</a:t>
+            </a:r>
+            <a:endParaRPr lang="en-US" dirty="0"/>
+          </a:p>
+        </p:txBody>
+      </p:sp>
+      <p:sp>
+        <p:nvSpPr>
+          <p:cNvPr id="4" name="Date Placeholder 3"/>
+          <p:cNvSpPr>
+            <a:spLocks noGrp="1"/>
+          </p:cNvSpPr>
+          <p:nvPr>
+            <p:ph type="dt" sz="half" idx="10"/>
+          </p:nvPr>
+        </p:nvSpPr>
+        <p:spPr/>
+        <p:txBody>
+          <a:bodyPr/>
+          <a:lstStyle/>
+          <a:p>
+            <a:fld id="{E74541E0-D784-4841-9ABA-0D7648CC5CF3}" type="datetimeFigureOut">
+              <a:rPr lang="en-IN" smtClean="0"/>
+              <a:t>26-02-2024</a:t>
+            </a:fld>
+            <a:endParaRPr lang="en-IN"/>
+          </a:p>
+        </p:txBody>
+      </p:sp>
+      <p:sp>
+        <p:nvSpPr>
+          <p:cNvPr id="5" name="Footer Placeholder 4"/>
+          <p:cNvSpPr>
+            <a:spLocks noGrp="1"/>
+          </p:cNvSpPr>
+          <p:nvPr>
+            <p:ph type="ftr" sz="quarter" idx="11"/>
+          </p:nvPr>
+        </p:nvSpPr>
+        <p:spPr/>
+        <p:txBody>
+          <a:bodyPr/>
+          <a:lstStyle/>
+          <a:p>
+            <a:endParaRPr lang="en-IN"/>
+          </a:p>
+        </p:txBody>
+      </p:sp>
+      <p:sp>
+        <p:nvSpPr>
+          <p:cNvPr id="6" name="Slide Number Placeholder 5"/>
+          <p:cNvSpPr>
+            <a:spLocks noGrp="1"/>
+          </p:cNvSpPr>
+          <p:nvPr>
+            <p:ph type="sldNum" sz="quarter" idx="12"/>
+          </p:nvPr>
+        </p:nvSpPr>
+        <p:spPr/>
+        <p:txBody>
+          <a:bodyPr/>
+          <a:lstStyle/>
+          <a:p>
+            <a:fld id="{2F5B32F1-8AD9-48F6-AF26-90F67DDFF68F}" type="slidenum">
+              <a:rPr lang="en-IN" smtClean="0"/>
+              <a:t>‹#›</a:t>
+            </a:fld>
+            <a:endParaRPr lang="en-IN"/>
+          </a:p>
+        </p:txBody>
+      </p:sp>
+    </p:spTree>
+    <p:extLst>
+      <p:ext uri="{BB962C8B-B14F-4D97-AF65-F5344CB8AC3E}">
+        <p14:creationId xmlns:p14="http://schemas.microsoft.com/office/powerpoint/2010/main" val="3237519555"/>
+      </p:ext>
+    </p:extLst>
+  </p:cSld>
+  <p:clrMapOvr>
+    <a:masterClrMapping/>
+  </p:clrMapOvr>
+</p:sldLayout>
+</file>
+
+<file path=ppt/slideLayouts/slideLayout13.xml><?xml version="1.0" encoding="utf-8"?>
+<p:sldLayout xmlns:a="http://schemas.openxmlformats.org/drawingml/2006/main" xmlns:r="http://schemas.openxmlformats.org/officeDocument/2006/relationships" xmlns:p="http://schemas.openxmlformats.org/presentationml/2006/main" type="obj" preserve="1">
+  <p:cSld name="Title and Content">
+    <p:spTree>
+      <p:nvGrpSpPr>
+        <p:cNvPr id="1" name=""/>
+        <p:cNvGrpSpPr/>
+        <p:nvPr/>
+      </p:nvGrpSpPr>
+      <p:grpSpPr>
+        <a:xfrm>
+          <a:off x="0" y="0"/>
+          <a:ext cx="0" cy="0"/>
+          <a:chOff x="0" y="0"/>
+          <a:chExt cx="0" cy="0"/>
+        </a:xfrm>
+      </p:grpSpPr>
+      <p:sp>
+        <p:nvSpPr>
+          <p:cNvPr id="2" name="Title 1"/>
+          <p:cNvSpPr>
+            <a:spLocks noGrp="1"/>
+          </p:cNvSpPr>
+          <p:nvPr>
+            <p:ph type="title"/>
+          </p:nvPr>
+        </p:nvSpPr>
+        <p:spPr/>
+        <p:txBody>
+          <a:bodyPr/>
+          <a:lstStyle/>
+          <a:p>
+            <a:r>
+              <a:rPr lang="en-US"/>
+              <a:t>Click to edit Master title style</a:t>
+            </a:r>
+            <a:endParaRPr lang="en-US" dirty="0"/>
+          </a:p>
+        </p:txBody>
+      </p:sp>
+      <p:sp>
+        <p:nvSpPr>
+          <p:cNvPr id="3" name="Content Placeholder 2"/>
+          <p:cNvSpPr>
+            <a:spLocks noGrp="1"/>
+          </p:cNvSpPr>
+          <p:nvPr>
+            <p:ph idx="1"/>
+          </p:nvPr>
+        </p:nvSpPr>
+        <p:spPr/>
+        <p:txBody>
+          <a:bodyPr anchor="ctr"/>
+          <a:lstStyle/>
+          <a:p>
+            <a:pPr lvl="0"/>
+            <a:r>
+              <a:rPr lang="en-US"/>
+              <a:t>Click to edit Master text styles</a:t>
+            </a:r>
+          </a:p>
+          <a:p>
+            <a:pPr lvl="1"/>
+            <a:r>
+              <a:rPr lang="en-US"/>
+              <a:t>Second level</a:t>
+            </a:r>
+          </a:p>
+          <a:p>
+            <a:pPr lvl="2"/>
+            <a:r>
+              <a:rPr lang="en-US"/>
+              <a:t>Third level</a:t>
+            </a:r>
+          </a:p>
+          <a:p>
+            <a:pPr lvl="3"/>
+            <a:r>
+              <a:rPr lang="en-US"/>
+              <a:t>Fourth level</a:t>
+            </a:r>
+          </a:p>
+          <a:p>
+            <a:pPr lvl="4"/>
+            <a:r>
+              <a:rPr lang="en-US"/>
+              <a:t>Fifth level</a:t>
+            </a:r>
+            <a:endParaRPr lang="en-US" dirty="0"/>
+          </a:p>
+        </p:txBody>
+      </p:sp>
+      <p:sp>
+        <p:nvSpPr>
+          <p:cNvPr id="4" name="Date Placeholder 3"/>
+          <p:cNvSpPr>
+            <a:spLocks noGrp="1"/>
+          </p:cNvSpPr>
+          <p:nvPr>
+            <p:ph type="dt" sz="half" idx="10"/>
+          </p:nvPr>
+        </p:nvSpPr>
+        <p:spPr/>
+        <p:txBody>
+          <a:bodyPr/>
+          <a:lstStyle/>
+          <a:p>
+            <a:fld id="{E74541E0-D784-4841-9ABA-0D7648CC5CF3}" type="datetimeFigureOut">
+              <a:rPr lang="en-IN" smtClean="0"/>
+              <a:t>26-02-2024</a:t>
+            </a:fld>
+            <a:endParaRPr lang="en-IN"/>
+          </a:p>
+        </p:txBody>
+      </p:sp>
+      <p:sp>
+        <p:nvSpPr>
+          <p:cNvPr id="5" name="Footer Placeholder 4"/>
+          <p:cNvSpPr>
+            <a:spLocks noGrp="1"/>
+          </p:cNvSpPr>
+          <p:nvPr>
+            <p:ph type="ftr" sz="quarter" idx="11"/>
+          </p:nvPr>
+        </p:nvSpPr>
+        <p:spPr/>
+        <p:txBody>
+          <a:bodyPr/>
+          <a:lstStyle/>
+          <a:p>
+            <a:endParaRPr lang="en-IN"/>
+          </a:p>
+        </p:txBody>
+      </p:sp>
+      <p:sp>
+        <p:nvSpPr>
+          <p:cNvPr id="6" name="Slide Number Placeholder 5"/>
+          <p:cNvSpPr>
+            <a:spLocks noGrp="1"/>
+          </p:cNvSpPr>
+          <p:nvPr>
+            <p:ph type="sldNum" sz="quarter" idx="12"/>
+          </p:nvPr>
+        </p:nvSpPr>
+        <p:spPr/>
+        <p:txBody>
+          <a:bodyPr/>
+          <a:lstStyle/>
+          <a:p>
+            <a:fld id="{2F5B32F1-8AD9-48F6-AF26-90F67DDFF68F}" type="slidenum">
+              <a:rPr lang="en-IN" smtClean="0"/>
+              <a:t>‹#›</a:t>
+            </a:fld>
+            <a:endParaRPr lang="en-IN"/>
+          </a:p>
+        </p:txBody>
+      </p:sp>
+    </p:spTree>
+    <p:extLst>
+      <p:ext uri="{BB962C8B-B14F-4D97-AF65-F5344CB8AC3E}">
+        <p14:creationId xmlns:p14="http://schemas.microsoft.com/office/powerpoint/2010/main" val="98159587"/>
+      </p:ext>
+    </p:extLst>
+  </p:cSld>
+  <p:clrMapOvr>
+    <a:masterClrMapping/>
+  </p:clrMapOvr>
+</p:sldLayout>
+</file>
+
+<file path=ppt/slideLayouts/slideLayout14.xml><?xml version="1.0" encoding="utf-8"?>
+<p:sldLayout xmlns:a="http://schemas.openxmlformats.org/drawingml/2006/main" xmlns:r="http://schemas.openxmlformats.org/officeDocument/2006/relationships" xmlns:p="http://schemas.openxmlformats.org/presentationml/2006/main" type="secHead" preserve="1">
+  <p:cSld name="Section Header">
+    <p:spTree>
+      <p:nvGrpSpPr>
+        <p:cNvPr id="1" name=""/>
+        <p:cNvGrpSpPr/>
+        <p:nvPr/>
+      </p:nvGrpSpPr>
+      <p:grpSpPr>
+        <a:xfrm>
+          <a:off x="0" y="0"/>
+          <a:ext cx="0" cy="0"/>
+          <a:chOff x="0" y="0"/>
+          <a:chExt cx="0" cy="0"/>
+        </a:xfrm>
+      </p:grpSpPr>
+      <p:sp>
+        <p:nvSpPr>
+          <p:cNvPr id="2" name="Title 1"/>
+          <p:cNvSpPr>
+            <a:spLocks noGrp="1"/>
+          </p:cNvSpPr>
+          <p:nvPr>
+            <p:ph type="title"/>
+          </p:nvPr>
+        </p:nvSpPr>
+        <p:spPr>
+          <a:xfrm>
+            <a:off x="1751013" y="3308581"/>
+            <a:ext cx="8686800" cy="1468800"/>
+          </a:xfrm>
+        </p:spPr>
+        <p:txBody>
+          <a:bodyPr anchor="b"/>
+          <a:lstStyle>
+            <a:lvl1pPr algn="r">
+              <a:defRPr sz="4000" b="0" cap="all"/>
+            </a:lvl1pPr>
+          </a:lstStyle>
+          <a:p>
+            <a:r>
+              <a:rPr lang="en-US"/>
+              <a:t>Click to edit Master title style</a:t>
+            </a:r>
+            <a:endParaRPr lang="en-US" dirty="0"/>
+          </a:p>
+        </p:txBody>
+      </p:sp>
+      <p:sp>
+        <p:nvSpPr>
+          <p:cNvPr id="3" name="Text Placeholder 2"/>
+          <p:cNvSpPr>
+            <a:spLocks noGrp="1"/>
+          </p:cNvSpPr>
+          <p:nvPr>
+            <p:ph type="body" idx="1"/>
+          </p:nvPr>
+        </p:nvSpPr>
+        <p:spPr>
+          <a:xfrm>
+            <a:off x="1751011" y="4777381"/>
+            <a:ext cx="8686801" cy="860400"/>
+          </a:xfrm>
+        </p:spPr>
+        <p:txBody>
+          <a:bodyPr anchor="t">
+            <a:normAutofit/>
+          </a:bodyPr>
+          <a:lstStyle>
+            <a:lvl1pPr marL="0" indent="0" algn="r">
+              <a:buNone/>
+              <a:defRPr sz="2000">
+                <a:gradFill flip="none" rotWithShape="1">
+                  <a:gsLst>
+                    <a:gs pos="0">
+                      <a:schemeClr val="tx1"/>
+                    </a:gs>
+                    <a:gs pos="100000">
+                      <a:schemeClr val="tx1">
+                        <a:lumMod val="75000"/>
+                      </a:schemeClr>
+                    </a:gs>
+                  </a:gsLst>
+                  <a:lin ang="5400000" scaled="0"/>
+                  <a:tileRect/>
+                </a:gradFill>
+              </a:defRPr>
+            </a:lvl1pPr>
+            <a:lvl2pPr marL="457200" indent="0">
+              <a:buNone/>
+              <a:defRPr sz="1800">
+                <a:solidFill>
+                  <a:schemeClr val="tx1">
+                    <a:tint val="75000"/>
+                  </a:schemeClr>
+                </a:solidFill>
+              </a:defRPr>
+            </a:lvl2pPr>
+            <a:lvl3pPr marL="914400" indent="0">
+              <a:buNone/>
+              <a:defRPr sz="1600">
+                <a:solidFill>
+                  <a:schemeClr val="tx1">
+                    <a:tint val="75000"/>
+                  </a:schemeClr>
+                </a:solidFill>
+              </a:defRPr>
+            </a:lvl3pPr>
+            <a:lvl4pPr marL="1371600" indent="0">
+              <a:buNone/>
+              <a:defRPr sz="1400">
+                <a:solidFill>
+                  <a:schemeClr val="tx1">
+                    <a:tint val="75000"/>
+                  </a:schemeClr>
+                </a:solidFill>
+              </a:defRPr>
+            </a:lvl4pPr>
+            <a:lvl5pPr marL="1828800" indent="0">
+              <a:buNone/>
+              <a:defRPr sz="1400">
+                <a:solidFill>
+                  <a:schemeClr val="tx1">
+                    <a:tint val="75000"/>
+                  </a:schemeClr>
+                </a:solidFill>
+              </a:defRPr>
+            </a:lvl5pPr>
+            <a:lvl6pPr marL="2286000" indent="0">
+              <a:buNone/>
+              <a:defRPr sz="1400">
+                <a:solidFill>
+                  <a:schemeClr val="tx1">
+                    <a:tint val="75000"/>
+                  </a:schemeClr>
+                </a:solidFill>
+              </a:defRPr>
+            </a:lvl6pPr>
+            <a:lvl7pPr marL="2743200" indent="0">
+              <a:buNone/>
+              <a:defRPr sz="1400">
+                <a:solidFill>
+                  <a:schemeClr val="tx1">
+                    <a:tint val="75000"/>
+                  </a:schemeClr>
+                </a:solidFill>
+              </a:defRPr>
+            </a:lvl7pPr>
+            <a:lvl8pPr marL="3200400" indent="0">
+              <a:buNone/>
+              <a:defRPr sz="1400">
+                <a:solidFill>
+                  <a:schemeClr val="tx1">
+                    <a:tint val="75000"/>
+                  </a:schemeClr>
+                </a:solidFill>
+              </a:defRPr>
+            </a:lvl8pPr>
+            <a:lvl9pPr marL="3657600" indent="0">
+              <a:buNone/>
+              <a:defRPr sz="1400">
+                <a:solidFill>
+                  <a:schemeClr val="tx1">
+                    <a:tint val="75000"/>
+                  </a:schemeClr>
+                </a:solidFill>
+              </a:defRPr>
+            </a:lvl9pPr>
+          </a:lstStyle>
+          <a:p>
+            <a:pPr lvl="0"/>
+            <a:r>
+              <a:rPr lang="en-US"/>
+              <a:t>Click to edit Master text styles</a:t>
+            </a:r>
+          </a:p>
+        </p:txBody>
+      </p:sp>
+      <p:sp>
+        <p:nvSpPr>
+          <p:cNvPr id="4" name="Date Placeholder 3"/>
+          <p:cNvSpPr>
+            <a:spLocks noGrp="1"/>
+          </p:cNvSpPr>
+          <p:nvPr>
+            <p:ph type="dt" sz="half" idx="10"/>
+          </p:nvPr>
+        </p:nvSpPr>
+        <p:spPr/>
+        <p:txBody>
+          <a:bodyPr/>
+          <a:lstStyle/>
+          <a:p>
+            <a:fld id="{E74541E0-D784-4841-9ABA-0D7648CC5CF3}" type="datetimeFigureOut">
+              <a:rPr lang="en-IN" smtClean="0"/>
+              <a:t>26-02-2024</a:t>
+            </a:fld>
+            <a:endParaRPr lang="en-IN"/>
+          </a:p>
+        </p:txBody>
+      </p:sp>
+      <p:sp>
+        <p:nvSpPr>
+          <p:cNvPr id="5" name="Footer Placeholder 4"/>
+          <p:cNvSpPr>
+            <a:spLocks noGrp="1"/>
+          </p:cNvSpPr>
+          <p:nvPr>
+            <p:ph type="ftr" sz="quarter" idx="11"/>
+          </p:nvPr>
+        </p:nvSpPr>
+        <p:spPr/>
+        <p:txBody>
+          <a:bodyPr/>
+          <a:lstStyle/>
+          <a:p>
+            <a:endParaRPr lang="en-IN"/>
+          </a:p>
+        </p:txBody>
+      </p:sp>
+      <p:sp>
+        <p:nvSpPr>
+          <p:cNvPr id="6" name="Slide Number Placeholder 5"/>
+          <p:cNvSpPr>
+            <a:spLocks noGrp="1"/>
+          </p:cNvSpPr>
+          <p:nvPr>
+            <p:ph type="sldNum" sz="quarter" idx="12"/>
+          </p:nvPr>
+        </p:nvSpPr>
+        <p:spPr/>
+        <p:txBody>
+          <a:bodyPr/>
+          <a:lstStyle/>
+          <a:p>
+            <a:fld id="{2F5B32F1-8AD9-48F6-AF26-90F67DDFF68F}" type="slidenum">
+              <a:rPr lang="en-IN" smtClean="0"/>
+              <a:t>‹#›</a:t>
+            </a:fld>
+            <a:endParaRPr lang="en-IN"/>
+          </a:p>
+        </p:txBody>
+      </p:sp>
+    </p:spTree>
+    <p:extLst>
+      <p:ext uri="{BB962C8B-B14F-4D97-AF65-F5344CB8AC3E}">
+        <p14:creationId xmlns:p14="http://schemas.microsoft.com/office/powerpoint/2010/main" val="944819054"/>
+      </p:ext>
+    </p:extLst>
+  </p:cSld>
+  <p:clrMapOvr>
+    <a:masterClrMapping/>
+  </p:clrMapOvr>
+</p:sldLayout>
+</file>
+
+<file path=ppt/slideLayouts/slideLayout15.xml><?xml version="1.0" encoding="utf-8"?>
+<p:sldLayout xmlns:a="http://schemas.openxmlformats.org/drawingml/2006/main" xmlns:r="http://schemas.openxmlformats.org/officeDocument/2006/relationships" xmlns:p="http://schemas.openxmlformats.org/presentationml/2006/main" type="twoObj" preserve="1">
+  <p:cSld name="Two Content">
+    <p:spTree>
+      <p:nvGrpSpPr>
+        <p:cNvPr id="1" name=""/>
+        <p:cNvGrpSpPr/>
+        <p:nvPr/>
+      </p:nvGrpSpPr>
+      <p:grpSpPr>
+        <a:xfrm>
+          <a:off x="0" y="0"/>
+          <a:ext cx="0" cy="0"/>
+          <a:chOff x="0" y="0"/>
+          <a:chExt cx="0" cy="0"/>
+        </a:xfrm>
+      </p:grpSpPr>
+      <p:sp>
+        <p:nvSpPr>
+          <p:cNvPr id="2" name="Title 1"/>
+          <p:cNvSpPr>
+            <a:spLocks noGrp="1"/>
+          </p:cNvSpPr>
+          <p:nvPr>
+            <p:ph type="title"/>
+          </p:nvPr>
+        </p:nvSpPr>
+        <p:spPr/>
+        <p:txBody>
+          <a:bodyPr/>
+          <a:lstStyle/>
+          <a:p>
+            <a:r>
+              <a:rPr lang="en-US"/>
+              <a:t>Click to edit Master title style</a:t>
+            </a:r>
+            <a:endParaRPr lang="en-US" dirty="0"/>
+          </a:p>
+        </p:txBody>
+      </p:sp>
+      <p:sp>
+        <p:nvSpPr>
+          <p:cNvPr id="3" name="Content Placeholder 2"/>
+          <p:cNvSpPr>
+            <a:spLocks noGrp="1"/>
+          </p:cNvSpPr>
+          <p:nvPr>
+            <p:ph sz="half" idx="1"/>
+          </p:nvPr>
+        </p:nvSpPr>
+        <p:spPr>
+          <a:xfrm>
+            <a:off x="1141412" y="2666999"/>
+            <a:ext cx="4876800" cy="3124201"/>
+          </a:xfrm>
+        </p:spPr>
+        <p:txBody>
+          <a:bodyPr>
+            <a:normAutofit/>
+          </a:bodyPr>
+          <a:lstStyle>
+            <a:lvl1pPr>
+              <a:defRPr sz="1800"/>
+            </a:lvl1pPr>
+            <a:lvl2pPr>
+              <a:defRPr sz="1600"/>
+            </a:lvl2pPr>
+            <a:lvl3pPr>
+              <a:defRPr sz="1400"/>
+            </a:lvl3pPr>
+            <a:lvl4pPr>
+              <a:defRPr sz="1200"/>
+            </a:lvl4pPr>
+            <a:lvl5pPr>
+              <a:defRPr sz="1200"/>
+            </a:lvl5pPr>
+            <a:lvl6pPr>
+              <a:defRPr sz="1200"/>
+            </a:lvl6pPr>
+            <a:lvl7pPr>
+              <a:defRPr sz="1200"/>
+            </a:lvl7pPr>
+            <a:lvl8pPr>
+              <a:defRPr sz="1200"/>
+            </a:lvl8pPr>
+            <a:lvl9pPr>
+              <a:defRPr sz="1200"/>
+            </a:lvl9pPr>
+          </a:lstStyle>
+          <a:p>
+            <a:pPr lvl="0"/>
+            <a:r>
+              <a:rPr lang="en-US"/>
+              <a:t>Click to edit Master text styles</a:t>
+            </a:r>
+          </a:p>
+          <a:p>
+            <a:pPr lvl="1"/>
+            <a:r>
+              <a:rPr lang="en-US"/>
+              <a:t>Second level</a:t>
+            </a:r>
+          </a:p>
+          <a:p>
+            <a:pPr lvl="2"/>
+            <a:r>
+              <a:rPr lang="en-US"/>
+              <a:t>Third level</a:t>
+            </a:r>
+          </a:p>
+          <a:p>
+            <a:pPr lvl="3"/>
+            <a:r>
+              <a:rPr lang="en-US"/>
+              <a:t>Fourth level</a:t>
+            </a:r>
+          </a:p>
+          <a:p>
+            <a:pPr lvl="4"/>
+            <a:r>
+              <a:rPr lang="en-US"/>
+              <a:t>Fifth level</a:t>
+            </a:r>
+            <a:endParaRPr lang="en-US" dirty="0"/>
+          </a:p>
+        </p:txBody>
+      </p:sp>
+      <p:sp>
+        <p:nvSpPr>
+          <p:cNvPr id="4" name="Content Placeholder 3"/>
+          <p:cNvSpPr>
+            <a:spLocks noGrp="1"/>
+          </p:cNvSpPr>
+          <p:nvPr>
+            <p:ph sz="half" idx="2"/>
+          </p:nvPr>
+        </p:nvSpPr>
+        <p:spPr>
+          <a:xfrm>
+            <a:off x="6170612" y="2667000"/>
+            <a:ext cx="4876800" cy="3124200"/>
+          </a:xfrm>
+        </p:spPr>
+        <p:txBody>
+          <a:bodyPr>
+            <a:normAutofit/>
+          </a:bodyPr>
+          <a:lstStyle>
+            <a:lvl1pPr>
+              <a:defRPr sz="1800"/>
+            </a:lvl1pPr>
+            <a:lvl2pPr>
+              <a:defRPr sz="1600"/>
+            </a:lvl2pPr>
+            <a:lvl3pPr>
+              <a:defRPr sz="1400"/>
+            </a:lvl3pPr>
+            <a:lvl4pPr>
+              <a:defRPr sz="1200"/>
+            </a:lvl4pPr>
+            <a:lvl5pPr>
+              <a:defRPr sz="1200"/>
+            </a:lvl5pPr>
+            <a:lvl6pPr>
+              <a:defRPr sz="1200"/>
+            </a:lvl6pPr>
+            <a:lvl7pPr>
+              <a:defRPr sz="1200"/>
+            </a:lvl7pPr>
+            <a:lvl8pPr>
+              <a:defRPr sz="1200"/>
+            </a:lvl8pPr>
+            <a:lvl9pPr>
+              <a:defRPr sz="1200"/>
+            </a:lvl9pPr>
+          </a:lstStyle>
+          <a:p>
+            <a:pPr lvl="0"/>
+            <a:r>
+              <a:rPr lang="en-US"/>
+              <a:t>Click to edit Master text styles</a:t>
+            </a:r>
+          </a:p>
+          <a:p>
+            <a:pPr lvl="1"/>
+            <a:r>
+              <a:rPr lang="en-US"/>
+              <a:t>Second level</a:t>
+            </a:r>
+          </a:p>
+          <a:p>
+            <a:pPr lvl="2"/>
+            <a:r>
+              <a:rPr lang="en-US"/>
+              <a:t>Third level</a:t>
+            </a:r>
+          </a:p>
+          <a:p>
+            <a:pPr lvl="3"/>
+            <a:r>
+              <a:rPr lang="en-US"/>
+              <a:t>Fourth level</a:t>
+            </a:r>
+          </a:p>
+          <a:p>
+            <a:pPr lvl="4"/>
+            <a:r>
+              <a:rPr lang="en-US"/>
+              <a:t>Fifth level</a:t>
+            </a:r>
+            <a:endParaRPr lang="en-US" dirty="0"/>
+          </a:p>
+        </p:txBody>
+      </p:sp>
+      <p:sp>
+        <p:nvSpPr>
+          <p:cNvPr id="5" name="Date Placeholder 4"/>
+          <p:cNvSpPr>
+            <a:spLocks noGrp="1"/>
+          </p:cNvSpPr>
+          <p:nvPr>
+            <p:ph type="dt" sz="half" idx="10"/>
+          </p:nvPr>
+        </p:nvSpPr>
+        <p:spPr/>
+        <p:txBody>
+          <a:bodyPr/>
+          <a:lstStyle/>
+          <a:p>
+            <a:fld id="{E74541E0-D784-4841-9ABA-0D7648CC5CF3}" type="datetimeFigureOut">
+              <a:rPr lang="en-IN" smtClean="0"/>
+              <a:t>26-02-2024</a:t>
+            </a:fld>
+            <a:endParaRPr lang="en-IN"/>
+          </a:p>
+        </p:txBody>
+      </p:sp>
+      <p:sp>
+        <p:nvSpPr>
+          <p:cNvPr id="6" name="Footer Placeholder 5"/>
+          <p:cNvSpPr>
+            <a:spLocks noGrp="1"/>
+          </p:cNvSpPr>
+          <p:nvPr>
+            <p:ph type="ftr" sz="quarter" idx="11"/>
+          </p:nvPr>
+        </p:nvSpPr>
+        <p:spPr/>
+        <p:txBody>
+          <a:bodyPr/>
+          <a:lstStyle/>
+          <a:p>
+            <a:endParaRPr lang="en-IN"/>
+          </a:p>
+        </p:txBody>
+      </p:sp>
+      <p:sp>
+        <p:nvSpPr>
+          <p:cNvPr id="7" name="Slide Number Placeholder 6"/>
+          <p:cNvSpPr>
+            <a:spLocks noGrp="1"/>
+          </p:cNvSpPr>
+          <p:nvPr>
+            <p:ph type="sldNum" sz="quarter" idx="12"/>
+          </p:nvPr>
+        </p:nvSpPr>
+        <p:spPr/>
+        <p:txBody>
+          <a:bodyPr/>
+          <a:lstStyle/>
+          <a:p>
+            <a:fld id="{2F5B32F1-8AD9-48F6-AF26-90F67DDFF68F}" type="slidenum">
+              <a:rPr lang="en-IN" smtClean="0"/>
+              <a:t>‹#›</a:t>
+            </a:fld>
+            <a:endParaRPr lang="en-IN"/>
+          </a:p>
+        </p:txBody>
+      </p:sp>
+    </p:spTree>
+    <p:extLst>
+      <p:ext uri="{BB962C8B-B14F-4D97-AF65-F5344CB8AC3E}">
+        <p14:creationId xmlns:p14="http://schemas.microsoft.com/office/powerpoint/2010/main" val="803907851"/>
+      </p:ext>
+    </p:extLst>
+  </p:cSld>
+  <p:clrMapOvr>
+    <a:masterClrMapping/>
+  </p:clrMapOvr>
+</p:sldLayout>
+</file>
+
+<file path=ppt/slideLayouts/slideLayout16.xml><?xml version="1.0" encoding="utf-8"?>
+<p:sldLayout xmlns:a="http://schemas.openxmlformats.org/drawingml/2006/main" xmlns:r="http://schemas.openxmlformats.org/officeDocument/2006/relationships" xmlns:p="http://schemas.openxmlformats.org/presentationml/2006/main" type="twoTxTwoObj" preserve="1">
+  <p:cSld name="Comparison">
+    <p:spTree>
+      <p:nvGrpSpPr>
+        <p:cNvPr id="1" name=""/>
+        <p:cNvGrpSpPr/>
+        <p:nvPr/>
+      </p:nvGrpSpPr>
+      <p:grpSpPr>
+        <a:xfrm>
+          <a:off x="0" y="0"/>
+          <a:ext cx="0" cy="0"/>
+          <a:chOff x="0" y="0"/>
+          <a:chExt cx="0" cy="0"/>
+        </a:xfrm>
+      </p:grpSpPr>
+      <p:sp>
+        <p:nvSpPr>
+          <p:cNvPr id="2" name="Title 1"/>
+          <p:cNvSpPr>
+            <a:spLocks noGrp="1"/>
+          </p:cNvSpPr>
+          <p:nvPr>
+            <p:ph type="title"/>
+          </p:nvPr>
+        </p:nvSpPr>
+        <p:spPr/>
+        <p:txBody>
+          <a:bodyPr/>
+          <a:lstStyle>
+            <a:lvl1pPr>
+              <a:defRPr/>
+            </a:lvl1pPr>
+          </a:lstStyle>
+          <a:p>
+            <a:r>
+              <a:rPr lang="en-US"/>
+              <a:t>Click to edit Master title style</a:t>
+            </a:r>
+            <a:endParaRPr lang="en-US" dirty="0"/>
+          </a:p>
+        </p:txBody>
+      </p:sp>
+      <p:sp>
+        <p:nvSpPr>
+          <p:cNvPr id="3" name="Text Placeholder 2"/>
+          <p:cNvSpPr>
+            <a:spLocks noGrp="1"/>
+          </p:cNvSpPr>
+          <p:nvPr>
+            <p:ph type="body" idx="1"/>
+          </p:nvPr>
+        </p:nvSpPr>
+        <p:spPr>
+          <a:xfrm>
+            <a:off x="1429280" y="2658533"/>
+            <a:ext cx="4588931" cy="576262"/>
+          </a:xfrm>
+        </p:spPr>
+        <p:txBody>
+          <a:bodyPr anchor="b">
+            <a:noAutofit/>
+          </a:bodyPr>
+          <a:lstStyle>
+            <a:lvl1pPr marL="0" indent="0">
+              <a:buNone/>
+              <a:defRPr sz="2800" b="0"/>
+            </a:lvl1pPr>
+            <a:lvl2pPr marL="457200" indent="0">
+              <a:buNone/>
+              <a:defRPr sz="2000" b="1"/>
+            </a:lvl2pPr>
+            <a:lvl3pPr marL="914400" indent="0">
+              <a:buNone/>
+              <a:defRPr sz="1800" b="1"/>
+            </a:lvl3pPr>
+            <a:lvl4pPr marL="1371600" indent="0">
+              <a:buNone/>
+              <a:defRPr sz="1600" b="1"/>
+            </a:lvl4pPr>
+            <a:lvl5pPr marL="1828800" indent="0">
+              <a:buNone/>
+              <a:defRPr sz="1600" b="1"/>
+            </a:lvl5pPr>
+            <a:lvl6pPr marL="2286000" indent="0">
+              <a:buNone/>
+              <a:defRPr sz="1600" b="1"/>
+            </a:lvl6pPr>
+            <a:lvl7pPr marL="2743200" indent="0">
+              <a:buNone/>
+              <a:defRPr sz="1600" b="1"/>
+            </a:lvl7pPr>
+            <a:lvl8pPr marL="3200400" indent="0">
+              <a:buNone/>
+              <a:defRPr sz="1600" b="1"/>
+            </a:lvl8pPr>
+            <a:lvl9pPr marL="3657600" indent="0">
+              <a:buNone/>
+              <a:defRPr sz="1600" b="1"/>
+            </a:lvl9pPr>
+          </a:lstStyle>
+          <a:p>
+            <a:pPr lvl="0"/>
+            <a:r>
+              <a:rPr lang="en-US"/>
+              <a:t>Click to edit Master text styles</a:t>
+            </a:r>
+          </a:p>
+        </p:txBody>
+      </p:sp>
+      <p:sp>
+        <p:nvSpPr>
+          <p:cNvPr id="4" name="Content Placeholder 3"/>
+          <p:cNvSpPr>
+            <a:spLocks noGrp="1"/>
+          </p:cNvSpPr>
+          <p:nvPr>
+            <p:ph sz="half" idx="2"/>
+          </p:nvPr>
+        </p:nvSpPr>
+        <p:spPr>
+          <a:xfrm>
+            <a:off x="1141412" y="3243262"/>
+            <a:ext cx="4876800" cy="2547937"/>
+          </a:xfrm>
+        </p:spPr>
+        <p:txBody>
+          <a:bodyPr anchor="t">
+            <a:normAutofit/>
+          </a:bodyPr>
+          <a:lstStyle>
+            <a:lvl1pPr>
+              <a:defRPr sz="1800"/>
+            </a:lvl1pPr>
+            <a:lvl2pPr>
+              <a:defRPr sz="1600"/>
+            </a:lvl2pPr>
+            <a:lvl3pPr>
+              <a:defRPr sz="1400"/>
+            </a:lvl3pPr>
+            <a:lvl4pPr>
+              <a:defRPr sz="1200"/>
+            </a:lvl4pPr>
+            <a:lvl5pPr>
+              <a:defRPr sz="1200"/>
+            </a:lvl5pPr>
+            <a:lvl6pPr>
+              <a:defRPr sz="1200"/>
+            </a:lvl6pPr>
+            <a:lvl7pPr>
+              <a:defRPr sz="1200"/>
+            </a:lvl7pPr>
+            <a:lvl8pPr>
+              <a:defRPr sz="1200"/>
+            </a:lvl8pPr>
+            <a:lvl9pPr>
+              <a:defRPr sz="1200"/>
+            </a:lvl9pPr>
+          </a:lstStyle>
+          <a:p>
+            <a:pPr lvl="0"/>
+            <a:r>
+              <a:rPr lang="en-US"/>
+              <a:t>Click to edit Master text styles</a:t>
+            </a:r>
+          </a:p>
+          <a:p>
+            <a:pPr lvl="1"/>
+            <a:r>
+              <a:rPr lang="en-US"/>
+              <a:t>Second level</a:t>
+            </a:r>
+          </a:p>
+          <a:p>
+            <a:pPr lvl="2"/>
+            <a:r>
+              <a:rPr lang="en-US"/>
+              <a:t>Third level</a:t>
+            </a:r>
+          </a:p>
+          <a:p>
+            <a:pPr lvl="3"/>
+            <a:r>
+              <a:rPr lang="en-US"/>
+              <a:t>Fourth level</a:t>
+            </a:r>
+          </a:p>
+          <a:p>
+            <a:pPr lvl="4"/>
+            <a:r>
+              <a:rPr lang="en-US"/>
+              <a:t>Fifth level</a:t>
+            </a:r>
+            <a:endParaRPr lang="en-US" dirty="0"/>
+          </a:p>
+        </p:txBody>
+      </p:sp>
+      <p:sp>
+        <p:nvSpPr>
+          <p:cNvPr id="5" name="Text Placeholder 4"/>
+          <p:cNvSpPr>
+            <a:spLocks noGrp="1"/>
+          </p:cNvSpPr>
+          <p:nvPr>
+            <p:ph type="body" sz="quarter" idx="3"/>
+          </p:nvPr>
+        </p:nvSpPr>
+        <p:spPr>
+          <a:xfrm>
+            <a:off x="6443133" y="2667000"/>
+            <a:ext cx="4604280" cy="576262"/>
+          </a:xfrm>
+        </p:spPr>
+        <p:txBody>
+          <a:bodyPr anchor="b">
+            <a:noAutofit/>
+          </a:bodyPr>
+          <a:lstStyle>
+            <a:lvl1pPr marL="0" indent="0">
+              <a:buNone/>
+              <a:defRPr sz="2800" b="0"/>
+            </a:lvl1pPr>
+            <a:lvl2pPr marL="457200" indent="0">
+              <a:buNone/>
+              <a:defRPr sz="2000" b="1"/>
+            </a:lvl2pPr>
+            <a:lvl3pPr marL="914400" indent="0">
+              <a:buNone/>
+              <a:defRPr sz="1800" b="1"/>
+            </a:lvl3pPr>
+            <a:lvl4pPr marL="1371600" indent="0">
+              <a:buNone/>
+              <a:defRPr sz="1600" b="1"/>
+            </a:lvl4pPr>
+            <a:lvl5pPr marL="1828800" indent="0">
+              <a:buNone/>
+              <a:defRPr sz="1600" b="1"/>
+            </a:lvl5pPr>
+            <a:lvl6pPr marL="2286000" indent="0">
+              <a:buNone/>
+              <a:defRPr sz="1600" b="1"/>
+            </a:lvl6pPr>
+            <a:lvl7pPr marL="2743200" indent="0">
+              <a:buNone/>
+              <a:defRPr sz="1600" b="1"/>
+            </a:lvl7pPr>
+            <a:lvl8pPr marL="3200400" indent="0">
+              <a:buNone/>
+              <a:defRPr sz="1600" b="1"/>
+            </a:lvl8pPr>
+            <a:lvl9pPr marL="3657600" indent="0">
+              <a:buNone/>
+              <a:defRPr sz="1600" b="1"/>
+            </a:lvl9pPr>
+          </a:lstStyle>
+          <a:p>
+            <a:pPr lvl="0"/>
+            <a:r>
+              <a:rPr lang="en-US"/>
+              <a:t>Click to edit Master text styles</a:t>
+            </a:r>
+          </a:p>
+        </p:txBody>
+      </p:sp>
+      <p:sp>
+        <p:nvSpPr>
+          <p:cNvPr id="6" name="Content Placeholder 5"/>
+          <p:cNvSpPr>
+            <a:spLocks noGrp="1"/>
+          </p:cNvSpPr>
+          <p:nvPr>
+            <p:ph sz="quarter" idx="4"/>
+          </p:nvPr>
+        </p:nvSpPr>
+        <p:spPr>
+          <a:xfrm>
+            <a:off x="6170612" y="3243262"/>
+            <a:ext cx="4876801" cy="2547937"/>
+          </a:xfrm>
+        </p:spPr>
+        <p:txBody>
+          <a:bodyPr anchor="t">
+            <a:normAutofit/>
+          </a:bodyPr>
+          <a:lstStyle>
+            <a:lvl1pPr>
+              <a:defRPr sz="1800"/>
+            </a:lvl1pPr>
+            <a:lvl2pPr>
+              <a:defRPr sz="1600"/>
+            </a:lvl2pPr>
+            <a:lvl3pPr>
+              <a:defRPr sz="1400"/>
+            </a:lvl3pPr>
+            <a:lvl4pPr>
+              <a:defRPr sz="1200"/>
+            </a:lvl4pPr>
+            <a:lvl5pPr>
+              <a:defRPr sz="1200"/>
+            </a:lvl5pPr>
+            <a:lvl6pPr>
+              <a:defRPr sz="1200"/>
+            </a:lvl6pPr>
+            <a:lvl7pPr>
+              <a:defRPr sz="1200"/>
+            </a:lvl7pPr>
+            <a:lvl8pPr>
+              <a:defRPr sz="1200"/>
+            </a:lvl8pPr>
+            <a:lvl9pPr>
+              <a:defRPr sz="1200"/>
+            </a:lvl9pPr>
+          </a:lstStyle>
+          <a:p>
+            <a:pPr lvl="0"/>
+            <a:r>
+              <a:rPr lang="en-US"/>
+              <a:t>Click to edit Master text styles</a:t>
+            </a:r>
+          </a:p>
+          <a:p>
+            <a:pPr lvl="1"/>
+            <a:r>
+              <a:rPr lang="en-US"/>
+              <a:t>Second level</a:t>
+            </a:r>
+          </a:p>
+          <a:p>
+            <a:pPr lvl="2"/>
+            <a:r>
+              <a:rPr lang="en-US"/>
+              <a:t>Third level</a:t>
+            </a:r>
+          </a:p>
+          <a:p>
+            <a:pPr lvl="3"/>
+            <a:r>
+              <a:rPr lang="en-US"/>
+              <a:t>Fourth level</a:t>
+            </a:r>
+          </a:p>
+          <a:p>
+            <a:pPr lvl="4"/>
+            <a:r>
+              <a:rPr lang="en-US"/>
+              <a:t>Fifth level</a:t>
+            </a:r>
+            <a:endParaRPr lang="en-US" dirty="0"/>
+          </a:p>
+        </p:txBody>
+      </p:sp>
+      <p:sp>
+        <p:nvSpPr>
+          <p:cNvPr id="7" name="Date Placeholder 6"/>
+          <p:cNvSpPr>
+            <a:spLocks noGrp="1"/>
+          </p:cNvSpPr>
+          <p:nvPr>
+            <p:ph type="dt" sz="half" idx="10"/>
+          </p:nvPr>
+        </p:nvSpPr>
+        <p:spPr/>
+        <p:txBody>
+          <a:bodyPr/>
+          <a:lstStyle/>
+          <a:p>
+            <a:fld id="{E74541E0-D784-4841-9ABA-0D7648CC5CF3}" type="datetimeFigureOut">
+              <a:rPr lang="en-IN" smtClean="0"/>
+              <a:t>26-02-2024</a:t>
+            </a:fld>
+            <a:endParaRPr lang="en-IN"/>
+          </a:p>
+        </p:txBody>
+      </p:sp>
+      <p:sp>
+        <p:nvSpPr>
+          <p:cNvPr id="8" name="Footer Placeholder 7"/>
+          <p:cNvSpPr>
+            <a:spLocks noGrp="1"/>
+          </p:cNvSpPr>
+          <p:nvPr>
+            <p:ph type="ftr" sz="quarter" idx="11"/>
+          </p:nvPr>
+        </p:nvSpPr>
+        <p:spPr/>
+        <p:txBody>
+          <a:bodyPr/>
+          <a:lstStyle/>
+          <a:p>
+            <a:endParaRPr lang="en-IN"/>
+          </a:p>
+        </p:txBody>
+      </p:sp>
+      <p:sp>
+        <p:nvSpPr>
+          <p:cNvPr id="9" name="Slide Number Placeholder 8"/>
+          <p:cNvSpPr>
+            <a:spLocks noGrp="1"/>
+          </p:cNvSpPr>
+          <p:nvPr>
+            <p:ph type="sldNum" sz="quarter" idx="12"/>
+          </p:nvPr>
+        </p:nvSpPr>
+        <p:spPr/>
+        <p:txBody>
+          <a:bodyPr/>
+          <a:lstStyle/>
+          <a:p>
+            <a:fld id="{2F5B32F1-8AD9-48F6-AF26-90F67DDFF68F}" type="slidenum">
+              <a:rPr lang="en-IN" smtClean="0"/>
+              <a:t>‹#›</a:t>
+            </a:fld>
+            <a:endParaRPr lang="en-IN"/>
+          </a:p>
+        </p:txBody>
+      </p:sp>
+    </p:spTree>
+    <p:extLst>
+      <p:ext uri="{BB962C8B-B14F-4D97-AF65-F5344CB8AC3E}">
+        <p14:creationId xmlns:p14="http://schemas.microsoft.com/office/powerpoint/2010/main" val="3778256322"/>
+      </p:ext>
+    </p:extLst>
+  </p:cSld>
+  <p:clrMapOvr>
+    <a:masterClrMapping/>
+  </p:clrMapOvr>
+</p:sldLayout>
+</file>
+
+<file path=ppt/slideLayouts/slideLayout17.xml><?xml version="1.0" encoding="utf-8"?>
+<p:sldLayout xmlns:a="http://schemas.openxmlformats.org/drawingml/2006/main" xmlns:r="http://schemas.openxmlformats.org/officeDocument/2006/relationships" xmlns:p="http://schemas.openxmlformats.org/presentationml/2006/main" type="titleOnly" preserve="1">
+  <p:cSld name="Title Only">
+    <p:spTree>
+      <p:nvGrpSpPr>
+        <p:cNvPr id="1" name=""/>
+        <p:cNvGrpSpPr/>
+        <p:nvPr/>
+      </p:nvGrpSpPr>
+      <p:grpSpPr>
+        <a:xfrm>
+          <a:off x="0" y="0"/>
+          <a:ext cx="0" cy="0"/>
+          <a:chOff x="0" y="0"/>
+          <a:chExt cx="0" cy="0"/>
+        </a:xfrm>
+      </p:grpSpPr>
+      <p:sp>
+        <p:nvSpPr>
+          <p:cNvPr id="2" name="Title 1"/>
+          <p:cNvSpPr>
+            <a:spLocks noGrp="1"/>
+          </p:cNvSpPr>
+          <p:nvPr>
+            <p:ph type="title"/>
+          </p:nvPr>
+        </p:nvSpPr>
+        <p:spPr/>
+        <p:txBody>
+          <a:bodyPr/>
+          <a:lstStyle/>
+          <a:p>
+            <a:r>
+              <a:rPr lang="en-US"/>
+              <a:t>Click to edit Master title style</a:t>
+            </a:r>
+            <a:endParaRPr lang="en-US" dirty="0"/>
+          </a:p>
+        </p:txBody>
+      </p:sp>
+      <p:sp>
+        <p:nvSpPr>
+          <p:cNvPr id="3" name="Date Placeholder 2"/>
+          <p:cNvSpPr>
+            <a:spLocks noGrp="1"/>
+          </p:cNvSpPr>
+          <p:nvPr>
+            <p:ph type="dt" sz="half" idx="10"/>
+          </p:nvPr>
+        </p:nvSpPr>
+        <p:spPr/>
+        <p:txBody>
+          <a:bodyPr/>
+          <a:lstStyle/>
+          <a:p>
+            <a:fld id="{E74541E0-D784-4841-9ABA-0D7648CC5CF3}" type="datetimeFigureOut">
+              <a:rPr lang="en-IN" smtClean="0"/>
+              <a:t>26-02-2024</a:t>
+            </a:fld>
+            <a:endParaRPr lang="en-IN"/>
+          </a:p>
+        </p:txBody>
+      </p:sp>
+      <p:sp>
+        <p:nvSpPr>
+          <p:cNvPr id="4" name="Footer Placeholder 3"/>
+          <p:cNvSpPr>
+            <a:spLocks noGrp="1"/>
+          </p:cNvSpPr>
+          <p:nvPr>
+            <p:ph type="ftr" sz="quarter" idx="11"/>
+          </p:nvPr>
+        </p:nvSpPr>
+        <p:spPr/>
+        <p:txBody>
+          <a:bodyPr/>
+          <a:lstStyle/>
+          <a:p>
+            <a:endParaRPr lang="en-IN"/>
+          </a:p>
+        </p:txBody>
+      </p:sp>
+      <p:sp>
+        <p:nvSpPr>
+          <p:cNvPr id="5" name="Slide Number Placeholder 4"/>
+          <p:cNvSpPr>
+            <a:spLocks noGrp="1"/>
+          </p:cNvSpPr>
+          <p:nvPr>
+            <p:ph type="sldNum" sz="quarter" idx="12"/>
+          </p:nvPr>
+        </p:nvSpPr>
+        <p:spPr/>
+        <p:txBody>
+          <a:bodyPr/>
+          <a:lstStyle/>
+          <a:p>
+            <a:fld id="{2F5B32F1-8AD9-48F6-AF26-90F67DDFF68F}" type="slidenum">
+              <a:rPr lang="en-IN" smtClean="0"/>
+              <a:t>‹#›</a:t>
+            </a:fld>
+            <a:endParaRPr lang="en-IN"/>
+          </a:p>
+        </p:txBody>
+      </p:sp>
+    </p:spTree>
+    <p:extLst>
+      <p:ext uri="{BB962C8B-B14F-4D97-AF65-F5344CB8AC3E}">
+        <p14:creationId xmlns:p14="http://schemas.microsoft.com/office/powerpoint/2010/main" val="3172122482"/>
+      </p:ext>
+    </p:extLst>
+  </p:cSld>
+  <p:clrMapOvr>
+    <a:masterClrMapping/>
+  </p:clrMapOvr>
+</p:sldLayout>
+</file>
+
+<file path=ppt/slideLayouts/slideLayout18.xml><?xml version="1.0" encoding="utf-8"?>
+<p:sldLayout xmlns:a="http://schemas.openxmlformats.org/drawingml/2006/main" xmlns:r="http://schemas.openxmlformats.org/officeDocument/2006/relationships" xmlns:p="http://schemas.openxmlformats.org/presentationml/2006/main" type="blank" preserve="1">
+  <p:cSld name="Blank">
+    <p:spTree>
+      <p:nvGrpSpPr>
+        <p:cNvPr id="1" name=""/>
+        <p:cNvGrpSpPr/>
+        <p:nvPr/>
+      </p:nvGrpSpPr>
+      <p:grpSpPr>
+        <a:xfrm>
+          <a:off x="0" y="0"/>
+          <a:ext cx="0" cy="0"/>
+          <a:chOff x="0" y="0"/>
+          <a:chExt cx="0" cy="0"/>
+        </a:xfrm>
+      </p:grpSpPr>
+      <p:sp>
+        <p:nvSpPr>
+          <p:cNvPr id="2" name="Date Placeholder 1"/>
+          <p:cNvSpPr>
+            <a:spLocks noGrp="1"/>
+          </p:cNvSpPr>
+          <p:nvPr>
+            <p:ph type="dt" sz="half" idx="10"/>
+          </p:nvPr>
+        </p:nvSpPr>
+        <p:spPr/>
+        <p:txBody>
+          <a:bodyPr/>
+          <a:lstStyle/>
+          <a:p>
+            <a:fld id="{E74541E0-D784-4841-9ABA-0D7648CC5CF3}" type="datetimeFigureOut">
+              <a:rPr lang="en-IN" smtClean="0"/>
+              <a:t>26-02-2024</a:t>
+            </a:fld>
+            <a:endParaRPr lang="en-IN"/>
+          </a:p>
+        </p:txBody>
+      </p:sp>
+      <p:sp>
+        <p:nvSpPr>
+          <p:cNvPr id="3" name="Footer Placeholder 2"/>
+          <p:cNvSpPr>
+            <a:spLocks noGrp="1"/>
+          </p:cNvSpPr>
+          <p:nvPr>
+            <p:ph type="ftr" sz="quarter" idx="11"/>
+          </p:nvPr>
+        </p:nvSpPr>
+        <p:spPr/>
+        <p:txBody>
+          <a:bodyPr/>
+          <a:lstStyle/>
+          <a:p>
+            <a:endParaRPr lang="en-IN"/>
+          </a:p>
+        </p:txBody>
+      </p:sp>
+      <p:sp>
+        <p:nvSpPr>
+          <p:cNvPr id="4" name="Slide Number Placeholder 3"/>
+          <p:cNvSpPr>
+            <a:spLocks noGrp="1"/>
+          </p:cNvSpPr>
+          <p:nvPr>
+            <p:ph type="sldNum" sz="quarter" idx="12"/>
+          </p:nvPr>
+        </p:nvSpPr>
+        <p:spPr/>
+        <p:txBody>
+          <a:bodyPr/>
+          <a:lstStyle/>
+          <a:p>
+            <a:fld id="{2F5B32F1-8AD9-48F6-AF26-90F67DDFF68F}" type="slidenum">
+              <a:rPr lang="en-IN" smtClean="0"/>
+              <a:t>‹#›</a:t>
+            </a:fld>
+            <a:endParaRPr lang="en-IN"/>
+          </a:p>
+        </p:txBody>
+      </p:sp>
+    </p:spTree>
+    <p:extLst>
+      <p:ext uri="{BB962C8B-B14F-4D97-AF65-F5344CB8AC3E}">
+        <p14:creationId xmlns:p14="http://schemas.microsoft.com/office/powerpoint/2010/main" val="1713847244"/>
+      </p:ext>
+    </p:extLst>
+  </p:cSld>
+  <p:clrMapOvr>
+    <a:masterClrMapping/>
+  </p:clrMapOvr>
+</p:sldLayout>
+</file>
+
+<file path=ppt/slideLayouts/slideLayout19.xml><?xml version="1.0" encoding="utf-8"?>
+<p:sldLayout xmlns:a="http://schemas.openxmlformats.org/drawingml/2006/main" xmlns:r="http://schemas.openxmlformats.org/officeDocument/2006/relationships" xmlns:p="http://schemas.openxmlformats.org/presentationml/2006/main" type="objTx" preserve="1">
+  <p:cSld name="Content with Caption">
+    <p:spTree>
+      <p:nvGrpSpPr>
+        <p:cNvPr id="1" name=""/>
+        <p:cNvGrpSpPr/>
+        <p:nvPr/>
+      </p:nvGrpSpPr>
+      <p:grpSpPr>
+        <a:xfrm>
+          <a:off x="0" y="0"/>
+          <a:ext cx="0" cy="0"/>
+          <a:chOff x="0" y="0"/>
+          <a:chExt cx="0" cy="0"/>
+        </a:xfrm>
+      </p:grpSpPr>
+      <p:sp>
+        <p:nvSpPr>
+          <p:cNvPr id="2" name="Title 1"/>
+          <p:cNvSpPr>
+            <a:spLocks noGrp="1"/>
+          </p:cNvSpPr>
+          <p:nvPr>
+            <p:ph type="title"/>
+          </p:nvPr>
+        </p:nvSpPr>
+        <p:spPr>
+          <a:xfrm>
+            <a:off x="1141411" y="1600200"/>
+            <a:ext cx="3549121" cy="1371600"/>
+          </a:xfrm>
+        </p:spPr>
+        <p:txBody>
+          <a:bodyPr anchor="b">
+            <a:normAutofit/>
+          </a:bodyPr>
+          <a:lstStyle>
+            <a:lvl1pPr algn="l">
+              <a:defRPr sz="2400" b="0"/>
+            </a:lvl1pPr>
+          </a:lstStyle>
+          <a:p>
+            <a:r>
+              <a:rPr lang="en-US"/>
+              <a:t>Click to edit Master title style</a:t>
+            </a:r>
+            <a:endParaRPr lang="en-US" dirty="0"/>
+          </a:p>
+        </p:txBody>
+      </p:sp>
+      <p:sp>
+        <p:nvSpPr>
+          <p:cNvPr id="3" name="Content Placeholder 2"/>
+          <p:cNvSpPr>
+            <a:spLocks noGrp="1"/>
+          </p:cNvSpPr>
+          <p:nvPr>
+            <p:ph idx="1"/>
+          </p:nvPr>
+        </p:nvSpPr>
+        <p:spPr>
+          <a:xfrm>
+            <a:off x="5103812" y="609601"/>
+            <a:ext cx="5943601" cy="5181600"/>
+          </a:xfrm>
+        </p:spPr>
+        <p:txBody>
+          <a:bodyPr anchor="ctr">
+            <a:normAutofit/>
+          </a:bodyPr>
+          <a:lstStyle>
+            <a:lvl1pPr>
+              <a:defRPr sz="2000"/>
+            </a:lvl1pPr>
+            <a:lvl2pPr>
+              <a:defRPr sz="1800"/>
+            </a:lvl2pPr>
+            <a:lvl3pPr>
+              <a:defRPr sz="1600"/>
+            </a:lvl3pPr>
+            <a:lvl4pPr>
+              <a:defRPr sz="1400"/>
+            </a:lvl4pPr>
+            <a:lvl5pPr>
+              <a:defRPr sz="1400"/>
+            </a:lvl5pPr>
+            <a:lvl6pPr>
+              <a:defRPr sz="1400"/>
+            </a:lvl6pPr>
+            <a:lvl7pPr>
+              <a:defRPr sz="1400"/>
+            </a:lvl7pPr>
+            <a:lvl8pPr>
+              <a:defRPr sz="1400"/>
+            </a:lvl8pPr>
+            <a:lvl9pPr>
+              <a:defRPr sz="1400"/>
+            </a:lvl9pPr>
+          </a:lstStyle>
+          <a:p>
+            <a:pPr lvl="0"/>
+            <a:r>
+              <a:rPr lang="en-US"/>
+              <a:t>Click to edit Master text styles</a:t>
+            </a:r>
+          </a:p>
+          <a:p>
+            <a:pPr lvl="1"/>
+            <a:r>
+              <a:rPr lang="en-US"/>
+              <a:t>Second level</a:t>
+            </a:r>
+          </a:p>
+          <a:p>
+            <a:pPr lvl="2"/>
+            <a:r>
+              <a:rPr lang="en-US"/>
+              <a:t>Third level</a:t>
+            </a:r>
+          </a:p>
+          <a:p>
+            <a:pPr lvl="3"/>
+            <a:r>
+              <a:rPr lang="en-US"/>
+              <a:t>Fourth level</a:t>
+            </a:r>
+          </a:p>
+          <a:p>
+            <a:pPr lvl="4"/>
+            <a:r>
+              <a:rPr lang="en-US"/>
+              <a:t>Fifth level</a:t>
+            </a:r>
+            <a:endParaRPr lang="en-US" dirty="0"/>
+          </a:p>
+        </p:txBody>
+      </p:sp>
+      <p:sp>
+        <p:nvSpPr>
+          <p:cNvPr id="4" name="Text Placeholder 3"/>
+          <p:cNvSpPr>
+            <a:spLocks noGrp="1"/>
+          </p:cNvSpPr>
+          <p:nvPr>
+            <p:ph type="body" sz="half" idx="2"/>
+          </p:nvPr>
+        </p:nvSpPr>
+        <p:spPr>
+          <a:xfrm>
+            <a:off x="1141411" y="2971800"/>
+            <a:ext cx="3549121" cy="1828800"/>
+          </a:xfrm>
+        </p:spPr>
+        <p:txBody>
+          <a:bodyPr>
+            <a:normAutofit/>
+          </a:bodyPr>
+          <a:lstStyle>
+            <a:lvl1pPr marL="0" indent="0">
+              <a:buNone/>
+              <a:defRPr sz="1600"/>
+            </a:lvl1pPr>
+            <a:lvl2pPr marL="457200" indent="0">
+              <a:buNone/>
+              <a:defRPr sz="1200"/>
+            </a:lvl2pPr>
+            <a:lvl3pPr marL="914400" indent="0">
+              <a:buNone/>
+              <a:defRPr sz="1000"/>
+            </a:lvl3pPr>
+            <a:lvl4pPr marL="1371600" indent="0">
+              <a:buNone/>
+              <a:defRPr sz="900"/>
+            </a:lvl4pPr>
+            <a:lvl5pPr marL="1828800" indent="0">
+              <a:buNone/>
+              <a:defRPr sz="900"/>
+            </a:lvl5pPr>
+            <a:lvl6pPr marL="2286000" indent="0">
+              <a:buNone/>
+              <a:defRPr sz="900"/>
+            </a:lvl6pPr>
+            <a:lvl7pPr marL="2743200" indent="0">
+              <a:buNone/>
+              <a:defRPr sz="900"/>
+            </a:lvl7pPr>
+            <a:lvl8pPr marL="3200400" indent="0">
+              <a:buNone/>
+              <a:defRPr sz="900"/>
+            </a:lvl8pPr>
+            <a:lvl9pPr marL="3657600" indent="0">
+              <a:buNone/>
+              <a:defRPr sz="900"/>
+            </a:lvl9pPr>
+          </a:lstStyle>
+          <a:p>
+            <a:pPr lvl="0"/>
+            <a:r>
+              <a:rPr lang="en-US"/>
+              <a:t>Click to edit Master text styles</a:t>
+            </a:r>
+          </a:p>
+        </p:txBody>
+      </p:sp>
+      <p:sp>
+        <p:nvSpPr>
+          <p:cNvPr id="5" name="Date Placeholder 4"/>
+          <p:cNvSpPr>
+            <a:spLocks noGrp="1"/>
+          </p:cNvSpPr>
+          <p:nvPr>
+            <p:ph type="dt" sz="half" idx="10"/>
+          </p:nvPr>
+        </p:nvSpPr>
+        <p:spPr/>
+        <p:txBody>
+          <a:bodyPr/>
+          <a:lstStyle/>
+          <a:p>
+            <a:fld id="{E74541E0-D784-4841-9ABA-0D7648CC5CF3}" type="datetimeFigureOut">
+              <a:rPr lang="en-IN" smtClean="0"/>
+              <a:t>26-02-2024</a:t>
+            </a:fld>
+            <a:endParaRPr lang="en-IN"/>
+          </a:p>
+        </p:txBody>
+      </p:sp>
+      <p:sp>
+        <p:nvSpPr>
+          <p:cNvPr id="6" name="Footer Placeholder 5"/>
+          <p:cNvSpPr>
+            <a:spLocks noGrp="1"/>
+          </p:cNvSpPr>
+          <p:nvPr>
+            <p:ph type="ftr" sz="quarter" idx="11"/>
+          </p:nvPr>
+        </p:nvSpPr>
+        <p:spPr/>
+        <p:txBody>
+          <a:bodyPr/>
+          <a:lstStyle/>
+          <a:p>
+            <a:endParaRPr lang="en-IN"/>
+          </a:p>
+        </p:txBody>
+      </p:sp>
+      <p:sp>
+        <p:nvSpPr>
+          <p:cNvPr id="7" name="Slide Number Placeholder 6"/>
+          <p:cNvSpPr>
+            <a:spLocks noGrp="1"/>
+          </p:cNvSpPr>
+          <p:nvPr>
+            <p:ph type="sldNum" sz="quarter" idx="12"/>
+          </p:nvPr>
+        </p:nvSpPr>
+        <p:spPr/>
+        <p:txBody>
+          <a:bodyPr/>
+          <a:lstStyle/>
+          <a:p>
+            <a:fld id="{2F5B32F1-8AD9-48F6-AF26-90F67DDFF68F}" type="slidenum">
+              <a:rPr lang="en-IN" smtClean="0"/>
+              <a:t>‹#›</a:t>
+            </a:fld>
+            <a:endParaRPr lang="en-IN"/>
+          </a:p>
+        </p:txBody>
+      </p:sp>
+    </p:spTree>
+    <p:extLst>
+      <p:ext uri="{BB962C8B-B14F-4D97-AF65-F5344CB8AC3E}">
+        <p14:creationId xmlns:p14="http://schemas.microsoft.com/office/powerpoint/2010/main" val="3143243214"/>
       </p:ext>
     </p:extLst>
   </p:cSld>
@@ -1386,7 +3306,7 @@
           <a:p>
             <a:fld id="{E74541E0-D784-4841-9ABA-0D7648CC5CF3}" type="datetimeFigureOut">
               <a:rPr lang="en-IN" smtClean="0"/>
-              <a:t>19-01-2024</a:t>
+              <a:t>26-02-2024</a:t>
             </a:fld>
             <a:endParaRPr lang="en-IN"/>
           </a:p>
@@ -1450,6 +3370,2769 @@
     <p:extLst>
       <p:ext uri="{BB962C8B-B14F-4D97-AF65-F5344CB8AC3E}">
         <p14:creationId xmlns:p14="http://schemas.microsoft.com/office/powerpoint/2010/main" val="3750125002"/>
+      </p:ext>
+    </p:extLst>
+  </p:cSld>
+  <p:clrMapOvr>
+    <a:masterClrMapping/>
+  </p:clrMapOvr>
+</p:sldLayout>
+</file>
+
+<file path=ppt/slideLayouts/slideLayout20.xml><?xml version="1.0" encoding="utf-8"?>
+<p:sldLayout xmlns:a="http://schemas.openxmlformats.org/drawingml/2006/main" xmlns:r="http://schemas.openxmlformats.org/officeDocument/2006/relationships" xmlns:p="http://schemas.openxmlformats.org/presentationml/2006/main" type="picTx" preserve="1">
+  <p:cSld name="Picture with Caption">
+    <p:spTree>
+      <p:nvGrpSpPr>
+        <p:cNvPr id="1" name=""/>
+        <p:cNvGrpSpPr/>
+        <p:nvPr/>
+      </p:nvGrpSpPr>
+      <p:grpSpPr>
+        <a:xfrm>
+          <a:off x="0" y="0"/>
+          <a:ext cx="0" cy="0"/>
+          <a:chOff x="0" y="0"/>
+          <a:chExt cx="0" cy="0"/>
+        </a:xfrm>
+      </p:grpSpPr>
+      <p:sp>
+        <p:nvSpPr>
+          <p:cNvPr id="2" name="Title 1"/>
+          <p:cNvSpPr>
+            <a:spLocks noGrp="1"/>
+          </p:cNvSpPr>
+          <p:nvPr>
+            <p:ph type="title"/>
+          </p:nvPr>
+        </p:nvSpPr>
+        <p:spPr>
+          <a:xfrm>
+            <a:off x="1141411" y="1600200"/>
+            <a:ext cx="5334001" cy="1371600"/>
+          </a:xfrm>
+        </p:spPr>
+        <p:txBody>
+          <a:bodyPr anchor="b">
+            <a:normAutofit/>
+          </a:bodyPr>
+          <a:lstStyle>
+            <a:lvl1pPr algn="l">
+              <a:defRPr sz="2800" b="0"/>
+            </a:lvl1pPr>
+          </a:lstStyle>
+          <a:p>
+            <a:r>
+              <a:rPr lang="en-US"/>
+              <a:t>Click to edit Master title style</a:t>
+            </a:r>
+            <a:endParaRPr lang="en-US" dirty="0"/>
+          </a:p>
+        </p:txBody>
+      </p:sp>
+      <p:sp>
+        <p:nvSpPr>
+          <p:cNvPr id="14" name="Picture Placeholder 2"/>
+          <p:cNvSpPr>
+            <a:spLocks noGrp="1" noChangeAspect="1"/>
+          </p:cNvSpPr>
+          <p:nvPr>
+            <p:ph type="pic" idx="1"/>
+          </p:nvPr>
+        </p:nvSpPr>
+        <p:spPr>
+          <a:xfrm>
+            <a:off x="7433733" y="-18288"/>
+            <a:ext cx="3276599" cy="6903720"/>
+          </a:xfrm>
+          <a:ln w="38100">
+            <a:gradFill flip="none" rotWithShape="1">
+              <a:gsLst>
+                <a:gs pos="0">
+                  <a:schemeClr val="bg2"/>
+                </a:gs>
+                <a:gs pos="100000">
+                  <a:schemeClr val="bg2">
+                    <a:lumMod val="75000"/>
+                  </a:schemeClr>
+                </a:gs>
+              </a:gsLst>
+              <a:lin ang="5400000" scaled="0"/>
+              <a:tileRect/>
+            </a:gradFill>
+          </a:ln>
+          <a:effectLst>
+            <a:innerShdw blurRad="57150" dist="38100" dir="10800000">
+              <a:srgbClr val="000000">
+                <a:alpha val="70000"/>
+              </a:srgbClr>
+            </a:innerShdw>
+          </a:effectLst>
+        </p:spPr>
+        <p:txBody>
+          <a:bodyPr anchor="t">
+            <a:normAutofit/>
+          </a:bodyPr>
+          <a:lstStyle>
+            <a:lvl1pPr marL="0" indent="0" algn="ctr">
+              <a:buNone/>
+              <a:defRPr sz="1600"/>
+            </a:lvl1pPr>
+            <a:lvl2pPr marL="457200" indent="0">
+              <a:buNone/>
+              <a:defRPr sz="1600"/>
+            </a:lvl2pPr>
+            <a:lvl3pPr marL="914400" indent="0">
+              <a:buNone/>
+              <a:defRPr sz="1600"/>
+            </a:lvl3pPr>
+            <a:lvl4pPr marL="1371600" indent="0">
+              <a:buNone/>
+              <a:defRPr sz="1600"/>
+            </a:lvl4pPr>
+            <a:lvl5pPr marL="1828800" indent="0">
+              <a:buNone/>
+              <a:defRPr sz="1600"/>
+            </a:lvl5pPr>
+            <a:lvl6pPr marL="2286000" indent="0">
+              <a:buNone/>
+              <a:defRPr sz="1600"/>
+            </a:lvl6pPr>
+            <a:lvl7pPr marL="2743200" indent="0">
+              <a:buNone/>
+              <a:defRPr sz="1600"/>
+            </a:lvl7pPr>
+            <a:lvl8pPr marL="3200400" indent="0">
+              <a:buNone/>
+              <a:defRPr sz="1600"/>
+            </a:lvl8pPr>
+            <a:lvl9pPr marL="3657600" indent="0">
+              <a:buNone/>
+              <a:defRPr sz="1600"/>
+            </a:lvl9pPr>
+          </a:lstStyle>
+          <a:p>
+            <a:r>
+              <a:rPr lang="en-US"/>
+              <a:t>Click icon to add picture</a:t>
+            </a:r>
+            <a:endParaRPr lang="en-US" dirty="0"/>
+          </a:p>
+        </p:txBody>
+      </p:sp>
+      <p:sp>
+        <p:nvSpPr>
+          <p:cNvPr id="4" name="Text Placeholder 3"/>
+          <p:cNvSpPr>
+            <a:spLocks noGrp="1"/>
+          </p:cNvSpPr>
+          <p:nvPr>
+            <p:ph type="body" sz="half" idx="2"/>
+          </p:nvPr>
+        </p:nvSpPr>
+        <p:spPr>
+          <a:xfrm>
+            <a:off x="1141411" y="2971800"/>
+            <a:ext cx="5334001" cy="1828800"/>
+          </a:xfrm>
+        </p:spPr>
+        <p:txBody>
+          <a:bodyPr>
+            <a:normAutofit/>
+          </a:bodyPr>
+          <a:lstStyle>
+            <a:lvl1pPr marL="0" indent="0">
+              <a:buNone/>
+              <a:defRPr sz="1800"/>
+            </a:lvl1pPr>
+            <a:lvl2pPr marL="457200" indent="0">
+              <a:buNone/>
+              <a:defRPr sz="1200"/>
+            </a:lvl2pPr>
+            <a:lvl3pPr marL="914400" indent="0">
+              <a:buNone/>
+              <a:defRPr sz="1000"/>
+            </a:lvl3pPr>
+            <a:lvl4pPr marL="1371600" indent="0">
+              <a:buNone/>
+              <a:defRPr sz="900"/>
+            </a:lvl4pPr>
+            <a:lvl5pPr marL="1828800" indent="0">
+              <a:buNone/>
+              <a:defRPr sz="900"/>
+            </a:lvl5pPr>
+            <a:lvl6pPr marL="2286000" indent="0">
+              <a:buNone/>
+              <a:defRPr sz="900"/>
+            </a:lvl6pPr>
+            <a:lvl7pPr marL="2743200" indent="0">
+              <a:buNone/>
+              <a:defRPr sz="900"/>
+            </a:lvl7pPr>
+            <a:lvl8pPr marL="3200400" indent="0">
+              <a:buNone/>
+              <a:defRPr sz="900"/>
+            </a:lvl8pPr>
+            <a:lvl9pPr marL="3657600" indent="0">
+              <a:buNone/>
+              <a:defRPr sz="900"/>
+            </a:lvl9pPr>
+          </a:lstStyle>
+          <a:p>
+            <a:pPr lvl="0"/>
+            <a:r>
+              <a:rPr lang="en-US"/>
+              <a:t>Click to edit Master text styles</a:t>
+            </a:r>
+          </a:p>
+        </p:txBody>
+      </p:sp>
+      <p:sp>
+        <p:nvSpPr>
+          <p:cNvPr id="5" name="Date Placeholder 4"/>
+          <p:cNvSpPr>
+            <a:spLocks noGrp="1"/>
+          </p:cNvSpPr>
+          <p:nvPr>
+            <p:ph type="dt" sz="half" idx="10"/>
+          </p:nvPr>
+        </p:nvSpPr>
+        <p:spPr>
+          <a:xfrm>
+            <a:off x="6399212" y="5883275"/>
+            <a:ext cx="914400" cy="365125"/>
+          </a:xfrm>
+        </p:spPr>
+        <p:txBody>
+          <a:bodyPr/>
+          <a:lstStyle/>
+          <a:p>
+            <a:fld id="{E74541E0-D784-4841-9ABA-0D7648CC5CF3}" type="datetimeFigureOut">
+              <a:rPr lang="en-IN" smtClean="0"/>
+              <a:t>26-02-2024</a:t>
+            </a:fld>
+            <a:endParaRPr lang="en-IN"/>
+          </a:p>
+        </p:txBody>
+      </p:sp>
+      <p:sp>
+        <p:nvSpPr>
+          <p:cNvPr id="6" name="Footer Placeholder 5"/>
+          <p:cNvSpPr>
+            <a:spLocks noGrp="1"/>
+          </p:cNvSpPr>
+          <p:nvPr>
+            <p:ph type="ftr" sz="quarter" idx="11"/>
+          </p:nvPr>
+        </p:nvSpPr>
+        <p:spPr>
+          <a:xfrm>
+            <a:off x="1141412" y="5883275"/>
+            <a:ext cx="5105400" cy="365125"/>
+          </a:xfrm>
+        </p:spPr>
+        <p:txBody>
+          <a:bodyPr/>
+          <a:lstStyle/>
+          <a:p>
+            <a:endParaRPr lang="en-IN"/>
+          </a:p>
+        </p:txBody>
+      </p:sp>
+      <p:sp>
+        <p:nvSpPr>
+          <p:cNvPr id="7" name="Slide Number Placeholder 6"/>
+          <p:cNvSpPr>
+            <a:spLocks noGrp="1"/>
+          </p:cNvSpPr>
+          <p:nvPr>
+            <p:ph type="sldNum" sz="quarter" idx="12"/>
+          </p:nvPr>
+        </p:nvSpPr>
+        <p:spPr>
+          <a:xfrm>
+            <a:off x="10742612" y="5883275"/>
+            <a:ext cx="322567" cy="365125"/>
+          </a:xfrm>
+        </p:spPr>
+        <p:txBody>
+          <a:bodyPr/>
+          <a:lstStyle/>
+          <a:p>
+            <a:fld id="{2F5B32F1-8AD9-48F6-AF26-90F67DDFF68F}" type="slidenum">
+              <a:rPr lang="en-IN" smtClean="0"/>
+              <a:t>‹#›</a:t>
+            </a:fld>
+            <a:endParaRPr lang="en-IN"/>
+          </a:p>
+        </p:txBody>
+      </p:sp>
+    </p:spTree>
+    <p:extLst>
+      <p:ext uri="{BB962C8B-B14F-4D97-AF65-F5344CB8AC3E}">
+        <p14:creationId xmlns:p14="http://schemas.microsoft.com/office/powerpoint/2010/main" val="970019107"/>
+      </p:ext>
+    </p:extLst>
+  </p:cSld>
+  <p:clrMapOvr>
+    <a:masterClrMapping/>
+  </p:clrMapOvr>
+</p:sldLayout>
+</file>
+
+<file path=ppt/slideLayouts/slideLayout21.xml><?xml version="1.0" encoding="utf-8"?>
+<p:sldLayout xmlns:a="http://schemas.openxmlformats.org/drawingml/2006/main" xmlns:r="http://schemas.openxmlformats.org/officeDocument/2006/relationships" xmlns:p="http://schemas.openxmlformats.org/presentationml/2006/main" preserve="1">
+  <p:cSld name="Panoramic Picture with Caption">
+    <p:spTree>
+      <p:nvGrpSpPr>
+        <p:cNvPr id="1" name=""/>
+        <p:cNvGrpSpPr/>
+        <p:nvPr/>
+      </p:nvGrpSpPr>
+      <p:grpSpPr>
+        <a:xfrm>
+          <a:off x="0" y="0"/>
+          <a:ext cx="0" cy="0"/>
+          <a:chOff x="0" y="0"/>
+          <a:chExt cx="0" cy="0"/>
+        </a:xfrm>
+      </p:grpSpPr>
+      <p:sp>
+        <p:nvSpPr>
+          <p:cNvPr id="2" name="Title 1"/>
+          <p:cNvSpPr>
+            <a:spLocks noGrp="1"/>
+          </p:cNvSpPr>
+          <p:nvPr>
+            <p:ph type="title"/>
+          </p:nvPr>
+        </p:nvSpPr>
+        <p:spPr>
+          <a:xfrm>
+            <a:off x="1141413" y="4732865"/>
+            <a:ext cx="9906000" cy="566738"/>
+          </a:xfrm>
+        </p:spPr>
+        <p:txBody>
+          <a:bodyPr anchor="b">
+            <a:normAutofit/>
+          </a:bodyPr>
+          <a:lstStyle>
+            <a:lvl1pPr algn="l">
+              <a:defRPr sz="2400" b="0"/>
+            </a:lvl1pPr>
+          </a:lstStyle>
+          <a:p>
+            <a:r>
+              <a:rPr lang="en-US"/>
+              <a:t>Click to edit Master title style</a:t>
+            </a:r>
+            <a:endParaRPr lang="en-US" dirty="0"/>
+          </a:p>
+        </p:txBody>
+      </p:sp>
+      <p:sp>
+        <p:nvSpPr>
+          <p:cNvPr id="3" name="Picture Placeholder 2"/>
+          <p:cNvSpPr>
+            <a:spLocks noGrp="1" noChangeAspect="1"/>
+          </p:cNvSpPr>
+          <p:nvPr>
+            <p:ph type="pic" idx="1"/>
+          </p:nvPr>
+        </p:nvSpPr>
+        <p:spPr>
+          <a:xfrm>
+            <a:off x="1979612" y="932112"/>
+            <a:ext cx="8225944" cy="3164976"/>
+          </a:xfrm>
+          <a:prstGeom prst="roundRect">
+            <a:avLst>
+              <a:gd name="adj" fmla="val 4380"/>
+            </a:avLst>
+          </a:prstGeom>
+          <a:ln w="38100">
+            <a:gradFill flip="none" rotWithShape="1">
+              <a:gsLst>
+                <a:gs pos="0">
+                  <a:schemeClr val="bg2"/>
+                </a:gs>
+                <a:gs pos="100000">
+                  <a:schemeClr val="bg2">
+                    <a:lumMod val="75000"/>
+                  </a:schemeClr>
+                </a:gs>
+              </a:gsLst>
+              <a:lin ang="5400000" scaled="0"/>
+              <a:tileRect/>
+            </a:gradFill>
+          </a:ln>
+          <a:effectLst>
+            <a:innerShdw blurRad="57150" dist="38100" dir="14460000">
+              <a:srgbClr val="000000">
+                <a:alpha val="70000"/>
+              </a:srgbClr>
+            </a:innerShdw>
+          </a:effectLst>
+        </p:spPr>
+        <p:txBody>
+          <a:bodyPr anchor="t">
+            <a:normAutofit/>
+          </a:bodyPr>
+          <a:lstStyle>
+            <a:lvl1pPr marL="0" indent="0" algn="ctr">
+              <a:buNone/>
+              <a:defRPr sz="1600"/>
+            </a:lvl1pPr>
+            <a:lvl2pPr marL="457200" indent="0">
+              <a:buNone/>
+              <a:defRPr sz="1600"/>
+            </a:lvl2pPr>
+            <a:lvl3pPr marL="914400" indent="0">
+              <a:buNone/>
+              <a:defRPr sz="1600"/>
+            </a:lvl3pPr>
+            <a:lvl4pPr marL="1371600" indent="0">
+              <a:buNone/>
+              <a:defRPr sz="1600"/>
+            </a:lvl4pPr>
+            <a:lvl5pPr marL="1828800" indent="0">
+              <a:buNone/>
+              <a:defRPr sz="1600"/>
+            </a:lvl5pPr>
+            <a:lvl6pPr marL="2286000" indent="0">
+              <a:buNone/>
+              <a:defRPr sz="1600"/>
+            </a:lvl6pPr>
+            <a:lvl7pPr marL="2743200" indent="0">
+              <a:buNone/>
+              <a:defRPr sz="1600"/>
+            </a:lvl7pPr>
+            <a:lvl8pPr marL="3200400" indent="0">
+              <a:buNone/>
+              <a:defRPr sz="1600"/>
+            </a:lvl8pPr>
+            <a:lvl9pPr marL="3657600" indent="0">
+              <a:buNone/>
+              <a:defRPr sz="1600"/>
+            </a:lvl9pPr>
+          </a:lstStyle>
+          <a:p>
+            <a:r>
+              <a:rPr lang="en-US"/>
+              <a:t>Click icon to add picture</a:t>
+            </a:r>
+            <a:endParaRPr lang="en-US" dirty="0"/>
+          </a:p>
+        </p:txBody>
+      </p:sp>
+      <p:sp>
+        <p:nvSpPr>
+          <p:cNvPr id="4" name="Text Placeholder 3"/>
+          <p:cNvSpPr>
+            <a:spLocks noGrp="1"/>
+          </p:cNvSpPr>
+          <p:nvPr>
+            <p:ph type="body" sz="half" idx="2"/>
+          </p:nvPr>
+        </p:nvSpPr>
+        <p:spPr>
+          <a:xfrm>
+            <a:off x="1141413" y="5299603"/>
+            <a:ext cx="9906000" cy="493712"/>
+          </a:xfrm>
+        </p:spPr>
+        <p:txBody>
+          <a:bodyPr>
+            <a:normAutofit/>
+          </a:bodyPr>
+          <a:lstStyle>
+            <a:lvl1pPr marL="0" indent="0">
+              <a:buNone/>
+              <a:defRPr sz="1400"/>
+            </a:lvl1pPr>
+            <a:lvl2pPr marL="457200" indent="0">
+              <a:buNone/>
+              <a:defRPr sz="1200"/>
+            </a:lvl2pPr>
+            <a:lvl3pPr marL="914400" indent="0">
+              <a:buNone/>
+              <a:defRPr sz="1000"/>
+            </a:lvl3pPr>
+            <a:lvl4pPr marL="1371600" indent="0">
+              <a:buNone/>
+              <a:defRPr sz="900"/>
+            </a:lvl4pPr>
+            <a:lvl5pPr marL="1828800" indent="0">
+              <a:buNone/>
+              <a:defRPr sz="900"/>
+            </a:lvl5pPr>
+            <a:lvl6pPr marL="2286000" indent="0">
+              <a:buNone/>
+              <a:defRPr sz="900"/>
+            </a:lvl6pPr>
+            <a:lvl7pPr marL="2743200" indent="0">
+              <a:buNone/>
+              <a:defRPr sz="900"/>
+            </a:lvl7pPr>
+            <a:lvl8pPr marL="3200400" indent="0">
+              <a:buNone/>
+              <a:defRPr sz="900"/>
+            </a:lvl8pPr>
+            <a:lvl9pPr marL="3657600" indent="0">
+              <a:buNone/>
+              <a:defRPr sz="900"/>
+            </a:lvl9pPr>
+          </a:lstStyle>
+          <a:p>
+            <a:pPr lvl="0"/>
+            <a:r>
+              <a:rPr lang="en-US"/>
+              <a:t>Click to edit Master text styles</a:t>
+            </a:r>
+          </a:p>
+        </p:txBody>
+      </p:sp>
+      <p:sp>
+        <p:nvSpPr>
+          <p:cNvPr id="5" name="Date Placeholder 4"/>
+          <p:cNvSpPr>
+            <a:spLocks noGrp="1"/>
+          </p:cNvSpPr>
+          <p:nvPr>
+            <p:ph type="dt" sz="half" idx="10"/>
+          </p:nvPr>
+        </p:nvSpPr>
+        <p:spPr/>
+        <p:txBody>
+          <a:bodyPr/>
+          <a:lstStyle/>
+          <a:p>
+            <a:fld id="{E74541E0-D784-4841-9ABA-0D7648CC5CF3}" type="datetimeFigureOut">
+              <a:rPr lang="en-IN" smtClean="0"/>
+              <a:t>26-02-2024</a:t>
+            </a:fld>
+            <a:endParaRPr lang="en-IN"/>
+          </a:p>
+        </p:txBody>
+      </p:sp>
+      <p:sp>
+        <p:nvSpPr>
+          <p:cNvPr id="6" name="Footer Placeholder 5"/>
+          <p:cNvSpPr>
+            <a:spLocks noGrp="1"/>
+          </p:cNvSpPr>
+          <p:nvPr>
+            <p:ph type="ftr" sz="quarter" idx="11"/>
+          </p:nvPr>
+        </p:nvSpPr>
+        <p:spPr/>
+        <p:txBody>
+          <a:bodyPr/>
+          <a:lstStyle/>
+          <a:p>
+            <a:endParaRPr lang="en-IN"/>
+          </a:p>
+        </p:txBody>
+      </p:sp>
+      <p:sp>
+        <p:nvSpPr>
+          <p:cNvPr id="7" name="Slide Number Placeholder 6"/>
+          <p:cNvSpPr>
+            <a:spLocks noGrp="1"/>
+          </p:cNvSpPr>
+          <p:nvPr>
+            <p:ph type="sldNum" sz="quarter" idx="12"/>
+          </p:nvPr>
+        </p:nvSpPr>
+        <p:spPr/>
+        <p:txBody>
+          <a:bodyPr/>
+          <a:lstStyle/>
+          <a:p>
+            <a:fld id="{2F5B32F1-8AD9-48F6-AF26-90F67DDFF68F}" type="slidenum">
+              <a:rPr lang="en-IN" smtClean="0"/>
+              <a:t>‹#›</a:t>
+            </a:fld>
+            <a:endParaRPr lang="en-IN"/>
+          </a:p>
+        </p:txBody>
+      </p:sp>
+    </p:spTree>
+    <p:extLst>
+      <p:ext uri="{BB962C8B-B14F-4D97-AF65-F5344CB8AC3E}">
+        <p14:creationId xmlns:p14="http://schemas.microsoft.com/office/powerpoint/2010/main" val="2317644494"/>
+      </p:ext>
+    </p:extLst>
+  </p:cSld>
+  <p:clrMapOvr>
+    <a:masterClrMapping/>
+  </p:clrMapOvr>
+</p:sldLayout>
+</file>
+
+<file path=ppt/slideLayouts/slideLayout22.xml><?xml version="1.0" encoding="utf-8"?>
+<p:sldLayout xmlns:a="http://schemas.openxmlformats.org/drawingml/2006/main" xmlns:r="http://schemas.openxmlformats.org/officeDocument/2006/relationships" xmlns:p="http://schemas.openxmlformats.org/presentationml/2006/main" preserve="1">
+  <p:cSld name="Title and Caption">
+    <p:spTree>
+      <p:nvGrpSpPr>
+        <p:cNvPr id="1" name=""/>
+        <p:cNvGrpSpPr/>
+        <p:nvPr/>
+      </p:nvGrpSpPr>
+      <p:grpSpPr>
+        <a:xfrm>
+          <a:off x="0" y="0"/>
+          <a:ext cx="0" cy="0"/>
+          <a:chOff x="0" y="0"/>
+          <a:chExt cx="0" cy="0"/>
+        </a:xfrm>
+      </p:grpSpPr>
+      <p:sp>
+        <p:nvSpPr>
+          <p:cNvPr id="2" name="Title 1"/>
+          <p:cNvSpPr>
+            <a:spLocks noGrp="1"/>
+          </p:cNvSpPr>
+          <p:nvPr>
+            <p:ph type="title"/>
+          </p:nvPr>
+        </p:nvSpPr>
+        <p:spPr>
+          <a:xfrm>
+            <a:off x="1141412" y="609601"/>
+            <a:ext cx="9905999" cy="3124199"/>
+          </a:xfrm>
+        </p:spPr>
+        <p:txBody>
+          <a:bodyPr anchor="ctr">
+            <a:normAutofit/>
+          </a:bodyPr>
+          <a:lstStyle>
+            <a:lvl1pPr algn="l">
+              <a:defRPr sz="3200" b="0" cap="all"/>
+            </a:lvl1pPr>
+          </a:lstStyle>
+          <a:p>
+            <a:r>
+              <a:rPr lang="en-US"/>
+              <a:t>Click to edit Master title style</a:t>
+            </a:r>
+            <a:endParaRPr lang="en-US" dirty="0"/>
+          </a:p>
+        </p:txBody>
+      </p:sp>
+      <p:sp>
+        <p:nvSpPr>
+          <p:cNvPr id="3" name="Text Placeholder 2"/>
+          <p:cNvSpPr>
+            <a:spLocks noGrp="1"/>
+          </p:cNvSpPr>
+          <p:nvPr>
+            <p:ph type="body" idx="1"/>
+          </p:nvPr>
+        </p:nvSpPr>
+        <p:spPr>
+          <a:xfrm>
+            <a:off x="1141411" y="4343400"/>
+            <a:ext cx="9906000" cy="1447800"/>
+          </a:xfrm>
+        </p:spPr>
+        <p:txBody>
+          <a:bodyPr anchor="ctr">
+            <a:normAutofit/>
+          </a:bodyPr>
+          <a:lstStyle>
+            <a:lvl1pPr marL="0" indent="0" algn="l">
+              <a:buNone/>
+              <a:defRPr sz="2000">
+                <a:gradFill flip="none" rotWithShape="1">
+                  <a:gsLst>
+                    <a:gs pos="0">
+                      <a:schemeClr val="tx1"/>
+                    </a:gs>
+                    <a:gs pos="100000">
+                      <a:schemeClr val="tx1">
+                        <a:lumMod val="75000"/>
+                      </a:schemeClr>
+                    </a:gs>
+                  </a:gsLst>
+                  <a:lin ang="5400000" scaled="0"/>
+                  <a:tileRect/>
+                </a:gradFill>
+              </a:defRPr>
+            </a:lvl1pPr>
+            <a:lvl2pPr marL="457200" indent="0">
+              <a:buNone/>
+              <a:defRPr sz="1800">
+                <a:solidFill>
+                  <a:schemeClr val="tx1">
+                    <a:tint val="75000"/>
+                  </a:schemeClr>
+                </a:solidFill>
+              </a:defRPr>
+            </a:lvl2pPr>
+            <a:lvl3pPr marL="914400" indent="0">
+              <a:buNone/>
+              <a:defRPr sz="1600">
+                <a:solidFill>
+                  <a:schemeClr val="tx1">
+                    <a:tint val="75000"/>
+                  </a:schemeClr>
+                </a:solidFill>
+              </a:defRPr>
+            </a:lvl3pPr>
+            <a:lvl4pPr marL="1371600" indent="0">
+              <a:buNone/>
+              <a:defRPr sz="1400">
+                <a:solidFill>
+                  <a:schemeClr val="tx1">
+                    <a:tint val="75000"/>
+                  </a:schemeClr>
+                </a:solidFill>
+              </a:defRPr>
+            </a:lvl4pPr>
+            <a:lvl5pPr marL="1828800" indent="0">
+              <a:buNone/>
+              <a:defRPr sz="1400">
+                <a:solidFill>
+                  <a:schemeClr val="tx1">
+                    <a:tint val="75000"/>
+                  </a:schemeClr>
+                </a:solidFill>
+              </a:defRPr>
+            </a:lvl5pPr>
+            <a:lvl6pPr marL="2286000" indent="0">
+              <a:buNone/>
+              <a:defRPr sz="1400">
+                <a:solidFill>
+                  <a:schemeClr val="tx1">
+                    <a:tint val="75000"/>
+                  </a:schemeClr>
+                </a:solidFill>
+              </a:defRPr>
+            </a:lvl6pPr>
+            <a:lvl7pPr marL="2743200" indent="0">
+              <a:buNone/>
+              <a:defRPr sz="1400">
+                <a:solidFill>
+                  <a:schemeClr val="tx1">
+                    <a:tint val="75000"/>
+                  </a:schemeClr>
+                </a:solidFill>
+              </a:defRPr>
+            </a:lvl7pPr>
+            <a:lvl8pPr marL="3200400" indent="0">
+              <a:buNone/>
+              <a:defRPr sz="1400">
+                <a:solidFill>
+                  <a:schemeClr val="tx1">
+                    <a:tint val="75000"/>
+                  </a:schemeClr>
+                </a:solidFill>
+              </a:defRPr>
+            </a:lvl8pPr>
+            <a:lvl9pPr marL="3657600" indent="0">
+              <a:buNone/>
+              <a:defRPr sz="1400">
+                <a:solidFill>
+                  <a:schemeClr val="tx1">
+                    <a:tint val="75000"/>
+                  </a:schemeClr>
+                </a:solidFill>
+              </a:defRPr>
+            </a:lvl9pPr>
+          </a:lstStyle>
+          <a:p>
+            <a:pPr lvl="0"/>
+            <a:r>
+              <a:rPr lang="en-US"/>
+              <a:t>Click to edit Master text styles</a:t>
+            </a:r>
+          </a:p>
+        </p:txBody>
+      </p:sp>
+      <p:sp>
+        <p:nvSpPr>
+          <p:cNvPr id="4" name="Date Placeholder 3"/>
+          <p:cNvSpPr>
+            <a:spLocks noGrp="1"/>
+          </p:cNvSpPr>
+          <p:nvPr>
+            <p:ph type="dt" sz="half" idx="10"/>
+          </p:nvPr>
+        </p:nvSpPr>
+        <p:spPr/>
+        <p:txBody>
+          <a:bodyPr/>
+          <a:lstStyle/>
+          <a:p>
+            <a:fld id="{E74541E0-D784-4841-9ABA-0D7648CC5CF3}" type="datetimeFigureOut">
+              <a:rPr lang="en-IN" smtClean="0"/>
+              <a:t>26-02-2024</a:t>
+            </a:fld>
+            <a:endParaRPr lang="en-IN"/>
+          </a:p>
+        </p:txBody>
+      </p:sp>
+      <p:sp>
+        <p:nvSpPr>
+          <p:cNvPr id="5" name="Footer Placeholder 4"/>
+          <p:cNvSpPr>
+            <a:spLocks noGrp="1"/>
+          </p:cNvSpPr>
+          <p:nvPr>
+            <p:ph type="ftr" sz="quarter" idx="11"/>
+          </p:nvPr>
+        </p:nvSpPr>
+        <p:spPr/>
+        <p:txBody>
+          <a:bodyPr/>
+          <a:lstStyle/>
+          <a:p>
+            <a:endParaRPr lang="en-IN"/>
+          </a:p>
+        </p:txBody>
+      </p:sp>
+      <p:sp>
+        <p:nvSpPr>
+          <p:cNvPr id="6" name="Slide Number Placeholder 5"/>
+          <p:cNvSpPr>
+            <a:spLocks noGrp="1"/>
+          </p:cNvSpPr>
+          <p:nvPr>
+            <p:ph type="sldNum" sz="quarter" idx="12"/>
+          </p:nvPr>
+        </p:nvSpPr>
+        <p:spPr/>
+        <p:txBody>
+          <a:bodyPr/>
+          <a:lstStyle/>
+          <a:p>
+            <a:fld id="{2F5B32F1-8AD9-48F6-AF26-90F67DDFF68F}" type="slidenum">
+              <a:rPr lang="en-IN" smtClean="0"/>
+              <a:t>‹#›</a:t>
+            </a:fld>
+            <a:endParaRPr lang="en-IN"/>
+          </a:p>
+        </p:txBody>
+      </p:sp>
+    </p:spTree>
+    <p:extLst>
+      <p:ext uri="{BB962C8B-B14F-4D97-AF65-F5344CB8AC3E}">
+        <p14:creationId xmlns:p14="http://schemas.microsoft.com/office/powerpoint/2010/main" val="2914625935"/>
+      </p:ext>
+    </p:extLst>
+  </p:cSld>
+  <p:clrMapOvr>
+    <a:masterClrMapping/>
+  </p:clrMapOvr>
+</p:sldLayout>
+</file>
+
+<file path=ppt/slideLayouts/slideLayout23.xml><?xml version="1.0" encoding="utf-8"?>
+<p:sldLayout xmlns:a="http://schemas.openxmlformats.org/drawingml/2006/main" xmlns:r="http://schemas.openxmlformats.org/officeDocument/2006/relationships" xmlns:p="http://schemas.openxmlformats.org/presentationml/2006/main" preserve="1">
+  <p:cSld name="Quote with Caption">
+    <p:spTree>
+      <p:nvGrpSpPr>
+        <p:cNvPr id="1" name=""/>
+        <p:cNvGrpSpPr/>
+        <p:nvPr/>
+      </p:nvGrpSpPr>
+      <p:grpSpPr>
+        <a:xfrm>
+          <a:off x="0" y="0"/>
+          <a:ext cx="0" cy="0"/>
+          <a:chOff x="0" y="0"/>
+          <a:chExt cx="0" cy="0"/>
+        </a:xfrm>
+      </p:grpSpPr>
+      <p:sp>
+        <p:nvSpPr>
+          <p:cNvPr id="14" name="TextBox 13"/>
+          <p:cNvSpPr txBox="1"/>
+          <p:nvPr/>
+        </p:nvSpPr>
+        <p:spPr>
+          <a:xfrm>
+            <a:off x="836612" y="786824"/>
+            <a:ext cx="609600" cy="584776"/>
+          </a:xfrm>
+          <a:prstGeom prst="rect">
+            <a:avLst/>
+          </a:prstGeom>
+        </p:spPr>
+        <p:txBody>
+          <a:bodyPr vert="horz" lIns="91440" tIns="45720" rIns="91440" bIns="45720" rtlCol="0" anchor="ctr">
+            <a:noAutofit/>
+          </a:bodyPr>
+          <a:lstStyle>
+            <a:lvl1pPr>
+              <a:spcBef>
+                <a:spcPct val="0"/>
+              </a:spcBef>
+              <a:buNone/>
+              <a:defRPr sz="3200" b="0" cap="all">
+                <a:ln w="3175" cmpd="sng">
+                  <a:noFill/>
+                </a:ln>
+                <a:effectLst>
+                  <a:glow rad="38100">
+                    <a:schemeClr val="bg1">
+                      <a:lumMod val="65000"/>
+                      <a:lumOff val="35000"/>
+                      <a:alpha val="40000"/>
+                    </a:schemeClr>
+                  </a:glow>
+                  <a:outerShdw blurRad="28575" dist="38100" dir="14040000" algn="tl" rotWithShape="0">
+                    <a:srgbClr val="000000">
+                      <a:alpha val="25000"/>
+                    </a:srgbClr>
+                  </a:outerShdw>
+                </a:effectLst>
+              </a:defRPr>
+            </a:lvl1pPr>
+            <a:lvl2pPr>
+              <a:defRPr>
+                <a:solidFill>
+                  <a:schemeClr val="tx2"/>
+                </a:solidFill>
+              </a:defRPr>
+            </a:lvl2pPr>
+            <a:lvl3pPr>
+              <a:defRPr>
+                <a:solidFill>
+                  <a:schemeClr val="tx2"/>
+                </a:solidFill>
+              </a:defRPr>
+            </a:lvl3pPr>
+            <a:lvl4pPr>
+              <a:defRPr>
+                <a:solidFill>
+                  <a:schemeClr val="tx2"/>
+                </a:solidFill>
+              </a:defRPr>
+            </a:lvl4pPr>
+            <a:lvl5pPr>
+              <a:defRPr>
+                <a:solidFill>
+                  <a:schemeClr val="tx2"/>
+                </a:solidFill>
+              </a:defRPr>
+            </a:lvl5pPr>
+            <a:lvl6pPr>
+              <a:defRPr>
+                <a:solidFill>
+                  <a:schemeClr val="tx2"/>
+                </a:solidFill>
+              </a:defRPr>
+            </a:lvl6pPr>
+            <a:lvl7pPr>
+              <a:defRPr>
+                <a:solidFill>
+                  <a:schemeClr val="tx2"/>
+                </a:solidFill>
+              </a:defRPr>
+            </a:lvl7pPr>
+            <a:lvl8pPr>
+              <a:defRPr>
+                <a:solidFill>
+                  <a:schemeClr val="tx2"/>
+                </a:solidFill>
+              </a:defRPr>
+            </a:lvl8pPr>
+            <a:lvl9pPr>
+              <a:defRPr>
+                <a:solidFill>
+                  <a:schemeClr val="tx2"/>
+                </a:solidFill>
+              </a:defRPr>
+            </a:lvl9pPr>
+          </a:lstStyle>
+          <a:p>
+            <a:pPr lvl="0"/>
+            <a:r>
+              <a:rPr lang="en-US" sz="8000" dirty="0">
+                <a:solidFill>
+                  <a:schemeClr val="accent1"/>
+                </a:solidFill>
+              </a:rPr>
+              <a:t>“</a:t>
+            </a:r>
+          </a:p>
+        </p:txBody>
+      </p:sp>
+      <p:sp>
+        <p:nvSpPr>
+          <p:cNvPr id="15" name="TextBox 14"/>
+          <p:cNvSpPr txBox="1"/>
+          <p:nvPr/>
+        </p:nvSpPr>
+        <p:spPr>
+          <a:xfrm>
+            <a:off x="10437812" y="2743200"/>
+            <a:ext cx="609600" cy="584776"/>
+          </a:xfrm>
+          <a:prstGeom prst="rect">
+            <a:avLst/>
+          </a:prstGeom>
+        </p:spPr>
+        <p:txBody>
+          <a:bodyPr vert="horz" lIns="91440" tIns="45720" rIns="91440" bIns="45720" rtlCol="0" anchor="ctr">
+            <a:noAutofit/>
+          </a:bodyPr>
+          <a:lstStyle>
+            <a:lvl1pPr>
+              <a:spcBef>
+                <a:spcPct val="0"/>
+              </a:spcBef>
+              <a:buNone/>
+              <a:defRPr sz="3200" b="0" cap="all">
+                <a:ln w="3175" cmpd="sng">
+                  <a:noFill/>
+                </a:ln>
+                <a:effectLst>
+                  <a:glow rad="38100">
+                    <a:schemeClr val="bg1">
+                      <a:lumMod val="65000"/>
+                      <a:lumOff val="35000"/>
+                      <a:alpha val="40000"/>
+                    </a:schemeClr>
+                  </a:glow>
+                  <a:outerShdw blurRad="28575" dist="38100" dir="14040000" algn="tl" rotWithShape="0">
+                    <a:srgbClr val="000000">
+                      <a:alpha val="25000"/>
+                    </a:srgbClr>
+                  </a:outerShdw>
+                </a:effectLst>
+              </a:defRPr>
+            </a:lvl1pPr>
+            <a:lvl2pPr>
+              <a:defRPr>
+                <a:solidFill>
+                  <a:schemeClr val="tx2"/>
+                </a:solidFill>
+              </a:defRPr>
+            </a:lvl2pPr>
+            <a:lvl3pPr>
+              <a:defRPr>
+                <a:solidFill>
+                  <a:schemeClr val="tx2"/>
+                </a:solidFill>
+              </a:defRPr>
+            </a:lvl3pPr>
+            <a:lvl4pPr>
+              <a:defRPr>
+                <a:solidFill>
+                  <a:schemeClr val="tx2"/>
+                </a:solidFill>
+              </a:defRPr>
+            </a:lvl4pPr>
+            <a:lvl5pPr>
+              <a:defRPr>
+                <a:solidFill>
+                  <a:schemeClr val="tx2"/>
+                </a:solidFill>
+              </a:defRPr>
+            </a:lvl5pPr>
+            <a:lvl6pPr>
+              <a:defRPr>
+                <a:solidFill>
+                  <a:schemeClr val="tx2"/>
+                </a:solidFill>
+              </a:defRPr>
+            </a:lvl6pPr>
+            <a:lvl7pPr>
+              <a:defRPr>
+                <a:solidFill>
+                  <a:schemeClr val="tx2"/>
+                </a:solidFill>
+              </a:defRPr>
+            </a:lvl7pPr>
+            <a:lvl8pPr>
+              <a:defRPr>
+                <a:solidFill>
+                  <a:schemeClr val="tx2"/>
+                </a:solidFill>
+              </a:defRPr>
+            </a:lvl8pPr>
+            <a:lvl9pPr>
+              <a:defRPr>
+                <a:solidFill>
+                  <a:schemeClr val="tx2"/>
+                </a:solidFill>
+              </a:defRPr>
+            </a:lvl9pPr>
+          </a:lstStyle>
+          <a:p>
+            <a:pPr lvl="0" algn="r"/>
+            <a:r>
+              <a:rPr lang="en-US" sz="8000" dirty="0">
+                <a:solidFill>
+                  <a:schemeClr val="accent1"/>
+                </a:solidFill>
+              </a:rPr>
+              <a:t>”</a:t>
+            </a:r>
+          </a:p>
+        </p:txBody>
+      </p:sp>
+      <p:sp>
+        <p:nvSpPr>
+          <p:cNvPr id="2" name="Title 1"/>
+          <p:cNvSpPr>
+            <a:spLocks noGrp="1"/>
+          </p:cNvSpPr>
+          <p:nvPr>
+            <p:ph type="title"/>
+          </p:nvPr>
+        </p:nvSpPr>
+        <p:spPr>
+          <a:xfrm>
+            <a:off x="1446213" y="609601"/>
+            <a:ext cx="9296398" cy="2743199"/>
+          </a:xfrm>
+        </p:spPr>
+        <p:txBody>
+          <a:bodyPr anchor="ctr">
+            <a:normAutofit/>
+          </a:bodyPr>
+          <a:lstStyle>
+            <a:lvl1pPr algn="l">
+              <a:defRPr sz="3200" b="0" cap="all">
+                <a:solidFill>
+                  <a:schemeClr val="tx1"/>
+                </a:solidFill>
+              </a:defRPr>
+            </a:lvl1pPr>
+          </a:lstStyle>
+          <a:p>
+            <a:r>
+              <a:rPr lang="en-US"/>
+              <a:t>Click to edit Master title style</a:t>
+            </a:r>
+            <a:endParaRPr lang="en-US" dirty="0"/>
+          </a:p>
+        </p:txBody>
+      </p:sp>
+      <p:sp>
+        <p:nvSpPr>
+          <p:cNvPr id="10" name="Text Placeholder 9"/>
+          <p:cNvSpPr>
+            <a:spLocks noGrp="1"/>
+          </p:cNvSpPr>
+          <p:nvPr>
+            <p:ph type="body" sz="quarter" idx="13"/>
+          </p:nvPr>
+        </p:nvSpPr>
+        <p:spPr>
+          <a:xfrm>
+            <a:off x="1674812" y="3352800"/>
+            <a:ext cx="8839202" cy="381000"/>
+          </a:xfrm>
+        </p:spPr>
+        <p:txBody>
+          <a:bodyPr anchor="ctr"/>
+          <a:lstStyle>
+            <a:lvl1pPr marL="0" indent="0">
+              <a:buFontTx/>
+              <a:buNone/>
+              <a:defRPr/>
+            </a:lvl1pPr>
+            <a:lvl2pPr marL="457200" indent="0">
+              <a:buFontTx/>
+              <a:buNone/>
+              <a:defRPr/>
+            </a:lvl2pPr>
+            <a:lvl3pPr marL="914400" indent="0">
+              <a:buFontTx/>
+              <a:buNone/>
+              <a:defRPr/>
+            </a:lvl3pPr>
+            <a:lvl4pPr marL="1371600" indent="0">
+              <a:buFontTx/>
+              <a:buNone/>
+              <a:defRPr/>
+            </a:lvl4pPr>
+            <a:lvl5pPr marL="1828800" indent="0">
+              <a:buFontTx/>
+              <a:buNone/>
+              <a:defRPr/>
+            </a:lvl5pPr>
+          </a:lstStyle>
+          <a:p>
+            <a:pPr lvl="0"/>
+            <a:r>
+              <a:rPr lang="en-US"/>
+              <a:t>Click to edit Master text styles</a:t>
+            </a:r>
+          </a:p>
+        </p:txBody>
+      </p:sp>
+      <p:sp>
+        <p:nvSpPr>
+          <p:cNvPr id="3" name="Text Placeholder 2"/>
+          <p:cNvSpPr>
+            <a:spLocks noGrp="1"/>
+          </p:cNvSpPr>
+          <p:nvPr>
+            <p:ph type="body" idx="1"/>
+          </p:nvPr>
+        </p:nvSpPr>
+        <p:spPr>
+          <a:xfrm>
+            <a:off x="1141411" y="4343400"/>
+            <a:ext cx="9906000" cy="1447800"/>
+          </a:xfrm>
+        </p:spPr>
+        <p:txBody>
+          <a:bodyPr vert="horz" lIns="91440" tIns="45720" rIns="91440" bIns="45720" rtlCol="0" anchor="ctr">
+            <a:normAutofit/>
+          </a:bodyPr>
+          <a:lstStyle>
+            <a:lvl1pPr>
+              <a:buNone/>
+              <a:defRPr lang="en-US" sz="2000">
+                <a:gradFill flip="none" rotWithShape="1">
+                  <a:gsLst>
+                    <a:gs pos="0">
+                      <a:schemeClr val="tx1"/>
+                    </a:gs>
+                    <a:gs pos="100000">
+                      <a:schemeClr val="tx1">
+                        <a:lumMod val="75000"/>
+                      </a:schemeClr>
+                    </a:gs>
+                  </a:gsLst>
+                  <a:lin ang="5400000" scaled="0"/>
+                  <a:tileRect/>
+                </a:gradFill>
+              </a:defRPr>
+            </a:lvl1pPr>
+          </a:lstStyle>
+          <a:p>
+            <a:pPr marL="0" lvl="0" indent="0">
+              <a:buNone/>
+            </a:pPr>
+            <a:r>
+              <a:rPr lang="en-US"/>
+              <a:t>Click to edit Master text styles</a:t>
+            </a:r>
+          </a:p>
+        </p:txBody>
+      </p:sp>
+      <p:sp>
+        <p:nvSpPr>
+          <p:cNvPr id="4" name="Date Placeholder 3"/>
+          <p:cNvSpPr>
+            <a:spLocks noGrp="1"/>
+          </p:cNvSpPr>
+          <p:nvPr>
+            <p:ph type="dt" sz="half" idx="10"/>
+          </p:nvPr>
+        </p:nvSpPr>
+        <p:spPr/>
+        <p:txBody>
+          <a:bodyPr/>
+          <a:lstStyle/>
+          <a:p>
+            <a:fld id="{E74541E0-D784-4841-9ABA-0D7648CC5CF3}" type="datetimeFigureOut">
+              <a:rPr lang="en-IN" smtClean="0"/>
+              <a:t>26-02-2024</a:t>
+            </a:fld>
+            <a:endParaRPr lang="en-IN"/>
+          </a:p>
+        </p:txBody>
+      </p:sp>
+      <p:sp>
+        <p:nvSpPr>
+          <p:cNvPr id="5" name="Footer Placeholder 4"/>
+          <p:cNvSpPr>
+            <a:spLocks noGrp="1"/>
+          </p:cNvSpPr>
+          <p:nvPr>
+            <p:ph type="ftr" sz="quarter" idx="11"/>
+          </p:nvPr>
+        </p:nvSpPr>
+        <p:spPr/>
+        <p:txBody>
+          <a:bodyPr/>
+          <a:lstStyle/>
+          <a:p>
+            <a:endParaRPr lang="en-IN"/>
+          </a:p>
+        </p:txBody>
+      </p:sp>
+      <p:sp>
+        <p:nvSpPr>
+          <p:cNvPr id="6" name="Slide Number Placeholder 5"/>
+          <p:cNvSpPr>
+            <a:spLocks noGrp="1"/>
+          </p:cNvSpPr>
+          <p:nvPr>
+            <p:ph type="sldNum" sz="quarter" idx="12"/>
+          </p:nvPr>
+        </p:nvSpPr>
+        <p:spPr/>
+        <p:txBody>
+          <a:bodyPr/>
+          <a:lstStyle/>
+          <a:p>
+            <a:fld id="{2F5B32F1-8AD9-48F6-AF26-90F67DDFF68F}" type="slidenum">
+              <a:rPr lang="en-IN" smtClean="0"/>
+              <a:t>‹#›</a:t>
+            </a:fld>
+            <a:endParaRPr lang="en-IN"/>
+          </a:p>
+        </p:txBody>
+      </p:sp>
+    </p:spTree>
+    <p:extLst>
+      <p:ext uri="{BB962C8B-B14F-4D97-AF65-F5344CB8AC3E}">
+        <p14:creationId xmlns:p14="http://schemas.microsoft.com/office/powerpoint/2010/main" val="2490646882"/>
+      </p:ext>
+    </p:extLst>
+  </p:cSld>
+  <p:clrMapOvr>
+    <a:masterClrMapping/>
+  </p:clrMapOvr>
+</p:sldLayout>
+</file>
+
+<file path=ppt/slideLayouts/slideLayout24.xml><?xml version="1.0" encoding="utf-8"?>
+<p:sldLayout xmlns:a="http://schemas.openxmlformats.org/drawingml/2006/main" xmlns:r="http://schemas.openxmlformats.org/officeDocument/2006/relationships" xmlns:p="http://schemas.openxmlformats.org/presentationml/2006/main" preserve="1">
+  <p:cSld name="Name Card">
+    <p:spTree>
+      <p:nvGrpSpPr>
+        <p:cNvPr id="1" name=""/>
+        <p:cNvGrpSpPr/>
+        <p:nvPr/>
+      </p:nvGrpSpPr>
+      <p:grpSpPr>
+        <a:xfrm>
+          <a:off x="0" y="0"/>
+          <a:ext cx="0" cy="0"/>
+          <a:chOff x="0" y="0"/>
+          <a:chExt cx="0" cy="0"/>
+        </a:xfrm>
+      </p:grpSpPr>
+      <p:sp>
+        <p:nvSpPr>
+          <p:cNvPr id="2" name="Title 1"/>
+          <p:cNvSpPr>
+            <a:spLocks noGrp="1"/>
+          </p:cNvSpPr>
+          <p:nvPr>
+            <p:ph type="title"/>
+          </p:nvPr>
+        </p:nvSpPr>
+        <p:spPr>
+          <a:xfrm>
+            <a:off x="1141412" y="3308581"/>
+            <a:ext cx="9906000" cy="1468800"/>
+          </a:xfrm>
+        </p:spPr>
+        <p:txBody>
+          <a:bodyPr anchor="b">
+            <a:normAutofit/>
+          </a:bodyPr>
+          <a:lstStyle>
+            <a:lvl1pPr algn="l">
+              <a:defRPr sz="3200" b="0" cap="all"/>
+            </a:lvl1pPr>
+          </a:lstStyle>
+          <a:p>
+            <a:r>
+              <a:rPr lang="en-US"/>
+              <a:t>Click to edit Master title style</a:t>
+            </a:r>
+            <a:endParaRPr lang="en-US" dirty="0"/>
+          </a:p>
+        </p:txBody>
+      </p:sp>
+      <p:sp>
+        <p:nvSpPr>
+          <p:cNvPr id="3" name="Text Placeholder 2"/>
+          <p:cNvSpPr>
+            <a:spLocks noGrp="1"/>
+          </p:cNvSpPr>
+          <p:nvPr>
+            <p:ph type="body" idx="1"/>
+          </p:nvPr>
+        </p:nvSpPr>
+        <p:spPr>
+          <a:xfrm>
+            <a:off x="1141410" y="4777381"/>
+            <a:ext cx="9906001" cy="860400"/>
+          </a:xfrm>
+        </p:spPr>
+        <p:txBody>
+          <a:bodyPr vert="horz" lIns="91440" tIns="45720" rIns="91440" bIns="45720" rtlCol="0" anchor="t">
+            <a:normAutofit/>
+          </a:bodyPr>
+          <a:lstStyle>
+            <a:lvl1pPr>
+              <a:defRPr lang="en-US" sz="2000">
+                <a:gradFill flip="none" rotWithShape="1">
+                  <a:gsLst>
+                    <a:gs pos="0">
+                      <a:schemeClr val="tx1"/>
+                    </a:gs>
+                    <a:gs pos="100000">
+                      <a:schemeClr val="tx1">
+                        <a:lumMod val="75000"/>
+                      </a:schemeClr>
+                    </a:gs>
+                  </a:gsLst>
+                  <a:lin ang="5400000" scaled="0"/>
+                  <a:tileRect/>
+                </a:gradFill>
+              </a:defRPr>
+            </a:lvl1pPr>
+          </a:lstStyle>
+          <a:p>
+            <a:pPr marL="0" lvl="0" indent="0">
+              <a:buNone/>
+            </a:pPr>
+            <a:r>
+              <a:rPr lang="en-US"/>
+              <a:t>Click to edit Master text styles</a:t>
+            </a:r>
+          </a:p>
+        </p:txBody>
+      </p:sp>
+      <p:sp>
+        <p:nvSpPr>
+          <p:cNvPr id="4" name="Date Placeholder 3"/>
+          <p:cNvSpPr>
+            <a:spLocks noGrp="1"/>
+          </p:cNvSpPr>
+          <p:nvPr>
+            <p:ph type="dt" sz="half" idx="10"/>
+          </p:nvPr>
+        </p:nvSpPr>
+        <p:spPr/>
+        <p:txBody>
+          <a:bodyPr/>
+          <a:lstStyle/>
+          <a:p>
+            <a:fld id="{E74541E0-D784-4841-9ABA-0D7648CC5CF3}" type="datetimeFigureOut">
+              <a:rPr lang="en-IN" smtClean="0"/>
+              <a:t>26-02-2024</a:t>
+            </a:fld>
+            <a:endParaRPr lang="en-IN"/>
+          </a:p>
+        </p:txBody>
+      </p:sp>
+      <p:sp>
+        <p:nvSpPr>
+          <p:cNvPr id="5" name="Footer Placeholder 4"/>
+          <p:cNvSpPr>
+            <a:spLocks noGrp="1"/>
+          </p:cNvSpPr>
+          <p:nvPr>
+            <p:ph type="ftr" sz="quarter" idx="11"/>
+          </p:nvPr>
+        </p:nvSpPr>
+        <p:spPr/>
+        <p:txBody>
+          <a:bodyPr/>
+          <a:lstStyle/>
+          <a:p>
+            <a:endParaRPr lang="en-IN"/>
+          </a:p>
+        </p:txBody>
+      </p:sp>
+      <p:sp>
+        <p:nvSpPr>
+          <p:cNvPr id="6" name="Slide Number Placeholder 5"/>
+          <p:cNvSpPr>
+            <a:spLocks noGrp="1"/>
+          </p:cNvSpPr>
+          <p:nvPr>
+            <p:ph type="sldNum" sz="quarter" idx="12"/>
+          </p:nvPr>
+        </p:nvSpPr>
+        <p:spPr/>
+        <p:txBody>
+          <a:bodyPr/>
+          <a:lstStyle/>
+          <a:p>
+            <a:fld id="{2F5B32F1-8AD9-48F6-AF26-90F67DDFF68F}" type="slidenum">
+              <a:rPr lang="en-IN" smtClean="0"/>
+              <a:t>‹#›</a:t>
+            </a:fld>
+            <a:endParaRPr lang="en-IN"/>
+          </a:p>
+        </p:txBody>
+      </p:sp>
+    </p:spTree>
+    <p:extLst>
+      <p:ext uri="{BB962C8B-B14F-4D97-AF65-F5344CB8AC3E}">
+        <p14:creationId xmlns:p14="http://schemas.microsoft.com/office/powerpoint/2010/main" val="1111537362"/>
+      </p:ext>
+    </p:extLst>
+  </p:cSld>
+  <p:clrMapOvr>
+    <a:masterClrMapping/>
+  </p:clrMapOvr>
+</p:sldLayout>
+</file>
+
+<file path=ppt/slideLayouts/slideLayout25.xml><?xml version="1.0" encoding="utf-8"?>
+<p:sldLayout xmlns:a="http://schemas.openxmlformats.org/drawingml/2006/main" xmlns:r="http://schemas.openxmlformats.org/officeDocument/2006/relationships" xmlns:p="http://schemas.openxmlformats.org/presentationml/2006/main" preserve="1">
+  <p:cSld name="Quote Name Card">
+    <p:spTree>
+      <p:nvGrpSpPr>
+        <p:cNvPr id="1" name=""/>
+        <p:cNvGrpSpPr/>
+        <p:nvPr/>
+      </p:nvGrpSpPr>
+      <p:grpSpPr>
+        <a:xfrm>
+          <a:off x="0" y="0"/>
+          <a:ext cx="0" cy="0"/>
+          <a:chOff x="0" y="0"/>
+          <a:chExt cx="0" cy="0"/>
+        </a:xfrm>
+      </p:grpSpPr>
+      <p:sp>
+        <p:nvSpPr>
+          <p:cNvPr id="14" name="TextBox 13"/>
+          <p:cNvSpPr txBox="1"/>
+          <p:nvPr/>
+        </p:nvSpPr>
+        <p:spPr>
+          <a:xfrm>
+            <a:off x="836612" y="786824"/>
+            <a:ext cx="609600" cy="584776"/>
+          </a:xfrm>
+          <a:prstGeom prst="rect">
+            <a:avLst/>
+          </a:prstGeom>
+        </p:spPr>
+        <p:txBody>
+          <a:bodyPr vert="horz" lIns="91440" tIns="45720" rIns="91440" bIns="45720" rtlCol="0" anchor="ctr">
+            <a:noAutofit/>
+          </a:bodyPr>
+          <a:lstStyle>
+            <a:lvl1pPr>
+              <a:spcBef>
+                <a:spcPct val="0"/>
+              </a:spcBef>
+              <a:buNone/>
+              <a:defRPr sz="3200" b="0" cap="all">
+                <a:ln w="3175" cmpd="sng">
+                  <a:noFill/>
+                </a:ln>
+                <a:effectLst>
+                  <a:glow rad="38100">
+                    <a:schemeClr val="bg1">
+                      <a:lumMod val="65000"/>
+                      <a:lumOff val="35000"/>
+                      <a:alpha val="40000"/>
+                    </a:schemeClr>
+                  </a:glow>
+                  <a:outerShdw blurRad="28575" dist="38100" dir="14040000" algn="tl" rotWithShape="0">
+                    <a:srgbClr val="000000">
+                      <a:alpha val="25000"/>
+                    </a:srgbClr>
+                  </a:outerShdw>
+                </a:effectLst>
+              </a:defRPr>
+            </a:lvl1pPr>
+            <a:lvl2pPr>
+              <a:defRPr>
+                <a:solidFill>
+                  <a:schemeClr val="tx2"/>
+                </a:solidFill>
+              </a:defRPr>
+            </a:lvl2pPr>
+            <a:lvl3pPr>
+              <a:defRPr>
+                <a:solidFill>
+                  <a:schemeClr val="tx2"/>
+                </a:solidFill>
+              </a:defRPr>
+            </a:lvl3pPr>
+            <a:lvl4pPr>
+              <a:defRPr>
+                <a:solidFill>
+                  <a:schemeClr val="tx2"/>
+                </a:solidFill>
+              </a:defRPr>
+            </a:lvl4pPr>
+            <a:lvl5pPr>
+              <a:defRPr>
+                <a:solidFill>
+                  <a:schemeClr val="tx2"/>
+                </a:solidFill>
+              </a:defRPr>
+            </a:lvl5pPr>
+            <a:lvl6pPr>
+              <a:defRPr>
+                <a:solidFill>
+                  <a:schemeClr val="tx2"/>
+                </a:solidFill>
+              </a:defRPr>
+            </a:lvl6pPr>
+            <a:lvl7pPr>
+              <a:defRPr>
+                <a:solidFill>
+                  <a:schemeClr val="tx2"/>
+                </a:solidFill>
+              </a:defRPr>
+            </a:lvl7pPr>
+            <a:lvl8pPr>
+              <a:defRPr>
+                <a:solidFill>
+                  <a:schemeClr val="tx2"/>
+                </a:solidFill>
+              </a:defRPr>
+            </a:lvl8pPr>
+            <a:lvl9pPr>
+              <a:defRPr>
+                <a:solidFill>
+                  <a:schemeClr val="tx2"/>
+                </a:solidFill>
+              </a:defRPr>
+            </a:lvl9pPr>
+          </a:lstStyle>
+          <a:p>
+            <a:pPr lvl="0"/>
+            <a:r>
+              <a:rPr lang="en-US" sz="8000" dirty="0">
+                <a:solidFill>
+                  <a:schemeClr val="accent1"/>
+                </a:solidFill>
+              </a:rPr>
+              <a:t>“</a:t>
+            </a:r>
+          </a:p>
+        </p:txBody>
+      </p:sp>
+      <p:sp>
+        <p:nvSpPr>
+          <p:cNvPr id="15" name="TextBox 14"/>
+          <p:cNvSpPr txBox="1"/>
+          <p:nvPr/>
+        </p:nvSpPr>
+        <p:spPr>
+          <a:xfrm>
+            <a:off x="10437812" y="2743200"/>
+            <a:ext cx="609600" cy="584776"/>
+          </a:xfrm>
+          <a:prstGeom prst="rect">
+            <a:avLst/>
+          </a:prstGeom>
+        </p:spPr>
+        <p:txBody>
+          <a:bodyPr vert="horz" lIns="91440" tIns="45720" rIns="91440" bIns="45720" rtlCol="0" anchor="ctr">
+            <a:noAutofit/>
+          </a:bodyPr>
+          <a:lstStyle>
+            <a:lvl1pPr>
+              <a:spcBef>
+                <a:spcPct val="0"/>
+              </a:spcBef>
+              <a:buNone/>
+              <a:defRPr sz="3200" b="0" cap="all">
+                <a:ln w="3175" cmpd="sng">
+                  <a:noFill/>
+                </a:ln>
+                <a:effectLst>
+                  <a:glow rad="38100">
+                    <a:schemeClr val="bg1">
+                      <a:lumMod val="65000"/>
+                      <a:lumOff val="35000"/>
+                      <a:alpha val="40000"/>
+                    </a:schemeClr>
+                  </a:glow>
+                  <a:outerShdw blurRad="28575" dist="38100" dir="14040000" algn="tl" rotWithShape="0">
+                    <a:srgbClr val="000000">
+                      <a:alpha val="25000"/>
+                    </a:srgbClr>
+                  </a:outerShdw>
+                </a:effectLst>
+              </a:defRPr>
+            </a:lvl1pPr>
+            <a:lvl2pPr>
+              <a:defRPr>
+                <a:solidFill>
+                  <a:schemeClr val="tx2"/>
+                </a:solidFill>
+              </a:defRPr>
+            </a:lvl2pPr>
+            <a:lvl3pPr>
+              <a:defRPr>
+                <a:solidFill>
+                  <a:schemeClr val="tx2"/>
+                </a:solidFill>
+              </a:defRPr>
+            </a:lvl3pPr>
+            <a:lvl4pPr>
+              <a:defRPr>
+                <a:solidFill>
+                  <a:schemeClr val="tx2"/>
+                </a:solidFill>
+              </a:defRPr>
+            </a:lvl4pPr>
+            <a:lvl5pPr>
+              <a:defRPr>
+                <a:solidFill>
+                  <a:schemeClr val="tx2"/>
+                </a:solidFill>
+              </a:defRPr>
+            </a:lvl5pPr>
+            <a:lvl6pPr>
+              <a:defRPr>
+                <a:solidFill>
+                  <a:schemeClr val="tx2"/>
+                </a:solidFill>
+              </a:defRPr>
+            </a:lvl6pPr>
+            <a:lvl7pPr>
+              <a:defRPr>
+                <a:solidFill>
+                  <a:schemeClr val="tx2"/>
+                </a:solidFill>
+              </a:defRPr>
+            </a:lvl7pPr>
+            <a:lvl8pPr>
+              <a:defRPr>
+                <a:solidFill>
+                  <a:schemeClr val="tx2"/>
+                </a:solidFill>
+              </a:defRPr>
+            </a:lvl8pPr>
+            <a:lvl9pPr>
+              <a:defRPr>
+                <a:solidFill>
+                  <a:schemeClr val="tx2"/>
+                </a:solidFill>
+              </a:defRPr>
+            </a:lvl9pPr>
+          </a:lstStyle>
+          <a:p>
+            <a:pPr lvl="0" algn="r"/>
+            <a:r>
+              <a:rPr lang="en-US" sz="8000" dirty="0">
+                <a:solidFill>
+                  <a:schemeClr val="accent1"/>
+                </a:solidFill>
+              </a:rPr>
+              <a:t>”</a:t>
+            </a:r>
+          </a:p>
+        </p:txBody>
+      </p:sp>
+      <p:sp>
+        <p:nvSpPr>
+          <p:cNvPr id="2" name="Title 1"/>
+          <p:cNvSpPr>
+            <a:spLocks noGrp="1"/>
+          </p:cNvSpPr>
+          <p:nvPr>
+            <p:ph type="title"/>
+          </p:nvPr>
+        </p:nvSpPr>
+        <p:spPr>
+          <a:xfrm>
+            <a:off x="1446213" y="609601"/>
+            <a:ext cx="9296398" cy="2743199"/>
+          </a:xfrm>
+        </p:spPr>
+        <p:txBody>
+          <a:bodyPr anchor="ctr">
+            <a:normAutofit/>
+          </a:bodyPr>
+          <a:lstStyle>
+            <a:lvl1pPr algn="l">
+              <a:defRPr sz="3200" b="0" cap="all">
+                <a:gradFill flip="none" rotWithShape="1">
+                  <a:gsLst>
+                    <a:gs pos="0">
+                      <a:schemeClr val="tx1"/>
+                    </a:gs>
+                    <a:gs pos="100000">
+                      <a:schemeClr val="tx1">
+                        <a:lumMod val="75000"/>
+                      </a:schemeClr>
+                    </a:gs>
+                  </a:gsLst>
+                  <a:lin ang="5400000" scaled="0"/>
+                  <a:tileRect/>
+                </a:gradFill>
+              </a:defRPr>
+            </a:lvl1pPr>
+          </a:lstStyle>
+          <a:p>
+            <a:r>
+              <a:rPr lang="en-US"/>
+              <a:t>Click to edit Master title style</a:t>
+            </a:r>
+            <a:endParaRPr lang="en-US" dirty="0"/>
+          </a:p>
+        </p:txBody>
+      </p:sp>
+      <p:sp>
+        <p:nvSpPr>
+          <p:cNvPr id="10" name="Text Placeholder 9"/>
+          <p:cNvSpPr>
+            <a:spLocks noGrp="1"/>
+          </p:cNvSpPr>
+          <p:nvPr>
+            <p:ph type="body" sz="quarter" idx="13"/>
+          </p:nvPr>
+        </p:nvSpPr>
+        <p:spPr>
+          <a:xfrm>
+            <a:off x="1141412" y="3886200"/>
+            <a:ext cx="9906000" cy="889000"/>
+          </a:xfrm>
+        </p:spPr>
+        <p:txBody>
+          <a:bodyPr vert="horz" lIns="91440" tIns="45720" rIns="91440" bIns="45720" rtlCol="0" anchor="b">
+            <a:normAutofit/>
+          </a:bodyPr>
+          <a:lstStyle>
+            <a:lvl1pPr>
+              <a:buNone/>
+              <a:defRPr lang="en-US" sz="2400" b="0" cap="all" dirty="0">
+                <a:ln w="3175" cmpd="sng">
+                  <a:noFill/>
+                </a:ln>
+                <a:gradFill flip="none" rotWithShape="1">
+                  <a:gsLst>
+                    <a:gs pos="0">
+                      <a:schemeClr val="tx1"/>
+                    </a:gs>
+                    <a:gs pos="100000">
+                      <a:schemeClr val="tx1">
+                        <a:lumMod val="75000"/>
+                      </a:schemeClr>
+                    </a:gs>
+                  </a:gsLst>
+                  <a:lin ang="5400000" scaled="0"/>
+                  <a:tileRect/>
+                </a:gradFill>
+                <a:effectLst>
+                  <a:glow rad="38100">
+                    <a:schemeClr val="bg1">
+                      <a:lumMod val="65000"/>
+                      <a:lumOff val="35000"/>
+                      <a:alpha val="40000"/>
+                    </a:schemeClr>
+                  </a:glow>
+                  <a:outerShdw blurRad="28575" dist="38100" dir="14040000" algn="tl" rotWithShape="0">
+                    <a:srgbClr val="000000">
+                      <a:alpha val="25000"/>
+                    </a:srgbClr>
+                  </a:outerShdw>
+                </a:effectLst>
+              </a:defRPr>
+            </a:lvl1pPr>
+          </a:lstStyle>
+          <a:p>
+            <a:pPr marL="0" lvl="0">
+              <a:spcBef>
+                <a:spcPct val="0"/>
+              </a:spcBef>
+              <a:buNone/>
+            </a:pPr>
+            <a:r>
+              <a:rPr lang="en-US"/>
+              <a:t>Click to edit Master text styles</a:t>
+            </a:r>
+          </a:p>
+        </p:txBody>
+      </p:sp>
+      <p:sp>
+        <p:nvSpPr>
+          <p:cNvPr id="3" name="Text Placeholder 2"/>
+          <p:cNvSpPr>
+            <a:spLocks noGrp="1"/>
+          </p:cNvSpPr>
+          <p:nvPr>
+            <p:ph type="body" idx="1"/>
+          </p:nvPr>
+        </p:nvSpPr>
+        <p:spPr>
+          <a:xfrm>
+            <a:off x="1141411" y="4775200"/>
+            <a:ext cx="9906000" cy="1016000"/>
+          </a:xfrm>
+        </p:spPr>
+        <p:txBody>
+          <a:bodyPr anchor="t">
+            <a:normAutofit/>
+          </a:bodyPr>
+          <a:lstStyle>
+            <a:lvl1pPr marL="0" indent="0" algn="l">
+              <a:buNone/>
+              <a:defRPr sz="1800">
+                <a:gradFill flip="none" rotWithShape="1">
+                  <a:gsLst>
+                    <a:gs pos="0">
+                      <a:schemeClr val="tx1"/>
+                    </a:gs>
+                    <a:gs pos="100000">
+                      <a:schemeClr val="tx1">
+                        <a:lumMod val="75000"/>
+                      </a:schemeClr>
+                    </a:gs>
+                  </a:gsLst>
+                  <a:lin ang="5400000" scaled="0"/>
+                  <a:tileRect/>
+                </a:gradFill>
+              </a:defRPr>
+            </a:lvl1pPr>
+            <a:lvl2pPr marL="457200" indent="0">
+              <a:buNone/>
+              <a:defRPr sz="1800">
+                <a:solidFill>
+                  <a:schemeClr val="tx1">
+                    <a:tint val="75000"/>
+                  </a:schemeClr>
+                </a:solidFill>
+              </a:defRPr>
+            </a:lvl2pPr>
+            <a:lvl3pPr marL="914400" indent="0">
+              <a:buNone/>
+              <a:defRPr sz="1600">
+                <a:solidFill>
+                  <a:schemeClr val="tx1">
+                    <a:tint val="75000"/>
+                  </a:schemeClr>
+                </a:solidFill>
+              </a:defRPr>
+            </a:lvl3pPr>
+            <a:lvl4pPr marL="1371600" indent="0">
+              <a:buNone/>
+              <a:defRPr sz="1400">
+                <a:solidFill>
+                  <a:schemeClr val="tx1">
+                    <a:tint val="75000"/>
+                  </a:schemeClr>
+                </a:solidFill>
+              </a:defRPr>
+            </a:lvl4pPr>
+            <a:lvl5pPr marL="1828800" indent="0">
+              <a:buNone/>
+              <a:defRPr sz="1400">
+                <a:solidFill>
+                  <a:schemeClr val="tx1">
+                    <a:tint val="75000"/>
+                  </a:schemeClr>
+                </a:solidFill>
+              </a:defRPr>
+            </a:lvl5pPr>
+            <a:lvl6pPr marL="2286000" indent="0">
+              <a:buNone/>
+              <a:defRPr sz="1400">
+                <a:solidFill>
+                  <a:schemeClr val="tx1">
+                    <a:tint val="75000"/>
+                  </a:schemeClr>
+                </a:solidFill>
+              </a:defRPr>
+            </a:lvl6pPr>
+            <a:lvl7pPr marL="2743200" indent="0">
+              <a:buNone/>
+              <a:defRPr sz="1400">
+                <a:solidFill>
+                  <a:schemeClr val="tx1">
+                    <a:tint val="75000"/>
+                  </a:schemeClr>
+                </a:solidFill>
+              </a:defRPr>
+            </a:lvl7pPr>
+            <a:lvl8pPr marL="3200400" indent="0">
+              <a:buNone/>
+              <a:defRPr sz="1400">
+                <a:solidFill>
+                  <a:schemeClr val="tx1">
+                    <a:tint val="75000"/>
+                  </a:schemeClr>
+                </a:solidFill>
+              </a:defRPr>
+            </a:lvl8pPr>
+            <a:lvl9pPr marL="3657600" indent="0">
+              <a:buNone/>
+              <a:defRPr sz="1400">
+                <a:solidFill>
+                  <a:schemeClr val="tx1">
+                    <a:tint val="75000"/>
+                  </a:schemeClr>
+                </a:solidFill>
+              </a:defRPr>
+            </a:lvl9pPr>
+          </a:lstStyle>
+          <a:p>
+            <a:pPr lvl="0"/>
+            <a:r>
+              <a:rPr lang="en-US"/>
+              <a:t>Click to edit Master text styles</a:t>
+            </a:r>
+          </a:p>
+        </p:txBody>
+      </p:sp>
+      <p:sp>
+        <p:nvSpPr>
+          <p:cNvPr id="4" name="Date Placeholder 3"/>
+          <p:cNvSpPr>
+            <a:spLocks noGrp="1"/>
+          </p:cNvSpPr>
+          <p:nvPr>
+            <p:ph type="dt" sz="half" idx="10"/>
+          </p:nvPr>
+        </p:nvSpPr>
+        <p:spPr/>
+        <p:txBody>
+          <a:bodyPr/>
+          <a:lstStyle/>
+          <a:p>
+            <a:fld id="{E74541E0-D784-4841-9ABA-0D7648CC5CF3}" type="datetimeFigureOut">
+              <a:rPr lang="en-IN" smtClean="0"/>
+              <a:t>26-02-2024</a:t>
+            </a:fld>
+            <a:endParaRPr lang="en-IN"/>
+          </a:p>
+        </p:txBody>
+      </p:sp>
+      <p:sp>
+        <p:nvSpPr>
+          <p:cNvPr id="5" name="Footer Placeholder 4"/>
+          <p:cNvSpPr>
+            <a:spLocks noGrp="1"/>
+          </p:cNvSpPr>
+          <p:nvPr>
+            <p:ph type="ftr" sz="quarter" idx="11"/>
+          </p:nvPr>
+        </p:nvSpPr>
+        <p:spPr/>
+        <p:txBody>
+          <a:bodyPr/>
+          <a:lstStyle/>
+          <a:p>
+            <a:endParaRPr lang="en-IN"/>
+          </a:p>
+        </p:txBody>
+      </p:sp>
+      <p:sp>
+        <p:nvSpPr>
+          <p:cNvPr id="6" name="Slide Number Placeholder 5"/>
+          <p:cNvSpPr>
+            <a:spLocks noGrp="1"/>
+          </p:cNvSpPr>
+          <p:nvPr>
+            <p:ph type="sldNum" sz="quarter" idx="12"/>
+          </p:nvPr>
+        </p:nvSpPr>
+        <p:spPr/>
+        <p:txBody>
+          <a:bodyPr/>
+          <a:lstStyle/>
+          <a:p>
+            <a:fld id="{2F5B32F1-8AD9-48F6-AF26-90F67DDFF68F}" type="slidenum">
+              <a:rPr lang="en-IN" smtClean="0"/>
+              <a:t>‹#›</a:t>
+            </a:fld>
+            <a:endParaRPr lang="en-IN"/>
+          </a:p>
+        </p:txBody>
+      </p:sp>
+    </p:spTree>
+    <p:extLst>
+      <p:ext uri="{BB962C8B-B14F-4D97-AF65-F5344CB8AC3E}">
+        <p14:creationId xmlns:p14="http://schemas.microsoft.com/office/powerpoint/2010/main" val="226843435"/>
+      </p:ext>
+    </p:extLst>
+  </p:cSld>
+  <p:clrMapOvr>
+    <a:masterClrMapping/>
+  </p:clrMapOvr>
+</p:sldLayout>
+</file>
+
+<file path=ppt/slideLayouts/slideLayout26.xml><?xml version="1.0" encoding="utf-8"?>
+<p:sldLayout xmlns:a="http://schemas.openxmlformats.org/drawingml/2006/main" xmlns:r="http://schemas.openxmlformats.org/officeDocument/2006/relationships" xmlns:p="http://schemas.openxmlformats.org/presentationml/2006/main" preserve="1">
+  <p:cSld name="True or False">
+    <p:spTree>
+      <p:nvGrpSpPr>
+        <p:cNvPr id="1" name=""/>
+        <p:cNvGrpSpPr/>
+        <p:nvPr/>
+      </p:nvGrpSpPr>
+      <p:grpSpPr>
+        <a:xfrm>
+          <a:off x="0" y="0"/>
+          <a:ext cx="0" cy="0"/>
+          <a:chOff x="0" y="0"/>
+          <a:chExt cx="0" cy="0"/>
+        </a:xfrm>
+      </p:grpSpPr>
+      <p:sp>
+        <p:nvSpPr>
+          <p:cNvPr id="2" name="Title 1"/>
+          <p:cNvSpPr>
+            <a:spLocks noGrp="1"/>
+          </p:cNvSpPr>
+          <p:nvPr>
+            <p:ph type="title"/>
+          </p:nvPr>
+        </p:nvSpPr>
+        <p:spPr>
+          <a:xfrm>
+            <a:off x="1141412" y="609601"/>
+            <a:ext cx="9905999" cy="2743199"/>
+          </a:xfrm>
+        </p:spPr>
+        <p:txBody>
+          <a:bodyPr vert="horz" lIns="91440" tIns="45720" rIns="91440" bIns="45720" rtlCol="0" anchor="ctr">
+            <a:normAutofit/>
+          </a:bodyPr>
+          <a:lstStyle>
+            <a:lvl1pPr>
+              <a:defRPr lang="en-US" b="0" dirty="0"/>
+            </a:lvl1pPr>
+          </a:lstStyle>
+          <a:p>
+            <a:pPr marL="0" lvl="0"/>
+            <a:r>
+              <a:rPr lang="en-US"/>
+              <a:t>Click to edit Master title style</a:t>
+            </a:r>
+            <a:endParaRPr lang="en-US" dirty="0"/>
+          </a:p>
+        </p:txBody>
+      </p:sp>
+      <p:sp>
+        <p:nvSpPr>
+          <p:cNvPr id="10" name="Text Placeholder 9"/>
+          <p:cNvSpPr>
+            <a:spLocks noGrp="1"/>
+          </p:cNvSpPr>
+          <p:nvPr>
+            <p:ph type="body" sz="quarter" idx="13"/>
+          </p:nvPr>
+        </p:nvSpPr>
+        <p:spPr>
+          <a:xfrm>
+            <a:off x="1141412" y="3505200"/>
+            <a:ext cx="9906000" cy="838200"/>
+          </a:xfrm>
+        </p:spPr>
+        <p:txBody>
+          <a:bodyPr vert="horz" lIns="91440" tIns="45720" rIns="91440" bIns="45720" rtlCol="0" anchor="b">
+            <a:normAutofit/>
+          </a:bodyPr>
+          <a:lstStyle>
+            <a:lvl1pPr>
+              <a:buNone/>
+              <a:defRPr lang="en-US" sz="2800" b="0" cap="all" dirty="0">
+                <a:ln w="3175" cmpd="sng">
+                  <a:noFill/>
+                </a:ln>
+                <a:gradFill flip="none" rotWithShape="1">
+                  <a:gsLst>
+                    <a:gs pos="0">
+                      <a:schemeClr val="tx1"/>
+                    </a:gs>
+                    <a:gs pos="100000">
+                      <a:schemeClr val="tx1">
+                        <a:lumMod val="75000"/>
+                      </a:schemeClr>
+                    </a:gs>
+                  </a:gsLst>
+                  <a:lin ang="5400000" scaled="0"/>
+                  <a:tileRect/>
+                </a:gradFill>
+                <a:effectLst>
+                  <a:glow rad="38100">
+                    <a:schemeClr val="bg1">
+                      <a:lumMod val="65000"/>
+                      <a:lumOff val="35000"/>
+                      <a:alpha val="40000"/>
+                    </a:schemeClr>
+                  </a:glow>
+                  <a:outerShdw blurRad="28575" dist="38100" dir="14040000" algn="tl" rotWithShape="0">
+                    <a:srgbClr val="000000">
+                      <a:alpha val="25000"/>
+                    </a:srgbClr>
+                  </a:outerShdw>
+                </a:effectLst>
+              </a:defRPr>
+            </a:lvl1pPr>
+          </a:lstStyle>
+          <a:p>
+            <a:pPr marL="0" lvl="0">
+              <a:spcBef>
+                <a:spcPct val="0"/>
+              </a:spcBef>
+              <a:buNone/>
+            </a:pPr>
+            <a:r>
+              <a:rPr lang="en-US"/>
+              <a:t>Click to edit Master text styles</a:t>
+            </a:r>
+          </a:p>
+        </p:txBody>
+      </p:sp>
+      <p:sp>
+        <p:nvSpPr>
+          <p:cNvPr id="3" name="Text Placeholder 2"/>
+          <p:cNvSpPr>
+            <a:spLocks noGrp="1"/>
+          </p:cNvSpPr>
+          <p:nvPr>
+            <p:ph type="body" idx="1"/>
+          </p:nvPr>
+        </p:nvSpPr>
+        <p:spPr>
+          <a:xfrm>
+            <a:off x="1141411" y="4343400"/>
+            <a:ext cx="9906000" cy="1447800"/>
+          </a:xfrm>
+        </p:spPr>
+        <p:txBody>
+          <a:bodyPr anchor="t">
+            <a:normAutofit/>
+          </a:bodyPr>
+          <a:lstStyle>
+            <a:lvl1pPr marL="0" indent="0" algn="l">
+              <a:buNone/>
+              <a:defRPr sz="1800">
+                <a:gradFill flip="none" rotWithShape="1">
+                  <a:gsLst>
+                    <a:gs pos="0">
+                      <a:schemeClr val="tx1"/>
+                    </a:gs>
+                    <a:gs pos="100000">
+                      <a:schemeClr val="tx1">
+                        <a:lumMod val="75000"/>
+                      </a:schemeClr>
+                    </a:gs>
+                  </a:gsLst>
+                  <a:lin ang="5400000" scaled="0"/>
+                  <a:tileRect/>
+                </a:gradFill>
+              </a:defRPr>
+            </a:lvl1pPr>
+            <a:lvl2pPr marL="457200" indent="0">
+              <a:buNone/>
+              <a:defRPr sz="1800">
+                <a:solidFill>
+                  <a:schemeClr val="tx1">
+                    <a:tint val="75000"/>
+                  </a:schemeClr>
+                </a:solidFill>
+              </a:defRPr>
+            </a:lvl2pPr>
+            <a:lvl3pPr marL="914400" indent="0">
+              <a:buNone/>
+              <a:defRPr sz="1600">
+                <a:solidFill>
+                  <a:schemeClr val="tx1">
+                    <a:tint val="75000"/>
+                  </a:schemeClr>
+                </a:solidFill>
+              </a:defRPr>
+            </a:lvl3pPr>
+            <a:lvl4pPr marL="1371600" indent="0">
+              <a:buNone/>
+              <a:defRPr sz="1400">
+                <a:solidFill>
+                  <a:schemeClr val="tx1">
+                    <a:tint val="75000"/>
+                  </a:schemeClr>
+                </a:solidFill>
+              </a:defRPr>
+            </a:lvl4pPr>
+            <a:lvl5pPr marL="1828800" indent="0">
+              <a:buNone/>
+              <a:defRPr sz="1400">
+                <a:solidFill>
+                  <a:schemeClr val="tx1">
+                    <a:tint val="75000"/>
+                  </a:schemeClr>
+                </a:solidFill>
+              </a:defRPr>
+            </a:lvl5pPr>
+            <a:lvl6pPr marL="2286000" indent="0">
+              <a:buNone/>
+              <a:defRPr sz="1400">
+                <a:solidFill>
+                  <a:schemeClr val="tx1">
+                    <a:tint val="75000"/>
+                  </a:schemeClr>
+                </a:solidFill>
+              </a:defRPr>
+            </a:lvl6pPr>
+            <a:lvl7pPr marL="2743200" indent="0">
+              <a:buNone/>
+              <a:defRPr sz="1400">
+                <a:solidFill>
+                  <a:schemeClr val="tx1">
+                    <a:tint val="75000"/>
+                  </a:schemeClr>
+                </a:solidFill>
+              </a:defRPr>
+            </a:lvl7pPr>
+            <a:lvl8pPr marL="3200400" indent="0">
+              <a:buNone/>
+              <a:defRPr sz="1400">
+                <a:solidFill>
+                  <a:schemeClr val="tx1">
+                    <a:tint val="75000"/>
+                  </a:schemeClr>
+                </a:solidFill>
+              </a:defRPr>
+            </a:lvl8pPr>
+            <a:lvl9pPr marL="3657600" indent="0">
+              <a:buNone/>
+              <a:defRPr sz="1400">
+                <a:solidFill>
+                  <a:schemeClr val="tx1">
+                    <a:tint val="75000"/>
+                  </a:schemeClr>
+                </a:solidFill>
+              </a:defRPr>
+            </a:lvl9pPr>
+          </a:lstStyle>
+          <a:p>
+            <a:pPr lvl="0"/>
+            <a:r>
+              <a:rPr lang="en-US"/>
+              <a:t>Click to edit Master text styles</a:t>
+            </a:r>
+          </a:p>
+        </p:txBody>
+      </p:sp>
+      <p:sp>
+        <p:nvSpPr>
+          <p:cNvPr id="4" name="Date Placeholder 3"/>
+          <p:cNvSpPr>
+            <a:spLocks noGrp="1"/>
+          </p:cNvSpPr>
+          <p:nvPr>
+            <p:ph type="dt" sz="half" idx="10"/>
+          </p:nvPr>
+        </p:nvSpPr>
+        <p:spPr/>
+        <p:txBody>
+          <a:bodyPr/>
+          <a:lstStyle/>
+          <a:p>
+            <a:fld id="{E74541E0-D784-4841-9ABA-0D7648CC5CF3}" type="datetimeFigureOut">
+              <a:rPr lang="en-IN" smtClean="0"/>
+              <a:t>26-02-2024</a:t>
+            </a:fld>
+            <a:endParaRPr lang="en-IN"/>
+          </a:p>
+        </p:txBody>
+      </p:sp>
+      <p:sp>
+        <p:nvSpPr>
+          <p:cNvPr id="5" name="Footer Placeholder 4"/>
+          <p:cNvSpPr>
+            <a:spLocks noGrp="1"/>
+          </p:cNvSpPr>
+          <p:nvPr>
+            <p:ph type="ftr" sz="quarter" idx="11"/>
+          </p:nvPr>
+        </p:nvSpPr>
+        <p:spPr/>
+        <p:txBody>
+          <a:bodyPr/>
+          <a:lstStyle/>
+          <a:p>
+            <a:endParaRPr lang="en-IN"/>
+          </a:p>
+        </p:txBody>
+      </p:sp>
+      <p:sp>
+        <p:nvSpPr>
+          <p:cNvPr id="6" name="Slide Number Placeholder 5"/>
+          <p:cNvSpPr>
+            <a:spLocks noGrp="1"/>
+          </p:cNvSpPr>
+          <p:nvPr>
+            <p:ph type="sldNum" sz="quarter" idx="12"/>
+          </p:nvPr>
+        </p:nvSpPr>
+        <p:spPr/>
+        <p:txBody>
+          <a:bodyPr/>
+          <a:lstStyle/>
+          <a:p>
+            <a:fld id="{2F5B32F1-8AD9-48F6-AF26-90F67DDFF68F}" type="slidenum">
+              <a:rPr lang="en-IN" smtClean="0"/>
+              <a:t>‹#›</a:t>
+            </a:fld>
+            <a:endParaRPr lang="en-IN"/>
+          </a:p>
+        </p:txBody>
+      </p:sp>
+    </p:spTree>
+    <p:extLst>
+      <p:ext uri="{BB962C8B-B14F-4D97-AF65-F5344CB8AC3E}">
+        <p14:creationId xmlns:p14="http://schemas.microsoft.com/office/powerpoint/2010/main" val="2631718599"/>
+      </p:ext>
+    </p:extLst>
+  </p:cSld>
+  <p:clrMapOvr>
+    <a:masterClrMapping/>
+  </p:clrMapOvr>
+</p:sldLayout>
+</file>
+
+<file path=ppt/slideLayouts/slideLayout27.xml><?xml version="1.0" encoding="utf-8"?>
+<p:sldLayout xmlns:a="http://schemas.openxmlformats.org/drawingml/2006/main" xmlns:r="http://schemas.openxmlformats.org/officeDocument/2006/relationships" xmlns:p="http://schemas.openxmlformats.org/presentationml/2006/main" type="vertTx" preserve="1">
+  <p:cSld name="Title and Vertical Text">
+    <p:spTree>
+      <p:nvGrpSpPr>
+        <p:cNvPr id="1" name=""/>
+        <p:cNvGrpSpPr/>
+        <p:nvPr/>
+      </p:nvGrpSpPr>
+      <p:grpSpPr>
+        <a:xfrm>
+          <a:off x="0" y="0"/>
+          <a:ext cx="0" cy="0"/>
+          <a:chOff x="0" y="0"/>
+          <a:chExt cx="0" cy="0"/>
+        </a:xfrm>
+      </p:grpSpPr>
+      <p:sp>
+        <p:nvSpPr>
+          <p:cNvPr id="7" name="Title 1"/>
+          <p:cNvSpPr>
+            <a:spLocks noGrp="1"/>
+          </p:cNvSpPr>
+          <p:nvPr>
+            <p:ph type="title"/>
+          </p:nvPr>
+        </p:nvSpPr>
+        <p:spPr>
+          <a:xfrm>
+            <a:off x="1141413" y="609600"/>
+            <a:ext cx="9905998" cy="1905000"/>
+          </a:xfrm>
+        </p:spPr>
+        <p:txBody>
+          <a:bodyPr/>
+          <a:lstStyle/>
+          <a:p>
+            <a:r>
+              <a:rPr lang="en-US"/>
+              <a:t>Click to edit Master title style</a:t>
+            </a:r>
+            <a:endParaRPr lang="en-US" dirty="0"/>
+          </a:p>
+        </p:txBody>
+      </p:sp>
+      <p:sp>
+        <p:nvSpPr>
+          <p:cNvPr id="3" name="Vertical Text Placeholder 2"/>
+          <p:cNvSpPr>
+            <a:spLocks noGrp="1"/>
+          </p:cNvSpPr>
+          <p:nvPr>
+            <p:ph type="body" orient="vert" idx="1"/>
+          </p:nvPr>
+        </p:nvSpPr>
+        <p:spPr/>
+        <p:txBody>
+          <a:bodyPr vert="eaVert" anchor="t"/>
+          <a:lstStyle/>
+          <a:p>
+            <a:pPr lvl="0"/>
+            <a:r>
+              <a:rPr lang="en-US"/>
+              <a:t>Click to edit Master text styles</a:t>
+            </a:r>
+          </a:p>
+          <a:p>
+            <a:pPr lvl="1"/>
+            <a:r>
+              <a:rPr lang="en-US"/>
+              <a:t>Second level</a:t>
+            </a:r>
+          </a:p>
+          <a:p>
+            <a:pPr lvl="2"/>
+            <a:r>
+              <a:rPr lang="en-US"/>
+              <a:t>Third level</a:t>
+            </a:r>
+          </a:p>
+          <a:p>
+            <a:pPr lvl="3"/>
+            <a:r>
+              <a:rPr lang="en-US"/>
+              <a:t>Fourth level</a:t>
+            </a:r>
+          </a:p>
+          <a:p>
+            <a:pPr lvl="4"/>
+            <a:r>
+              <a:rPr lang="en-US"/>
+              <a:t>Fifth level</a:t>
+            </a:r>
+            <a:endParaRPr lang="en-US" dirty="0"/>
+          </a:p>
+        </p:txBody>
+      </p:sp>
+      <p:sp>
+        <p:nvSpPr>
+          <p:cNvPr id="4" name="Date Placeholder 3"/>
+          <p:cNvSpPr>
+            <a:spLocks noGrp="1"/>
+          </p:cNvSpPr>
+          <p:nvPr>
+            <p:ph type="dt" sz="half" idx="10"/>
+          </p:nvPr>
+        </p:nvSpPr>
+        <p:spPr/>
+        <p:txBody>
+          <a:bodyPr/>
+          <a:lstStyle/>
+          <a:p>
+            <a:fld id="{E74541E0-D784-4841-9ABA-0D7648CC5CF3}" type="datetimeFigureOut">
+              <a:rPr lang="en-IN" smtClean="0"/>
+              <a:t>26-02-2024</a:t>
+            </a:fld>
+            <a:endParaRPr lang="en-IN"/>
+          </a:p>
+        </p:txBody>
+      </p:sp>
+      <p:sp>
+        <p:nvSpPr>
+          <p:cNvPr id="5" name="Footer Placeholder 4"/>
+          <p:cNvSpPr>
+            <a:spLocks noGrp="1"/>
+          </p:cNvSpPr>
+          <p:nvPr>
+            <p:ph type="ftr" sz="quarter" idx="11"/>
+          </p:nvPr>
+        </p:nvSpPr>
+        <p:spPr/>
+        <p:txBody>
+          <a:bodyPr/>
+          <a:lstStyle/>
+          <a:p>
+            <a:endParaRPr lang="en-IN"/>
+          </a:p>
+        </p:txBody>
+      </p:sp>
+      <p:sp>
+        <p:nvSpPr>
+          <p:cNvPr id="6" name="Slide Number Placeholder 5"/>
+          <p:cNvSpPr>
+            <a:spLocks noGrp="1"/>
+          </p:cNvSpPr>
+          <p:nvPr>
+            <p:ph type="sldNum" sz="quarter" idx="12"/>
+          </p:nvPr>
+        </p:nvSpPr>
+        <p:spPr/>
+        <p:txBody>
+          <a:bodyPr/>
+          <a:lstStyle/>
+          <a:p>
+            <a:fld id="{2F5B32F1-8AD9-48F6-AF26-90F67DDFF68F}" type="slidenum">
+              <a:rPr lang="en-IN" smtClean="0"/>
+              <a:t>‹#›</a:t>
+            </a:fld>
+            <a:endParaRPr lang="en-IN"/>
+          </a:p>
+        </p:txBody>
+      </p:sp>
+    </p:spTree>
+    <p:extLst>
+      <p:ext uri="{BB962C8B-B14F-4D97-AF65-F5344CB8AC3E}">
+        <p14:creationId xmlns:p14="http://schemas.microsoft.com/office/powerpoint/2010/main" val="4069911876"/>
+      </p:ext>
+    </p:extLst>
+  </p:cSld>
+  <p:clrMapOvr>
+    <a:masterClrMapping/>
+  </p:clrMapOvr>
+</p:sldLayout>
+</file>
+
+<file path=ppt/slideLayouts/slideLayout28.xml><?xml version="1.0" encoding="utf-8"?>
+<p:sldLayout xmlns:a="http://schemas.openxmlformats.org/drawingml/2006/main" xmlns:r="http://schemas.openxmlformats.org/officeDocument/2006/relationships" xmlns:p="http://schemas.openxmlformats.org/presentationml/2006/main" type="vertTitleAndTx" preserve="1">
+  <p:cSld name="Vertical Title and Text">
+    <p:spTree>
+      <p:nvGrpSpPr>
+        <p:cNvPr id="1" name=""/>
+        <p:cNvGrpSpPr/>
+        <p:nvPr/>
+      </p:nvGrpSpPr>
+      <p:grpSpPr>
+        <a:xfrm>
+          <a:off x="0" y="0"/>
+          <a:ext cx="0" cy="0"/>
+          <a:chOff x="0" y="0"/>
+          <a:chExt cx="0" cy="0"/>
+        </a:xfrm>
+      </p:grpSpPr>
+      <p:sp>
+        <p:nvSpPr>
+          <p:cNvPr id="2" name="Vertical Title 1"/>
+          <p:cNvSpPr>
+            <a:spLocks noGrp="1"/>
+          </p:cNvSpPr>
+          <p:nvPr>
+            <p:ph type="title" orient="vert"/>
+          </p:nvPr>
+        </p:nvSpPr>
+        <p:spPr>
+          <a:xfrm>
+            <a:off x="8836898" y="609599"/>
+            <a:ext cx="2210514" cy="5181601"/>
+          </a:xfrm>
+        </p:spPr>
+        <p:txBody>
+          <a:bodyPr vert="eaVert"/>
+          <a:lstStyle/>
+          <a:p>
+            <a:r>
+              <a:rPr lang="en-US"/>
+              <a:t>Click to edit Master title style</a:t>
+            </a:r>
+            <a:endParaRPr lang="en-US" dirty="0"/>
+          </a:p>
+        </p:txBody>
+      </p:sp>
+      <p:sp>
+        <p:nvSpPr>
+          <p:cNvPr id="3" name="Vertical Text Placeholder 2"/>
+          <p:cNvSpPr>
+            <a:spLocks noGrp="1"/>
+          </p:cNvSpPr>
+          <p:nvPr>
+            <p:ph type="body" orient="vert" idx="1"/>
+          </p:nvPr>
+        </p:nvSpPr>
+        <p:spPr>
+          <a:xfrm>
+            <a:off x="1141412" y="609600"/>
+            <a:ext cx="7543800" cy="5181600"/>
+          </a:xfrm>
+        </p:spPr>
+        <p:txBody>
+          <a:bodyPr vert="eaVert" anchor="t"/>
+          <a:lstStyle/>
+          <a:p>
+            <a:pPr lvl="0"/>
+            <a:r>
+              <a:rPr lang="en-US"/>
+              <a:t>Click to edit Master text styles</a:t>
+            </a:r>
+          </a:p>
+          <a:p>
+            <a:pPr lvl="1"/>
+            <a:r>
+              <a:rPr lang="en-US"/>
+              <a:t>Second level</a:t>
+            </a:r>
+          </a:p>
+          <a:p>
+            <a:pPr lvl="2"/>
+            <a:r>
+              <a:rPr lang="en-US"/>
+              <a:t>Third level</a:t>
+            </a:r>
+          </a:p>
+          <a:p>
+            <a:pPr lvl="3"/>
+            <a:r>
+              <a:rPr lang="en-US"/>
+              <a:t>Fourth level</a:t>
+            </a:r>
+          </a:p>
+          <a:p>
+            <a:pPr lvl="4"/>
+            <a:r>
+              <a:rPr lang="en-US"/>
+              <a:t>Fifth level</a:t>
+            </a:r>
+            <a:endParaRPr lang="en-US" dirty="0"/>
+          </a:p>
+        </p:txBody>
+      </p:sp>
+      <p:sp>
+        <p:nvSpPr>
+          <p:cNvPr id="4" name="Date Placeholder 3"/>
+          <p:cNvSpPr>
+            <a:spLocks noGrp="1"/>
+          </p:cNvSpPr>
+          <p:nvPr>
+            <p:ph type="dt" sz="half" idx="10"/>
+          </p:nvPr>
+        </p:nvSpPr>
+        <p:spPr/>
+        <p:txBody>
+          <a:bodyPr/>
+          <a:lstStyle/>
+          <a:p>
+            <a:fld id="{E74541E0-D784-4841-9ABA-0D7648CC5CF3}" type="datetimeFigureOut">
+              <a:rPr lang="en-IN" smtClean="0"/>
+              <a:t>26-02-2024</a:t>
+            </a:fld>
+            <a:endParaRPr lang="en-IN"/>
+          </a:p>
+        </p:txBody>
+      </p:sp>
+      <p:sp>
+        <p:nvSpPr>
+          <p:cNvPr id="5" name="Footer Placeholder 4"/>
+          <p:cNvSpPr>
+            <a:spLocks noGrp="1"/>
+          </p:cNvSpPr>
+          <p:nvPr>
+            <p:ph type="ftr" sz="quarter" idx="11"/>
+          </p:nvPr>
+        </p:nvSpPr>
+        <p:spPr/>
+        <p:txBody>
+          <a:bodyPr/>
+          <a:lstStyle/>
+          <a:p>
+            <a:endParaRPr lang="en-IN"/>
+          </a:p>
+        </p:txBody>
+      </p:sp>
+      <p:sp>
+        <p:nvSpPr>
+          <p:cNvPr id="6" name="Slide Number Placeholder 5"/>
+          <p:cNvSpPr>
+            <a:spLocks noGrp="1"/>
+          </p:cNvSpPr>
+          <p:nvPr>
+            <p:ph type="sldNum" sz="quarter" idx="12"/>
+          </p:nvPr>
+        </p:nvSpPr>
+        <p:spPr/>
+        <p:txBody>
+          <a:bodyPr/>
+          <a:lstStyle/>
+          <a:p>
+            <a:fld id="{2F5B32F1-8AD9-48F6-AF26-90F67DDFF68F}" type="slidenum">
+              <a:rPr lang="en-IN" smtClean="0"/>
+              <a:t>‹#›</a:t>
+            </a:fld>
+            <a:endParaRPr lang="en-IN"/>
+          </a:p>
+        </p:txBody>
+      </p:sp>
+    </p:spTree>
+    <p:extLst>
+      <p:ext uri="{BB962C8B-B14F-4D97-AF65-F5344CB8AC3E}">
+        <p14:creationId xmlns:p14="http://schemas.microsoft.com/office/powerpoint/2010/main" val="3952774732"/>
       </p:ext>
     </p:extLst>
   </p:cSld>
@@ -1662,7 +6345,7 @@
           <a:p>
             <a:fld id="{E74541E0-D784-4841-9ABA-0D7648CC5CF3}" type="datetimeFigureOut">
               <a:rPr lang="en-IN" smtClean="0"/>
-              <a:t>19-01-2024</a:t>
+              <a:t>26-02-2024</a:t>
             </a:fld>
             <a:endParaRPr lang="en-IN"/>
           </a:p>
@@ -1930,7 +6613,7 @@
           <a:p>
             <a:fld id="{E74541E0-D784-4841-9ABA-0D7648CC5CF3}" type="datetimeFigureOut">
               <a:rPr lang="en-IN" smtClean="0"/>
-              <a:t>19-01-2024</a:t>
+              <a:t>26-02-2024</a:t>
             </a:fld>
             <a:endParaRPr lang="en-IN"/>
           </a:p>
@@ -2345,7 +7028,7 @@
           <a:p>
             <a:fld id="{E74541E0-D784-4841-9ABA-0D7648CC5CF3}" type="datetimeFigureOut">
               <a:rPr lang="en-IN" smtClean="0"/>
-              <a:t>19-01-2024</a:t>
+              <a:t>26-02-2024</a:t>
             </a:fld>
             <a:endParaRPr lang="en-IN"/>
           </a:p>
@@ -2487,7 +7170,7 @@
           <a:p>
             <a:fld id="{E74541E0-D784-4841-9ABA-0D7648CC5CF3}" type="datetimeFigureOut">
               <a:rPr lang="en-IN" smtClean="0"/>
-              <a:t>19-01-2024</a:t>
+              <a:t>26-02-2024</a:t>
             </a:fld>
             <a:endParaRPr lang="en-IN"/>
           </a:p>
@@ -2600,7 +7283,7 @@
           <a:p>
             <a:fld id="{E74541E0-D784-4841-9ABA-0D7648CC5CF3}" type="datetimeFigureOut">
               <a:rPr lang="en-IN" smtClean="0"/>
-              <a:t>19-01-2024</a:t>
+              <a:t>26-02-2024</a:t>
             </a:fld>
             <a:endParaRPr lang="en-IN"/>
           </a:p>
@@ -2913,7 +7596,7 @@
           <a:p>
             <a:fld id="{E74541E0-D784-4841-9ABA-0D7648CC5CF3}" type="datetimeFigureOut">
               <a:rPr lang="en-IN" smtClean="0"/>
-              <a:t>19-01-2024</a:t>
+              <a:t>26-02-2024</a:t>
             </a:fld>
             <a:endParaRPr lang="en-IN"/>
           </a:p>
@@ -3202,7 +7885,7 @@
           <a:p>
             <a:fld id="{E74541E0-D784-4841-9ABA-0D7648CC5CF3}" type="datetimeFigureOut">
               <a:rPr lang="en-IN" smtClean="0"/>
-              <a:t>19-01-2024</a:t>
+              <a:t>26-02-2024</a:t>
             </a:fld>
             <a:endParaRPr lang="en-IN"/>
           </a:p>
@@ -3445,7 +8128,7 @@
           <a:p>
             <a:fld id="{E74541E0-D784-4841-9ABA-0D7648CC5CF3}" type="datetimeFigureOut">
               <a:rPr lang="en-IN" smtClean="0"/>
-              <a:t>19-01-2024</a:t>
+              <a:t>26-02-2024</a:t>
             </a:fld>
             <a:endParaRPr lang="en-IN"/>
           </a:p>
@@ -3845,6 +8528,918 @@
 </p:sldMaster>
 </file>
 
+<file path=ppt/slideMasters/slideMaster2.xml><?xml version="1.0" encoding="utf-8"?>
+<p:sldMaster xmlns:a="http://schemas.openxmlformats.org/drawingml/2006/main" xmlns:r="http://schemas.openxmlformats.org/officeDocument/2006/relationships" xmlns:p="http://schemas.openxmlformats.org/presentationml/2006/main">
+  <p:cSld>
+    <p:bg>
+      <p:bgRef idx="1003">
+        <a:schemeClr val="bg2"/>
+      </p:bgRef>
+    </p:bg>
+    <p:spTree>
+      <p:nvGrpSpPr>
+        <p:cNvPr id="1" name=""/>
+        <p:cNvGrpSpPr/>
+        <p:nvPr/>
+      </p:nvGrpSpPr>
+      <p:grpSpPr>
+        <a:xfrm>
+          <a:off x="0" y="0"/>
+          <a:ext cx="0" cy="0"/>
+          <a:chOff x="0" y="0"/>
+          <a:chExt cx="0" cy="0"/>
+        </a:xfrm>
+      </p:grpSpPr>
+      <p:sp>
+        <p:nvSpPr>
+          <p:cNvPr id="2" name="Title Placeholder 1"/>
+          <p:cNvSpPr>
+            <a:spLocks noGrp="1"/>
+          </p:cNvSpPr>
+          <p:nvPr>
+            <p:ph type="title"/>
+          </p:nvPr>
+        </p:nvSpPr>
+        <p:spPr>
+          <a:xfrm>
+            <a:off x="1141413" y="609600"/>
+            <a:ext cx="9905998" cy="1905000"/>
+          </a:xfrm>
+          <a:prstGeom prst="rect">
+            <a:avLst/>
+          </a:prstGeom>
+        </p:spPr>
+        <p:txBody>
+          <a:bodyPr vert="horz" lIns="91440" tIns="45720" rIns="91440" bIns="45720" rtlCol="0" anchor="ctr">
+            <a:normAutofit/>
+          </a:bodyPr>
+          <a:lstStyle/>
+          <a:p>
+            <a:r>
+              <a:rPr lang="en-US"/>
+              <a:t>Click to edit Master title style</a:t>
+            </a:r>
+            <a:endParaRPr lang="en-US" dirty="0"/>
+          </a:p>
+        </p:txBody>
+      </p:sp>
+      <p:sp>
+        <p:nvSpPr>
+          <p:cNvPr id="3" name="Text Placeholder 2"/>
+          <p:cNvSpPr>
+            <a:spLocks noGrp="1"/>
+          </p:cNvSpPr>
+          <p:nvPr>
+            <p:ph type="body" idx="1"/>
+          </p:nvPr>
+        </p:nvSpPr>
+        <p:spPr>
+          <a:xfrm>
+            <a:off x="1141413" y="2666999"/>
+            <a:ext cx="9905998" cy="3124201"/>
+          </a:xfrm>
+          <a:prstGeom prst="rect">
+            <a:avLst/>
+          </a:prstGeom>
+        </p:spPr>
+        <p:txBody>
+          <a:bodyPr vert="horz" lIns="91440" tIns="45720" rIns="91440" bIns="45720" rtlCol="0" anchor="ctr">
+            <a:normAutofit/>
+          </a:bodyPr>
+          <a:lstStyle/>
+          <a:p>
+            <a:pPr lvl="0"/>
+            <a:r>
+              <a:rPr lang="en-US"/>
+              <a:t>Click to edit Master text styles</a:t>
+            </a:r>
+          </a:p>
+          <a:p>
+            <a:pPr lvl="1"/>
+            <a:r>
+              <a:rPr lang="en-US"/>
+              <a:t>Second level</a:t>
+            </a:r>
+          </a:p>
+          <a:p>
+            <a:pPr lvl="2"/>
+            <a:r>
+              <a:rPr lang="en-US"/>
+              <a:t>Third level</a:t>
+            </a:r>
+          </a:p>
+          <a:p>
+            <a:pPr lvl="3"/>
+            <a:r>
+              <a:rPr lang="en-US"/>
+              <a:t>Fourth level</a:t>
+            </a:r>
+          </a:p>
+          <a:p>
+            <a:pPr lvl="4"/>
+            <a:r>
+              <a:rPr lang="en-US"/>
+              <a:t>Fifth level</a:t>
+            </a:r>
+            <a:endParaRPr lang="en-US" dirty="0"/>
+          </a:p>
+        </p:txBody>
+      </p:sp>
+      <p:sp>
+        <p:nvSpPr>
+          <p:cNvPr id="4" name="Date Placeholder 3"/>
+          <p:cNvSpPr>
+            <a:spLocks noGrp="1"/>
+          </p:cNvSpPr>
+          <p:nvPr>
+            <p:ph type="dt" sz="half" idx="2"/>
+          </p:nvPr>
+        </p:nvSpPr>
+        <p:spPr>
+          <a:xfrm>
+            <a:off x="8837612" y="5883275"/>
+            <a:ext cx="1600200" cy="365125"/>
+          </a:xfrm>
+          <a:prstGeom prst="rect">
+            <a:avLst/>
+          </a:prstGeom>
+        </p:spPr>
+        <p:txBody>
+          <a:bodyPr vert="horz" lIns="91440" tIns="45720" rIns="91440" bIns="45720" rtlCol="0" anchor="ctr"/>
+          <a:lstStyle>
+            <a:lvl1pPr algn="r">
+              <a:defRPr sz="900" b="1" i="0">
+                <a:solidFill>
+                  <a:schemeClr val="tx1">
+                    <a:lumMod val="75000"/>
+                  </a:schemeClr>
+                </a:solidFill>
+                <a:effectLst>
+                  <a:outerShdw blurRad="50800" dist="38100" dir="2700000" algn="tl" rotWithShape="0">
+                    <a:srgbClr val="000000">
+                      <a:alpha val="43000"/>
+                    </a:srgbClr>
+                  </a:outerShdw>
+                </a:effectLst>
+                <a:latin typeface="+mn-lt"/>
+              </a:defRPr>
+            </a:lvl1pPr>
+          </a:lstStyle>
+          <a:p>
+            <a:fld id="{E74541E0-D784-4841-9ABA-0D7648CC5CF3}" type="datetimeFigureOut">
+              <a:rPr lang="en-IN" smtClean="0"/>
+              <a:t>26-02-2024</a:t>
+            </a:fld>
+            <a:endParaRPr lang="en-IN"/>
+          </a:p>
+        </p:txBody>
+      </p:sp>
+      <p:sp>
+        <p:nvSpPr>
+          <p:cNvPr id="5" name="Footer Placeholder 4"/>
+          <p:cNvSpPr>
+            <a:spLocks noGrp="1"/>
+          </p:cNvSpPr>
+          <p:nvPr>
+            <p:ph type="ftr" sz="quarter" idx="3"/>
+          </p:nvPr>
+        </p:nvSpPr>
+        <p:spPr>
+          <a:xfrm>
+            <a:off x="1141412" y="5883275"/>
+            <a:ext cx="7543800" cy="365125"/>
+          </a:xfrm>
+          <a:prstGeom prst="rect">
+            <a:avLst/>
+          </a:prstGeom>
+        </p:spPr>
+        <p:txBody>
+          <a:bodyPr vert="horz" lIns="91440" tIns="45720" rIns="91440" bIns="45720" rtlCol="0" anchor="ctr"/>
+          <a:lstStyle>
+            <a:lvl1pPr algn="l">
+              <a:defRPr sz="900" b="1" i="0">
+                <a:solidFill>
+                  <a:schemeClr val="tx1">
+                    <a:lumMod val="75000"/>
+                  </a:schemeClr>
+                </a:solidFill>
+                <a:effectLst>
+                  <a:outerShdw blurRad="50800" dist="38100" dir="2700000" algn="tl" rotWithShape="0">
+                    <a:srgbClr val="000000">
+                      <a:alpha val="43000"/>
+                    </a:srgbClr>
+                  </a:outerShdw>
+                </a:effectLst>
+                <a:latin typeface="+mn-lt"/>
+              </a:defRPr>
+            </a:lvl1pPr>
+          </a:lstStyle>
+          <a:p>
+            <a:endParaRPr lang="en-IN"/>
+          </a:p>
+        </p:txBody>
+      </p:sp>
+      <p:sp>
+        <p:nvSpPr>
+          <p:cNvPr id="6" name="Slide Number Placeholder 5"/>
+          <p:cNvSpPr>
+            <a:spLocks noGrp="1"/>
+          </p:cNvSpPr>
+          <p:nvPr>
+            <p:ph type="sldNum" sz="quarter" idx="4"/>
+          </p:nvPr>
+        </p:nvSpPr>
+        <p:spPr>
+          <a:xfrm>
+            <a:off x="10514012" y="5883275"/>
+            <a:ext cx="551167" cy="365125"/>
+          </a:xfrm>
+          <a:prstGeom prst="rect">
+            <a:avLst/>
+          </a:prstGeom>
+        </p:spPr>
+        <p:txBody>
+          <a:bodyPr vert="horz" lIns="91440" tIns="45720" rIns="91440" bIns="45720" rtlCol="0" anchor="ctr"/>
+          <a:lstStyle>
+            <a:lvl1pPr algn="r">
+              <a:defRPr sz="900" b="1" i="0">
+                <a:solidFill>
+                  <a:schemeClr val="tx1">
+                    <a:lumMod val="75000"/>
+                  </a:schemeClr>
+                </a:solidFill>
+                <a:effectLst>
+                  <a:outerShdw blurRad="50800" dist="38100" dir="2700000" algn="tl" rotWithShape="0">
+                    <a:srgbClr val="000000">
+                      <a:alpha val="43000"/>
+                    </a:srgbClr>
+                  </a:outerShdw>
+                </a:effectLst>
+                <a:latin typeface="+mn-lt"/>
+              </a:defRPr>
+            </a:lvl1pPr>
+          </a:lstStyle>
+          <a:p>
+            <a:fld id="{2F5B32F1-8AD9-48F6-AF26-90F67DDFF68F}" type="slidenum">
+              <a:rPr lang="en-IN" smtClean="0"/>
+              <a:t>‹#›</a:t>
+            </a:fld>
+            <a:endParaRPr lang="en-IN"/>
+          </a:p>
+        </p:txBody>
+      </p:sp>
+    </p:spTree>
+    <p:extLst>
+      <p:ext uri="{BB962C8B-B14F-4D97-AF65-F5344CB8AC3E}">
+        <p14:creationId xmlns:p14="http://schemas.microsoft.com/office/powerpoint/2010/main" val="457919327"/>
+      </p:ext>
+    </p:extLst>
+  </p:cSld>
+  <p:clrMap bg1="dk1" tx1="lt1" bg2="dk2" tx2="lt2" accent1="accent1" accent2="accent2" accent3="accent3" accent4="accent4" accent5="accent5" accent6="accent6" hlink="hlink" folHlink="folHlink"/>
+  <p:sldLayoutIdLst>
+    <p:sldLayoutId id="2147483661" r:id="rId1"/>
+    <p:sldLayoutId id="2147483662" r:id="rId2"/>
+    <p:sldLayoutId id="2147483663" r:id="rId3"/>
+    <p:sldLayoutId id="2147483664" r:id="rId4"/>
+    <p:sldLayoutId id="2147483665" r:id="rId5"/>
+    <p:sldLayoutId id="2147483666" r:id="rId6"/>
+    <p:sldLayoutId id="2147483667" r:id="rId7"/>
+    <p:sldLayoutId id="2147483668" r:id="rId8"/>
+    <p:sldLayoutId id="2147483669" r:id="rId9"/>
+    <p:sldLayoutId id="2147483670" r:id="rId10"/>
+    <p:sldLayoutId id="2147483671" r:id="rId11"/>
+    <p:sldLayoutId id="2147483672" r:id="rId12"/>
+    <p:sldLayoutId id="2147483673" r:id="rId13"/>
+    <p:sldLayoutId id="2147483674" r:id="rId14"/>
+    <p:sldLayoutId id="2147483675" r:id="rId15"/>
+    <p:sldLayoutId id="2147483676" r:id="rId16"/>
+    <p:sldLayoutId id="2147483677" r:id="rId17"/>
+  </p:sldLayoutIdLst>
+  <p:txStyles>
+    <p:titleStyle>
+      <a:lvl1pPr algn="l" defTabSz="457200" rtl="0" eaLnBrk="1" latinLnBrk="0" hangingPunct="1">
+        <a:spcBef>
+          <a:spcPct val="0"/>
+        </a:spcBef>
+        <a:buNone/>
+        <a:defRPr sz="3200" kern="1200" cap="all">
+          <a:ln w="3175" cmpd="sng">
+            <a:noFill/>
+          </a:ln>
+          <a:gradFill flip="none" rotWithShape="1">
+            <a:gsLst>
+              <a:gs pos="0">
+                <a:schemeClr val="tx1"/>
+              </a:gs>
+              <a:gs pos="100000">
+                <a:schemeClr val="tx1">
+                  <a:lumMod val="65000"/>
+                </a:schemeClr>
+              </a:gs>
+            </a:gsLst>
+            <a:lin ang="5580000" scaled="0"/>
+            <a:tileRect/>
+          </a:gradFill>
+          <a:effectLst>
+            <a:glow rad="38100">
+              <a:schemeClr val="bg1">
+                <a:lumMod val="65000"/>
+                <a:lumOff val="35000"/>
+                <a:alpha val="40000"/>
+              </a:schemeClr>
+            </a:glow>
+            <a:outerShdw blurRad="28575" dist="38100" dir="14040000" algn="tl" rotWithShape="0">
+              <a:srgbClr val="000000">
+                <a:alpha val="25000"/>
+              </a:srgbClr>
+            </a:outerShdw>
+          </a:effectLst>
+          <a:latin typeface="+mj-lt"/>
+          <a:ea typeface="+mj-ea"/>
+          <a:cs typeface="+mj-cs"/>
+        </a:defRPr>
+      </a:lvl1pPr>
+      <a:lvl2pPr eaLnBrk="1" hangingPunct="1">
+        <a:defRPr>
+          <a:solidFill>
+            <a:schemeClr val="tx2"/>
+          </a:solidFill>
+        </a:defRPr>
+      </a:lvl2pPr>
+      <a:lvl3pPr eaLnBrk="1" hangingPunct="1">
+        <a:defRPr>
+          <a:solidFill>
+            <a:schemeClr val="tx2"/>
+          </a:solidFill>
+        </a:defRPr>
+      </a:lvl3pPr>
+      <a:lvl4pPr eaLnBrk="1" hangingPunct="1">
+        <a:defRPr>
+          <a:solidFill>
+            <a:schemeClr val="tx2"/>
+          </a:solidFill>
+        </a:defRPr>
+      </a:lvl4pPr>
+      <a:lvl5pPr eaLnBrk="1" hangingPunct="1">
+        <a:defRPr>
+          <a:solidFill>
+            <a:schemeClr val="tx2"/>
+          </a:solidFill>
+        </a:defRPr>
+      </a:lvl5pPr>
+      <a:lvl6pPr eaLnBrk="1" hangingPunct="1">
+        <a:defRPr>
+          <a:solidFill>
+            <a:schemeClr val="tx2"/>
+          </a:solidFill>
+        </a:defRPr>
+      </a:lvl6pPr>
+      <a:lvl7pPr eaLnBrk="1" hangingPunct="1">
+        <a:defRPr>
+          <a:solidFill>
+            <a:schemeClr val="tx2"/>
+          </a:solidFill>
+        </a:defRPr>
+      </a:lvl7pPr>
+      <a:lvl8pPr eaLnBrk="1" hangingPunct="1">
+        <a:defRPr>
+          <a:solidFill>
+            <a:schemeClr val="tx2"/>
+          </a:solidFill>
+        </a:defRPr>
+      </a:lvl8pPr>
+      <a:lvl9pPr eaLnBrk="1" hangingPunct="1">
+        <a:defRPr>
+          <a:solidFill>
+            <a:schemeClr val="tx2"/>
+          </a:solidFill>
+        </a:defRPr>
+      </a:lvl9pPr>
+    </p:titleStyle>
+    <p:bodyStyle>
+      <a:lvl1pPr marL="285750" indent="-285750" algn="l" defTabSz="457200" rtl="0" eaLnBrk="1" latinLnBrk="0" hangingPunct="1">
+        <a:spcBef>
+          <a:spcPct val="20000"/>
+        </a:spcBef>
+        <a:spcAft>
+          <a:spcPts val="600"/>
+        </a:spcAft>
+        <a:buClr>
+          <a:schemeClr val="tx1"/>
+        </a:buClr>
+        <a:buSzPct val="100000"/>
+        <a:buFont typeface="Arial"/>
+        <a:buChar char="•"/>
+        <a:defRPr sz="2000" kern="1200" cap="small">
+          <a:gradFill flip="none" rotWithShape="1">
+            <a:gsLst>
+              <a:gs pos="0">
+                <a:schemeClr val="tx1"/>
+              </a:gs>
+              <a:gs pos="100000">
+                <a:schemeClr val="tx1">
+                  <a:lumMod val="75000"/>
+                </a:schemeClr>
+              </a:gs>
+            </a:gsLst>
+            <a:lin ang="5580000" scaled="0"/>
+            <a:tileRect/>
+          </a:gradFill>
+          <a:effectLst>
+            <a:glow rad="38100">
+              <a:schemeClr val="bg1">
+                <a:lumMod val="50000"/>
+                <a:lumOff val="50000"/>
+                <a:alpha val="20000"/>
+              </a:schemeClr>
+            </a:glow>
+            <a:outerShdw blurRad="44450" dist="12700" dir="13860000" algn="tl" rotWithShape="0">
+              <a:srgbClr val="000000">
+                <a:alpha val="20000"/>
+              </a:srgbClr>
+            </a:outerShdw>
+          </a:effectLst>
+          <a:latin typeface="+mn-lt"/>
+          <a:ea typeface="+mn-ea"/>
+          <a:cs typeface="+mn-cs"/>
+        </a:defRPr>
+      </a:lvl1pPr>
+      <a:lvl2pPr marL="742950" indent="-285750" algn="l" defTabSz="457200" rtl="0" eaLnBrk="1" latinLnBrk="0" hangingPunct="1">
+        <a:spcBef>
+          <a:spcPct val="20000"/>
+        </a:spcBef>
+        <a:spcAft>
+          <a:spcPts val="600"/>
+        </a:spcAft>
+        <a:buClr>
+          <a:schemeClr val="tx1"/>
+        </a:buClr>
+        <a:buSzPct val="100000"/>
+        <a:buFont typeface="Arial"/>
+        <a:buChar char="•"/>
+        <a:defRPr sz="1800" kern="1200" cap="small">
+          <a:gradFill flip="none" rotWithShape="1">
+            <a:gsLst>
+              <a:gs pos="0">
+                <a:schemeClr val="tx1"/>
+              </a:gs>
+              <a:gs pos="100000">
+                <a:schemeClr val="tx1">
+                  <a:lumMod val="75000"/>
+                </a:schemeClr>
+              </a:gs>
+            </a:gsLst>
+            <a:lin ang="5580000" scaled="0"/>
+            <a:tileRect/>
+          </a:gradFill>
+          <a:effectLst>
+            <a:glow rad="38100">
+              <a:schemeClr val="bg1">
+                <a:lumMod val="50000"/>
+                <a:lumOff val="50000"/>
+                <a:alpha val="20000"/>
+              </a:schemeClr>
+            </a:glow>
+            <a:outerShdw blurRad="44450" dist="12700" dir="13860000" algn="tl" rotWithShape="0">
+              <a:srgbClr val="000000">
+                <a:alpha val="20000"/>
+              </a:srgbClr>
+            </a:outerShdw>
+          </a:effectLst>
+          <a:latin typeface="+mn-lt"/>
+          <a:ea typeface="+mn-ea"/>
+          <a:cs typeface="+mn-cs"/>
+        </a:defRPr>
+      </a:lvl2pPr>
+      <a:lvl3pPr marL="1200150" indent="-285750" algn="l" defTabSz="457200" rtl="0" eaLnBrk="1" latinLnBrk="0" hangingPunct="1">
+        <a:spcBef>
+          <a:spcPct val="20000"/>
+        </a:spcBef>
+        <a:spcAft>
+          <a:spcPts val="600"/>
+        </a:spcAft>
+        <a:buClr>
+          <a:schemeClr val="tx1"/>
+        </a:buClr>
+        <a:buSzPct val="100000"/>
+        <a:buFont typeface="Arial"/>
+        <a:buChar char="•"/>
+        <a:defRPr sz="1600" kern="1200" cap="small">
+          <a:gradFill flip="none" rotWithShape="1">
+            <a:gsLst>
+              <a:gs pos="0">
+                <a:schemeClr val="tx1"/>
+              </a:gs>
+              <a:gs pos="100000">
+                <a:schemeClr val="tx1">
+                  <a:lumMod val="75000"/>
+                </a:schemeClr>
+              </a:gs>
+            </a:gsLst>
+            <a:lin ang="5580000" scaled="0"/>
+            <a:tileRect/>
+          </a:gradFill>
+          <a:effectLst>
+            <a:glow rad="38100">
+              <a:schemeClr val="bg1">
+                <a:lumMod val="50000"/>
+                <a:lumOff val="50000"/>
+                <a:alpha val="20000"/>
+              </a:schemeClr>
+            </a:glow>
+            <a:outerShdw blurRad="44450" dist="12700" dir="13860000" algn="tl" rotWithShape="0">
+              <a:srgbClr val="000000">
+                <a:alpha val="20000"/>
+              </a:srgbClr>
+            </a:outerShdw>
+          </a:effectLst>
+          <a:latin typeface="+mn-lt"/>
+          <a:ea typeface="+mn-ea"/>
+          <a:cs typeface="+mn-cs"/>
+        </a:defRPr>
+      </a:lvl3pPr>
+      <a:lvl4pPr marL="1543050" indent="-171450" algn="l" defTabSz="457200" rtl="0" eaLnBrk="1" latinLnBrk="0" hangingPunct="1">
+        <a:spcBef>
+          <a:spcPct val="20000"/>
+        </a:spcBef>
+        <a:spcAft>
+          <a:spcPts val="600"/>
+        </a:spcAft>
+        <a:buClr>
+          <a:schemeClr val="tx1"/>
+        </a:buClr>
+        <a:buSzPct val="100000"/>
+        <a:buFont typeface="Arial"/>
+        <a:buChar char="•"/>
+        <a:defRPr sz="1400" kern="1200" cap="small">
+          <a:gradFill flip="none" rotWithShape="1">
+            <a:gsLst>
+              <a:gs pos="0">
+                <a:schemeClr val="tx1"/>
+              </a:gs>
+              <a:gs pos="100000">
+                <a:schemeClr val="tx1">
+                  <a:lumMod val="75000"/>
+                </a:schemeClr>
+              </a:gs>
+            </a:gsLst>
+            <a:lin ang="5580000" scaled="0"/>
+            <a:tileRect/>
+          </a:gradFill>
+          <a:effectLst>
+            <a:glow rad="38100">
+              <a:schemeClr val="bg1">
+                <a:lumMod val="50000"/>
+                <a:lumOff val="50000"/>
+                <a:alpha val="20000"/>
+              </a:schemeClr>
+            </a:glow>
+            <a:outerShdw blurRad="44450" dist="12700" dir="13860000" algn="tl" rotWithShape="0">
+              <a:srgbClr val="000000">
+                <a:alpha val="20000"/>
+              </a:srgbClr>
+            </a:outerShdw>
+          </a:effectLst>
+          <a:latin typeface="+mn-lt"/>
+          <a:ea typeface="+mn-ea"/>
+          <a:cs typeface="+mn-cs"/>
+        </a:defRPr>
+      </a:lvl4pPr>
+      <a:lvl5pPr marL="2000250" indent="-171450" algn="l" defTabSz="457200" rtl="0" eaLnBrk="1" latinLnBrk="0" hangingPunct="1">
+        <a:spcBef>
+          <a:spcPct val="20000"/>
+        </a:spcBef>
+        <a:spcAft>
+          <a:spcPts val="600"/>
+        </a:spcAft>
+        <a:buClr>
+          <a:schemeClr val="tx1"/>
+        </a:buClr>
+        <a:buSzPct val="100000"/>
+        <a:buFont typeface="Arial"/>
+        <a:buChar char="•"/>
+        <a:defRPr sz="1400" kern="1200" cap="small">
+          <a:gradFill flip="none" rotWithShape="1">
+            <a:gsLst>
+              <a:gs pos="0">
+                <a:schemeClr val="tx1"/>
+              </a:gs>
+              <a:gs pos="100000">
+                <a:schemeClr val="tx1">
+                  <a:lumMod val="75000"/>
+                </a:schemeClr>
+              </a:gs>
+            </a:gsLst>
+            <a:lin ang="5580000" scaled="0"/>
+            <a:tileRect/>
+          </a:gradFill>
+          <a:effectLst>
+            <a:glow rad="38100">
+              <a:schemeClr val="bg1">
+                <a:lumMod val="50000"/>
+                <a:lumOff val="50000"/>
+                <a:alpha val="20000"/>
+              </a:schemeClr>
+            </a:glow>
+            <a:outerShdw blurRad="44450" dist="12700" dir="13860000" algn="tl" rotWithShape="0">
+              <a:srgbClr val="000000">
+                <a:alpha val="20000"/>
+              </a:srgbClr>
+            </a:outerShdw>
+          </a:effectLst>
+          <a:latin typeface="+mn-lt"/>
+          <a:ea typeface="+mn-ea"/>
+          <a:cs typeface="+mn-cs"/>
+        </a:defRPr>
+      </a:lvl5pPr>
+      <a:lvl6pPr marL="2514600" indent="-228600" algn="l" defTabSz="457200" rtl="0" eaLnBrk="1" latinLnBrk="0" hangingPunct="1">
+        <a:spcBef>
+          <a:spcPct val="20000"/>
+        </a:spcBef>
+        <a:spcAft>
+          <a:spcPts val="600"/>
+        </a:spcAft>
+        <a:buClr>
+          <a:schemeClr val="tx1"/>
+        </a:buClr>
+        <a:buSzPct val="100000"/>
+        <a:buFont typeface="Arial"/>
+        <a:buChar char="•"/>
+        <a:defRPr sz="1200" kern="1200" cap="small">
+          <a:gradFill flip="none" rotWithShape="1">
+            <a:gsLst>
+              <a:gs pos="0">
+                <a:schemeClr val="tx1"/>
+              </a:gs>
+              <a:gs pos="100000">
+                <a:schemeClr val="tx1">
+                  <a:lumMod val="75000"/>
+                </a:schemeClr>
+              </a:gs>
+            </a:gsLst>
+            <a:lin ang="5580000" scaled="0"/>
+            <a:tileRect/>
+          </a:gradFill>
+          <a:effectLst>
+            <a:glow rad="38100">
+              <a:schemeClr val="bg1">
+                <a:lumMod val="50000"/>
+                <a:lumOff val="50000"/>
+                <a:alpha val="20000"/>
+              </a:schemeClr>
+            </a:glow>
+            <a:outerShdw blurRad="44450" dist="12700" dir="13860000" algn="tl" rotWithShape="0">
+              <a:srgbClr val="000000">
+                <a:alpha val="20000"/>
+              </a:srgbClr>
+            </a:outerShdw>
+          </a:effectLst>
+          <a:latin typeface="+mn-lt"/>
+          <a:ea typeface="+mn-ea"/>
+          <a:cs typeface="+mn-cs"/>
+        </a:defRPr>
+      </a:lvl6pPr>
+      <a:lvl7pPr marL="2971800" indent="-228600" algn="l" defTabSz="457200" rtl="0" eaLnBrk="1" latinLnBrk="0" hangingPunct="1">
+        <a:spcBef>
+          <a:spcPct val="20000"/>
+        </a:spcBef>
+        <a:spcAft>
+          <a:spcPts val="600"/>
+        </a:spcAft>
+        <a:buClr>
+          <a:schemeClr val="tx1"/>
+        </a:buClr>
+        <a:buSzPct val="100000"/>
+        <a:buFont typeface="Arial"/>
+        <a:buChar char="•"/>
+        <a:defRPr sz="1200" kern="1200" cap="small">
+          <a:gradFill flip="none" rotWithShape="1">
+            <a:gsLst>
+              <a:gs pos="0">
+                <a:schemeClr val="tx1"/>
+              </a:gs>
+              <a:gs pos="100000">
+                <a:schemeClr val="tx1">
+                  <a:lumMod val="75000"/>
+                </a:schemeClr>
+              </a:gs>
+            </a:gsLst>
+            <a:lin ang="5580000" scaled="0"/>
+            <a:tileRect/>
+          </a:gradFill>
+          <a:effectLst>
+            <a:glow rad="38100">
+              <a:schemeClr val="bg1">
+                <a:lumMod val="50000"/>
+                <a:lumOff val="50000"/>
+                <a:alpha val="20000"/>
+              </a:schemeClr>
+            </a:glow>
+            <a:outerShdw blurRad="44450" dist="12700" dir="13860000" algn="tl" rotWithShape="0">
+              <a:srgbClr val="000000">
+                <a:alpha val="20000"/>
+              </a:srgbClr>
+            </a:outerShdw>
+          </a:effectLst>
+          <a:latin typeface="+mn-lt"/>
+          <a:ea typeface="+mn-ea"/>
+          <a:cs typeface="+mn-cs"/>
+        </a:defRPr>
+      </a:lvl7pPr>
+      <a:lvl8pPr marL="3429000" indent="-228600" algn="l" defTabSz="457200" rtl="0" eaLnBrk="1" latinLnBrk="0" hangingPunct="1">
+        <a:spcBef>
+          <a:spcPct val="20000"/>
+        </a:spcBef>
+        <a:spcAft>
+          <a:spcPts val="600"/>
+        </a:spcAft>
+        <a:buClr>
+          <a:schemeClr val="tx1"/>
+        </a:buClr>
+        <a:buSzPct val="100000"/>
+        <a:buFont typeface="Arial"/>
+        <a:buChar char="•"/>
+        <a:defRPr sz="1200" kern="1200" cap="small">
+          <a:gradFill flip="none" rotWithShape="1">
+            <a:gsLst>
+              <a:gs pos="0">
+                <a:schemeClr val="tx1"/>
+              </a:gs>
+              <a:gs pos="100000">
+                <a:schemeClr val="tx1">
+                  <a:lumMod val="75000"/>
+                </a:schemeClr>
+              </a:gs>
+            </a:gsLst>
+            <a:lin ang="5580000" scaled="0"/>
+            <a:tileRect/>
+          </a:gradFill>
+          <a:effectLst>
+            <a:glow rad="38100">
+              <a:schemeClr val="bg1">
+                <a:lumMod val="50000"/>
+                <a:lumOff val="50000"/>
+                <a:alpha val="20000"/>
+              </a:schemeClr>
+            </a:glow>
+            <a:outerShdw blurRad="44450" dist="12700" dir="13860000" algn="tl" rotWithShape="0">
+              <a:srgbClr val="000000">
+                <a:alpha val="20000"/>
+              </a:srgbClr>
+            </a:outerShdw>
+          </a:effectLst>
+          <a:latin typeface="+mn-lt"/>
+          <a:ea typeface="+mn-ea"/>
+          <a:cs typeface="+mn-cs"/>
+        </a:defRPr>
+      </a:lvl8pPr>
+      <a:lvl9pPr marL="3886200" indent="-228600" algn="l" defTabSz="457200" rtl="0" eaLnBrk="1" latinLnBrk="0" hangingPunct="1">
+        <a:spcBef>
+          <a:spcPct val="20000"/>
+        </a:spcBef>
+        <a:spcAft>
+          <a:spcPts val="600"/>
+        </a:spcAft>
+        <a:buClr>
+          <a:schemeClr val="tx1"/>
+        </a:buClr>
+        <a:buSzPct val="100000"/>
+        <a:buFont typeface="Arial"/>
+        <a:buChar char="•"/>
+        <a:defRPr sz="1200" kern="1200" cap="small">
+          <a:gradFill flip="none" rotWithShape="1">
+            <a:gsLst>
+              <a:gs pos="0">
+                <a:schemeClr val="tx1"/>
+              </a:gs>
+              <a:gs pos="100000">
+                <a:schemeClr val="tx1">
+                  <a:lumMod val="75000"/>
+                </a:schemeClr>
+              </a:gs>
+            </a:gsLst>
+            <a:lin ang="5580000" scaled="0"/>
+            <a:tileRect/>
+          </a:gradFill>
+          <a:effectLst>
+            <a:glow rad="38100">
+              <a:schemeClr val="bg1">
+                <a:lumMod val="50000"/>
+                <a:lumOff val="50000"/>
+                <a:alpha val="20000"/>
+              </a:schemeClr>
+            </a:glow>
+            <a:outerShdw blurRad="44450" dist="12700" dir="13860000" algn="tl" rotWithShape="0">
+              <a:srgbClr val="000000">
+                <a:alpha val="20000"/>
+              </a:srgbClr>
+            </a:outerShdw>
+          </a:effectLst>
+          <a:latin typeface="+mn-lt"/>
+          <a:ea typeface="+mn-ea"/>
+          <a:cs typeface="+mn-cs"/>
+        </a:defRPr>
+      </a:lvl9pPr>
+    </p:bodyStyle>
+    <p:otherStyle>
+      <a:defPPr>
+        <a:defRPr lang="en-US"/>
+      </a:defPPr>
+      <a:lvl1pPr marL="0" algn="l" defTabSz="457200" rtl="0" eaLnBrk="1" latinLnBrk="0" hangingPunct="1">
+        <a:defRPr sz="1800" kern="1200">
+          <a:solidFill>
+            <a:schemeClr val="tx1"/>
+          </a:solidFill>
+          <a:latin typeface="+mn-lt"/>
+          <a:ea typeface="+mn-ea"/>
+          <a:cs typeface="+mn-cs"/>
+        </a:defRPr>
+      </a:lvl1pPr>
+      <a:lvl2pPr marL="457200" algn="l" defTabSz="457200" rtl="0" eaLnBrk="1" latinLnBrk="0" hangingPunct="1">
+        <a:defRPr sz="1800" kern="1200">
+          <a:solidFill>
+            <a:schemeClr val="tx1"/>
+          </a:solidFill>
+          <a:latin typeface="+mn-lt"/>
+          <a:ea typeface="+mn-ea"/>
+          <a:cs typeface="+mn-cs"/>
+        </a:defRPr>
+      </a:lvl2pPr>
+      <a:lvl3pPr marL="914400" algn="l" defTabSz="457200" rtl="0" eaLnBrk="1" latinLnBrk="0" hangingPunct="1">
+        <a:defRPr sz="1800" kern="1200">
+          <a:solidFill>
+            <a:schemeClr val="tx1"/>
+          </a:solidFill>
+          <a:latin typeface="+mn-lt"/>
+          <a:ea typeface="+mn-ea"/>
+          <a:cs typeface="+mn-cs"/>
+        </a:defRPr>
+      </a:lvl3pPr>
+      <a:lvl4pPr marL="1371600" algn="l" defTabSz="457200" rtl="0" eaLnBrk="1" latinLnBrk="0" hangingPunct="1">
+        <a:defRPr sz="1800" kern="1200">
+          <a:solidFill>
+            <a:schemeClr val="tx1"/>
+          </a:solidFill>
+          <a:latin typeface="+mn-lt"/>
+          <a:ea typeface="+mn-ea"/>
+          <a:cs typeface="+mn-cs"/>
+        </a:defRPr>
+      </a:lvl4pPr>
+      <a:lvl5pPr marL="1828800" algn="l" defTabSz="457200" rtl="0" eaLnBrk="1" latinLnBrk="0" hangingPunct="1">
+        <a:defRPr sz="1800" kern="1200">
+          <a:solidFill>
+            <a:schemeClr val="tx1"/>
+          </a:solidFill>
+          <a:latin typeface="+mn-lt"/>
+          <a:ea typeface="+mn-ea"/>
+          <a:cs typeface="+mn-cs"/>
+        </a:defRPr>
+      </a:lvl5pPr>
+      <a:lvl6pPr marL="2286000" algn="l" defTabSz="457200" rtl="0" eaLnBrk="1" latinLnBrk="0" hangingPunct="1">
+        <a:defRPr sz="1800" kern="1200">
+          <a:solidFill>
+            <a:schemeClr val="tx1"/>
+          </a:solidFill>
+          <a:latin typeface="+mn-lt"/>
+          <a:ea typeface="+mn-ea"/>
+          <a:cs typeface="+mn-cs"/>
+        </a:defRPr>
+      </a:lvl6pPr>
+      <a:lvl7pPr marL="2743200" algn="l" defTabSz="457200" rtl="0" eaLnBrk="1" latinLnBrk="0" hangingPunct="1">
+        <a:defRPr sz="1800" kern="1200">
+          <a:solidFill>
+            <a:schemeClr val="tx1"/>
+          </a:solidFill>
+          <a:latin typeface="+mn-lt"/>
+          <a:ea typeface="+mn-ea"/>
+          <a:cs typeface="+mn-cs"/>
+        </a:defRPr>
+      </a:lvl7pPr>
+      <a:lvl8pPr marL="3200400" algn="l" defTabSz="457200" rtl="0" eaLnBrk="1" latinLnBrk="0" hangingPunct="1">
+        <a:defRPr sz="1800" kern="1200">
+          <a:solidFill>
+            <a:schemeClr val="tx1"/>
+          </a:solidFill>
+          <a:latin typeface="+mn-lt"/>
+          <a:ea typeface="+mn-ea"/>
+          <a:cs typeface="+mn-cs"/>
+        </a:defRPr>
+      </a:lvl8pPr>
+      <a:lvl9pPr marL="3657600" algn="l" defTabSz="457200" rtl="0" eaLnBrk="1" latinLnBrk="0" hangingPunct="1">
+        <a:defRPr sz="1800" kern="1200">
+          <a:solidFill>
+            <a:schemeClr val="tx1"/>
+          </a:solidFill>
+          <a:latin typeface="+mn-lt"/>
+          <a:ea typeface="+mn-ea"/>
+          <a:cs typeface="+mn-cs"/>
+        </a:defRPr>
+      </a:lvl9pPr>
+    </p:otherStyle>
+  </p:txStyles>
+</p:sldMaster>
+</file>
+
 <file path=ppt/slides/slide1.xml><?xml version="1.0" encoding="utf-8"?>
 <p:sld xmlns:a="http://schemas.openxmlformats.org/drawingml/2006/main" xmlns:r="http://schemas.openxmlformats.org/officeDocument/2006/relationships" xmlns:p="http://schemas.openxmlformats.org/presentationml/2006/main">
   <p:cSld>
@@ -4175,7 +9770,7 @@
                 <a:latin typeface="SamsungOne 600C" panose="020B0706030303020204" pitchFamily="34" charset="0"/>
                 <a:ea typeface="SamsungOne 600C" panose="020B0706030303020204" pitchFamily="34" charset="0"/>
               </a:rPr>
-              <a:t> Ramprasad Bharadwaj S N / </a:t>
+              <a:t> Ramprasad Bharadwaj S N | </a:t>
             </a:r>
             <a:r>
               <a:rPr lang="en-IN" sz="1400" dirty="0">
@@ -4196,7 +9791,7 @@
                 <a:latin typeface="SamsungOne 600C" panose="020B0706030303020204" pitchFamily="34" charset="0"/>
                 <a:ea typeface="SamsungOne 600C" panose="020B0706030303020204" pitchFamily="34" charset="0"/>
               </a:rPr>
-              <a:t>  / ISE</a:t>
+              <a:t>  | ISE</a:t>
             </a:r>
           </a:p>
           <a:p>
@@ -4211,7 +9806,7 @@
                 <a:latin typeface="SamsungOne 600C" panose="020B0706030303020204" pitchFamily="34" charset="0"/>
                 <a:ea typeface="SamsungOne 600C" panose="020B0706030303020204" pitchFamily="34" charset="0"/>
               </a:rPr>
-              <a:t> D Manoj / </a:t>
+              <a:t> D Manoj |  </a:t>
             </a:r>
             <a:r>
               <a:rPr lang="en-IN" sz="1400" dirty="0">
@@ -4232,7 +9827,7 @@
                 <a:latin typeface="SamsungOne 600C" panose="020B0706030303020204" pitchFamily="34" charset="0"/>
                 <a:ea typeface="SamsungOne 600C" panose="020B0706030303020204" pitchFamily="34" charset="0"/>
               </a:rPr>
-              <a:t>  / AIML </a:t>
+              <a:t>  | AIML </a:t>
             </a:r>
           </a:p>
           <a:p>
@@ -4268,7 +9863,7 @@
                 <a:latin typeface="SamsungOne 600C" panose="020B0706030303020204" pitchFamily="34" charset="0"/>
                 <a:ea typeface="SamsungOne 600C" panose="020B0706030303020204" pitchFamily="34" charset="0"/>
               </a:rPr>
-              <a:t> C /  </a:t>
+              <a:t> C |  </a:t>
             </a:r>
             <a:r>
               <a:rPr lang="en-IN" sz="1400" dirty="0">
@@ -4289,7 +9884,7 @@
                 <a:latin typeface="SamsungOne 600C" panose="020B0706030303020204" pitchFamily="34" charset="0"/>
                 <a:ea typeface="SamsungOne 600C" panose="020B0706030303020204" pitchFamily="34" charset="0"/>
               </a:rPr>
-              <a:t> / AIML</a:t>
+              <a:t> | AIML</a:t>
             </a:r>
           </a:p>
           <a:p>
@@ -4305,7 +9900,7 @@
                 <a:latin typeface="SamsungOne 600C" panose="020B0706030303020204" pitchFamily="34" charset="0"/>
                 <a:ea typeface="SamsungOne 600C" panose="020B0706030303020204" pitchFamily="34" charset="0"/>
               </a:rPr>
-              <a:t>Hemanth Raj M /  </a:t>
+              <a:t> Hemanth Raj M |  </a:t>
             </a:r>
             <a:r>
               <a:rPr lang="en-IN" sz="1400" dirty="0">
@@ -4326,7 +9921,7 @@
                 <a:latin typeface="SamsungOne 600C" panose="020B0706030303020204" pitchFamily="34" charset="0"/>
                 <a:ea typeface="SamsungOne 600C" panose="020B0706030303020204" pitchFamily="34" charset="0"/>
               </a:rPr>
-              <a:t> /  CSE</a:t>
+              <a:t> |  CSE</a:t>
             </a:r>
           </a:p>
           <a:p>
@@ -4362,7 +9957,7 @@
                 <a:latin typeface="SamsungOne 600C" panose="020B0706030303020204" pitchFamily="34" charset="0"/>
                 <a:ea typeface="SamsungOne 600C" panose="020B0706030303020204" pitchFamily="34" charset="0"/>
               </a:rPr>
-              <a:t> N /  </a:t>
+              <a:t> N |  </a:t>
             </a:r>
             <a:r>
               <a:rPr lang="en-IN" sz="1400" dirty="0">
@@ -4383,49 +9978,8 @@
                 <a:latin typeface="SamsungOne 600C" panose="020B0706030303020204" pitchFamily="34" charset="0"/>
                 <a:ea typeface="SamsungOne 600C" panose="020B0706030303020204" pitchFamily="34" charset="0"/>
               </a:rPr>
-              <a:t> / CSE</a:t>
-            </a:r>
-          </a:p>
-        </p:txBody>
-      </p:sp>
-      <p:sp>
-        <p:nvSpPr>
-          <p:cNvPr id="28" name="TextBox 27"/>
-          <p:cNvSpPr txBox="1"/>
-          <p:nvPr/>
-        </p:nvSpPr>
-        <p:spPr>
-          <a:xfrm>
-            <a:off x="10159433" y="6437194"/>
-            <a:ext cx="2032566" cy="400110"/>
-          </a:xfrm>
-          <a:prstGeom prst="rect">
-            <a:avLst/>
-          </a:prstGeom>
-          <a:noFill/>
-        </p:spPr>
-        <p:txBody>
-          <a:bodyPr wrap="square" rtlCol="0" anchor="ctr">
-            <a:spAutoFit/>
-          </a:bodyPr>
-          <a:lstStyle/>
-          <a:p>
-            <a:r>
-              <a:rPr lang="en-IN" sz="2000" dirty="0">
-                <a:latin typeface="SamsungOne 600C" panose="020B0706030303020204" pitchFamily="34" charset="0"/>
-                <a:ea typeface="SamsungOne 600C" panose="020B0706030303020204" pitchFamily="34" charset="0"/>
-              </a:rPr>
-              <a:t>Date: 5 DEC 2023</a:t>
-            </a:r>
-            <a:endParaRPr lang="en-US" sz="2000" dirty="0">
-              <a:solidFill>
-                <a:schemeClr val="bg1">
-                  <a:lumMod val="50000"/>
-                </a:schemeClr>
-              </a:solidFill>
-              <a:latin typeface="SamsungOne 600C" panose="020B0706030303020204" pitchFamily="34" charset="0"/>
-              <a:ea typeface="SamsungOne 600C" panose="020B0706030303020204" pitchFamily="34" charset="0"/>
-            </a:endParaRPr>
+              <a:t> | CSE</a:t>
+            </a:r>
           </a:p>
         </p:txBody>
       </p:sp>
@@ -4561,13 +10115,20 @@
             <p:ph type="title"/>
           </p:nvPr>
         </p:nvSpPr>
-        <p:spPr/>
-        <p:txBody>
-          <a:bodyPr/>
-          <a:lstStyle/>
-          <a:p>
-            <a:r>
-              <a:rPr lang="en-IN" dirty="0"/>
+        <p:spPr>
+          <a:xfrm>
+            <a:off x="884238" y="600075"/>
+            <a:ext cx="9905998" cy="1905000"/>
+          </a:xfrm>
+        </p:spPr>
+        <p:txBody>
+          <a:bodyPr>
+            <a:normAutofit/>
+          </a:bodyPr>
+          <a:lstStyle/>
+          <a:p>
+            <a:r>
+              <a:rPr lang="en-IN" sz="4000" dirty="0"/>
               <a:t>Instant - NGP</a:t>
             </a:r>
           </a:p>
@@ -4589,45 +10150,87 @@
             <p:ph idx="1"/>
           </p:nvPr>
         </p:nvSpPr>
-        <p:spPr/>
-        <p:txBody>
-          <a:bodyPr/>
+        <p:spPr>
+          <a:xfrm>
+            <a:off x="1019175" y="1876425"/>
+            <a:ext cx="10028236" cy="3914775"/>
+          </a:xfrm>
+        </p:spPr>
+        <p:txBody>
+          <a:bodyPr>
+            <a:normAutofit/>
+          </a:bodyPr>
           <a:lstStyle/>
           <a:p>
             <a:pPr marL="0" indent="0">
               <a:buNone/>
             </a:pPr>
             <a:r>
-              <a:rPr lang="en-IN" dirty="0"/>
+              <a:rPr lang="en-IN" sz="2800" dirty="0"/>
               <a:t>Steps to render:</a:t>
             </a:r>
           </a:p>
           <a:p>
             <a:r>
-              <a:rPr lang="en-IN" dirty="0"/>
+              <a:rPr lang="en-IN" sz="2800" dirty="0"/>
               <a:t>Capture video</a:t>
             </a:r>
           </a:p>
           <a:p>
             <a:r>
-              <a:rPr lang="en-IN" dirty="0"/>
+              <a:rPr lang="en-IN" sz="2800" dirty="0"/>
               <a:t>Convert video to images ( by setting fps rate )</a:t>
             </a:r>
           </a:p>
           <a:p>
             <a:r>
-              <a:rPr lang="en-IN" dirty="0"/>
+              <a:rPr lang="en-IN" sz="2800" dirty="0"/>
               <a:t>Calculate camera angle in each image frame</a:t>
             </a:r>
           </a:p>
           <a:p>
             <a:r>
-              <a:rPr lang="en-IN" dirty="0"/>
+              <a:rPr lang="en-IN" sz="2800" dirty="0"/>
               <a:t>Render the 3d model</a:t>
             </a:r>
           </a:p>
         </p:txBody>
       </p:sp>
+      <p:pic>
+        <p:nvPicPr>
+          <p:cNvPr id="4" name="Picture 3">
+            <a:extLst>
+              <a:ext uri="{FF2B5EF4-FFF2-40B4-BE49-F238E27FC236}">
+                <a16:creationId xmlns:a16="http://schemas.microsoft.com/office/drawing/2014/main" id="{CA9C374E-F4C6-3779-3E9A-C4015DCFCF3B}"/>
+              </a:ext>
+            </a:extLst>
+          </p:cNvPr>
+          <p:cNvPicPr>
+            <a:picLocks noChangeAspect="1"/>
+          </p:cNvPicPr>
+          <p:nvPr/>
+        </p:nvPicPr>
+        <p:blipFill rotWithShape="1">
+          <a:blip r:embed="rId2" cstate="print">
+            <a:extLst>
+              <a:ext uri="{28A0092B-C50C-407E-A947-70E740481C1C}">
+                <a14:useLocalDpi xmlns:a14="http://schemas.microsoft.com/office/drawing/2010/main" val="0"/>
+              </a:ext>
+            </a:extLst>
+          </a:blip>
+          <a:srcRect l="4529" t="20267" r="4175" b="26842"/>
+          <a:stretch/>
+        </p:blipFill>
+        <p:spPr>
+          <a:xfrm>
+            <a:off x="10942082" y="205056"/>
+            <a:ext cx="1249918" cy="474910"/>
+          </a:xfrm>
+          <a:prstGeom prst="rect">
+            <a:avLst/>
+          </a:prstGeom>
+        </p:spPr>
+      </p:pic>
     </p:spTree>
     <p:extLst>
       <p:ext uri="{BB962C8B-B14F-4D97-AF65-F5344CB8AC3E}">
@@ -4735,6 +10338,41 @@
           </a:p>
         </p:txBody>
       </p:sp>
+      <p:pic>
+        <p:nvPicPr>
+          <p:cNvPr id="2" name="Picture 1">
+            <a:extLst>
+              <a:ext uri="{FF2B5EF4-FFF2-40B4-BE49-F238E27FC236}">
+                <a16:creationId xmlns:a16="http://schemas.microsoft.com/office/drawing/2014/main" id="{18A94D90-9763-AF1E-5546-79D4ED61DEC0}"/>
+              </a:ext>
+            </a:extLst>
+          </p:cNvPr>
+          <p:cNvPicPr>
+            <a:picLocks noChangeAspect="1"/>
+          </p:cNvPicPr>
+          <p:nvPr/>
+        </p:nvPicPr>
+        <p:blipFill rotWithShape="1">
+          <a:blip r:embed="rId3" cstate="print">
+            <a:extLst>
+              <a:ext uri="{28A0092B-C50C-407E-A947-70E740481C1C}">
+                <a14:useLocalDpi xmlns:a14="http://schemas.microsoft.com/office/drawing/2010/main" val="0"/>
+              </a:ext>
+            </a:extLst>
+          </a:blip>
+          <a:srcRect l="4529" t="20267" r="4175" b="26842"/>
+          <a:stretch/>
+        </p:blipFill>
+        <p:spPr>
+          <a:xfrm>
+            <a:off x="10942082" y="205056"/>
+            <a:ext cx="1249918" cy="474910"/>
+          </a:xfrm>
+          <a:prstGeom prst="rect">
+            <a:avLst/>
+          </a:prstGeom>
+        </p:spPr>
+      </p:pic>
     </p:spTree>
     <p:extLst>
       <p:ext uri="{BB962C8B-B14F-4D97-AF65-F5344CB8AC3E}">
@@ -4842,6 +10480,41 @@
           </a:p>
         </p:txBody>
       </p:sp>
+      <p:pic>
+        <p:nvPicPr>
+          <p:cNvPr id="2" name="Picture 1">
+            <a:extLst>
+              <a:ext uri="{FF2B5EF4-FFF2-40B4-BE49-F238E27FC236}">
+                <a16:creationId xmlns:a16="http://schemas.microsoft.com/office/drawing/2014/main" id="{E2C0E8A0-DA3C-018F-11B1-2051A4E2A2A7}"/>
+              </a:ext>
+            </a:extLst>
+          </p:cNvPr>
+          <p:cNvPicPr>
+            <a:picLocks noChangeAspect="1"/>
+          </p:cNvPicPr>
+          <p:nvPr/>
+        </p:nvPicPr>
+        <p:blipFill rotWithShape="1">
+          <a:blip r:embed="rId3" cstate="print">
+            <a:extLst>
+              <a:ext uri="{28A0092B-C50C-407E-A947-70E740481C1C}">
+                <a14:useLocalDpi xmlns:a14="http://schemas.microsoft.com/office/drawing/2010/main" val="0"/>
+              </a:ext>
+            </a:extLst>
+          </a:blip>
+          <a:srcRect l="4529" t="20267" r="4175" b="26842"/>
+          <a:stretch/>
+        </p:blipFill>
+        <p:spPr>
+          <a:xfrm>
+            <a:off x="10942082" y="205056"/>
+            <a:ext cx="1249918" cy="474910"/>
+          </a:xfrm>
+          <a:prstGeom prst="rect">
+            <a:avLst/>
+          </a:prstGeom>
+        </p:spPr>
+      </p:pic>
     </p:spTree>
     <p:extLst>
       <p:ext uri="{BB962C8B-B14F-4D97-AF65-F5344CB8AC3E}">
@@ -4888,28 +10561,20 @@
             <p:ph type="title"/>
           </p:nvPr>
         </p:nvSpPr>
-        <p:spPr/>
+        <p:spPr>
+          <a:xfrm>
+            <a:off x="827088" y="-29646"/>
+            <a:ext cx="9905998" cy="1905000"/>
+          </a:xfrm>
+        </p:spPr>
         <p:txBody>
           <a:bodyPr/>
           <a:lstStyle/>
           <a:p>
             <a:r>
               <a:rPr lang="en-IN" dirty="0"/>
-              <a:t>Application – </a:t>
-            </a:r>
-            <a:r>
-              <a:rPr lang="en-IN" sz="3600" dirty="0"/>
-              <a:t>(</a:t>
-            </a:r>
-            <a:r>
-              <a:rPr lang="en-IN" sz="2000" dirty="0"/>
-              <a:t>AN INITIATIVE IDEA</a:t>
-            </a:r>
-            <a:r>
-              <a:rPr lang="en-IN" sz="3600" dirty="0"/>
-              <a:t>)</a:t>
-            </a:r>
-            <a:endParaRPr lang="en-IN" dirty="0"/>
+              <a:t>Application</a:t>
+            </a:r>
           </a:p>
         </p:txBody>
       </p:sp>
@@ -4963,7 +10628,7 @@
         </p:nvSpPr>
         <p:spPr>
           <a:xfrm>
-            <a:off x="495300" y="1690688"/>
+            <a:off x="1458914" y="1741969"/>
             <a:ext cx="6096000" cy="369332"/>
           </a:xfrm>
           <a:prstGeom prst="rect">
@@ -4984,6 +10649,41 @@
           </a:p>
         </p:txBody>
       </p:sp>
+      <p:pic>
+        <p:nvPicPr>
+          <p:cNvPr id="3" name="Picture 2">
+            <a:extLst>
+              <a:ext uri="{FF2B5EF4-FFF2-40B4-BE49-F238E27FC236}">
+                <a16:creationId xmlns:a16="http://schemas.microsoft.com/office/drawing/2014/main" id="{02BC9685-3589-2AA0-0539-DC26AF8D741E}"/>
+              </a:ext>
+            </a:extLst>
+          </p:cNvPr>
+          <p:cNvPicPr>
+            <a:picLocks noChangeAspect="1"/>
+          </p:cNvPicPr>
+          <p:nvPr/>
+        </p:nvPicPr>
+        <p:blipFill rotWithShape="1">
+          <a:blip r:embed="rId3" cstate="print">
+            <a:extLst>
+              <a:ext uri="{28A0092B-C50C-407E-A947-70E740481C1C}">
+                <a14:useLocalDpi xmlns:a14="http://schemas.microsoft.com/office/drawing/2010/main" val="0"/>
+              </a:ext>
+            </a:extLst>
+          </a:blip>
+          <a:srcRect l="4529" t="20267" r="4175" b="26842"/>
+          <a:stretch/>
+        </p:blipFill>
+        <p:spPr>
+          <a:xfrm>
+            <a:off x="10942082" y="205056"/>
+            <a:ext cx="1249918" cy="474910"/>
+          </a:xfrm>
+          <a:prstGeom prst="rect">
+            <a:avLst/>
+          </a:prstGeom>
+        </p:spPr>
+      </p:pic>
     </p:spTree>
     <p:extLst>
       <p:ext uri="{BB962C8B-B14F-4D97-AF65-F5344CB8AC3E}">
@@ -5122,6 +10822,41 @@
           </a:prstGeom>
         </p:spPr>
       </p:pic>
+      <p:pic>
+        <p:nvPicPr>
+          <p:cNvPr id="2" name="Picture 1">
+            <a:extLst>
+              <a:ext uri="{FF2B5EF4-FFF2-40B4-BE49-F238E27FC236}">
+                <a16:creationId xmlns:a16="http://schemas.microsoft.com/office/drawing/2014/main" id="{E546FC1F-DDA6-A4B8-E416-55630895F880}"/>
+              </a:ext>
+            </a:extLst>
+          </p:cNvPr>
+          <p:cNvPicPr>
+            <a:picLocks noChangeAspect="1"/>
+          </p:cNvPicPr>
+          <p:nvPr/>
+        </p:nvPicPr>
+        <p:blipFill rotWithShape="1">
+          <a:blip r:embed="rId5" cstate="print">
+            <a:extLst>
+              <a:ext uri="{28A0092B-C50C-407E-A947-70E740481C1C}">
+                <a14:useLocalDpi xmlns:a14="http://schemas.microsoft.com/office/drawing/2010/main" val="0"/>
+              </a:ext>
+            </a:extLst>
+          </a:blip>
+          <a:srcRect l="4529" t="20267" r="4175" b="26842"/>
+          <a:stretch/>
+        </p:blipFill>
+        <p:spPr>
+          <a:xfrm>
+            <a:off x="10942082" y="205056"/>
+            <a:ext cx="1249918" cy="474910"/>
+          </a:xfrm>
+          <a:prstGeom prst="rect">
+            <a:avLst/>
+          </a:prstGeom>
+        </p:spPr>
+      </p:pic>
     </p:spTree>
     <p:extLst>
       <p:ext uri="{BB962C8B-B14F-4D97-AF65-F5344CB8AC3E}">
@@ -5168,7 +10903,12 @@
             <p:ph type="title"/>
           </p:nvPr>
         </p:nvSpPr>
-        <p:spPr/>
+        <p:spPr>
+          <a:xfrm>
+            <a:off x="598488" y="11940"/>
+            <a:ext cx="9905998" cy="1905000"/>
+          </a:xfrm>
+        </p:spPr>
         <p:txBody>
           <a:bodyPr/>
           <a:lstStyle/>
@@ -5180,35 +10920,6 @@
           </a:p>
         </p:txBody>
       </p:sp>
-      <p:pic>
-        <p:nvPicPr>
-          <p:cNvPr id="5" name="Content Placeholder 4">
-            <a:extLst>
-              <a:ext uri="{FF2B5EF4-FFF2-40B4-BE49-F238E27FC236}">
-                <a16:creationId xmlns:a16="http://schemas.microsoft.com/office/drawing/2014/main" id="{F46304EE-412B-7460-6270-B12182AC2E00}"/>
-              </a:ext>
-            </a:extLst>
-          </p:cNvPr>
-          <p:cNvPicPr>
-            <a:picLocks noGrp="1" noChangeAspect="1"/>
-          </p:cNvPicPr>
-          <p:nvPr>
-            <p:ph idx="1"/>
-          </p:nvPr>
-        </p:nvPicPr>
-        <p:blipFill>
-          <a:blip r:embed="rId2"/>
-          <a:stretch>
-            <a:fillRect/>
-          </a:stretch>
-        </p:blipFill>
-        <p:spPr>
-          <a:xfrm>
-            <a:off x="838200" y="1811684"/>
-            <a:ext cx="10515600" cy="2493270"/>
-          </a:xfrm>
-        </p:spPr>
-      </p:pic>
       <p:sp>
         <p:nvSpPr>
           <p:cNvPr id="6" name="TextBox 5">
@@ -5223,7 +10934,7 @@
         </p:nvSpPr>
         <p:spPr>
           <a:xfrm>
-            <a:off x="838200" y="5033963"/>
+            <a:off x="142875" y="5548313"/>
             <a:ext cx="10639425" cy="369332"/>
           </a:xfrm>
           <a:prstGeom prst="rect">
@@ -5244,6 +10955,71 @@
           </a:p>
         </p:txBody>
       </p:sp>
+      <p:pic>
+        <p:nvPicPr>
+          <p:cNvPr id="8" name="Picture 7">
+            <a:extLst>
+              <a:ext uri="{FF2B5EF4-FFF2-40B4-BE49-F238E27FC236}">
+                <a16:creationId xmlns:a16="http://schemas.microsoft.com/office/drawing/2014/main" id="{3060FA2F-ECA4-492B-49FC-8161786F1F56}"/>
+              </a:ext>
+            </a:extLst>
+          </p:cNvPr>
+          <p:cNvPicPr>
+            <a:picLocks noChangeAspect="1"/>
+          </p:cNvPicPr>
+          <p:nvPr/>
+        </p:nvPicPr>
+        <p:blipFill>
+          <a:blip r:embed="rId2"/>
+          <a:stretch>
+            <a:fillRect/>
+          </a:stretch>
+        </p:blipFill>
+        <p:spPr>
+          <a:xfrm>
+            <a:off x="0" y="2009843"/>
+            <a:ext cx="12192000" cy="2838313"/>
+          </a:xfrm>
+          <a:prstGeom prst="rect">
+            <a:avLst/>
+          </a:prstGeom>
+        </p:spPr>
+      </p:pic>
+      <p:pic>
+        <p:nvPicPr>
+          <p:cNvPr id="9" name="Picture 8">
+            <a:extLst>
+              <a:ext uri="{FF2B5EF4-FFF2-40B4-BE49-F238E27FC236}">
+                <a16:creationId xmlns:a16="http://schemas.microsoft.com/office/drawing/2014/main" id="{D19093CA-3896-2EC5-9DE5-86A010EF5D89}"/>
+              </a:ext>
+            </a:extLst>
+          </p:cNvPr>
+          <p:cNvPicPr>
+            <a:picLocks noChangeAspect="1"/>
+          </p:cNvPicPr>
+          <p:nvPr/>
+        </p:nvPicPr>
+        <p:blipFill rotWithShape="1">
+          <a:blip r:embed="rId3" cstate="print">
+            <a:extLst>
+              <a:ext uri="{28A0092B-C50C-407E-A947-70E740481C1C}">
+                <a14:useLocalDpi xmlns:a14="http://schemas.microsoft.com/office/drawing/2010/main" val="0"/>
+              </a:ext>
+            </a:extLst>
+          </a:blip>
+          <a:srcRect l="4529" t="20267" r="4175" b="26842"/>
+          <a:stretch/>
+        </p:blipFill>
+        <p:spPr>
+          <a:xfrm>
+            <a:off x="10942082" y="205056"/>
+            <a:ext cx="1249918" cy="474910"/>
+          </a:xfrm>
+          <a:prstGeom prst="rect">
+            <a:avLst/>
+          </a:prstGeom>
+        </p:spPr>
+      </p:pic>
     </p:spTree>
     <p:extLst>
       <p:ext uri="{BB962C8B-B14F-4D97-AF65-F5344CB8AC3E}">
@@ -5297,17 +11073,54 @@
           </a:xfrm>
         </p:spPr>
         <p:txBody>
-          <a:bodyPr/>
+          <a:bodyPr>
+            <a:normAutofit/>
+          </a:bodyPr>
           <a:lstStyle/>
           <a:p>
             <a:pPr algn="ctr"/>
             <a:r>
-              <a:rPr lang="en-IN" dirty="0"/>
+              <a:rPr lang="en-IN" sz="5400" dirty="0"/>
               <a:t>Thank you</a:t>
             </a:r>
           </a:p>
         </p:txBody>
       </p:sp>
+      <p:pic>
+        <p:nvPicPr>
+          <p:cNvPr id="3" name="Picture 2">
+            <a:extLst>
+              <a:ext uri="{FF2B5EF4-FFF2-40B4-BE49-F238E27FC236}">
+                <a16:creationId xmlns:a16="http://schemas.microsoft.com/office/drawing/2014/main" id="{D18AD0FB-6CC2-7D66-9C63-12902DB12F81}"/>
+              </a:ext>
+            </a:extLst>
+          </p:cNvPr>
+          <p:cNvPicPr>
+            <a:picLocks noChangeAspect="1"/>
+          </p:cNvPicPr>
+          <p:nvPr/>
+        </p:nvPicPr>
+        <p:blipFill rotWithShape="1">
+          <a:blip r:embed="rId2" cstate="print">
+            <a:extLst>
+              <a:ext uri="{28A0092B-C50C-407E-A947-70E740481C1C}">
+                <a14:useLocalDpi xmlns:a14="http://schemas.microsoft.com/office/drawing/2010/main" val="0"/>
+              </a:ext>
+            </a:extLst>
+          </a:blip>
+          <a:srcRect l="4529" t="20267" r="4175" b="26842"/>
+          <a:stretch/>
+        </p:blipFill>
+        <p:spPr>
+          <a:xfrm>
+            <a:off x="10942082" y="205056"/>
+            <a:ext cx="1249918" cy="474910"/>
+          </a:xfrm>
+          <a:prstGeom prst="rect">
+            <a:avLst/>
+          </a:prstGeom>
+        </p:spPr>
+      </p:pic>
     </p:spTree>
     <p:extLst>
       <p:ext uri="{BB962C8B-B14F-4D97-AF65-F5344CB8AC3E}">
@@ -5346,7 +11159,7 @@
         </p:nvSpPr>
         <p:spPr>
           <a:xfrm>
-            <a:off x="228003" y="994788"/>
+            <a:off x="228003" y="890582"/>
             <a:ext cx="5191760" cy="5861794"/>
           </a:xfrm>
           <a:prstGeom prst="rect">
@@ -8210,7 +14023,7 @@
         </p:blipFill>
         <p:spPr bwMode="auto">
           <a:xfrm>
-            <a:off x="6547546" y="6415165"/>
+            <a:off x="6493385" y="6316336"/>
             <a:ext cx="2589810" cy="316871"/>
           </a:xfrm>
           <a:prstGeom prst="rect">
@@ -8741,6 +14554,41 @@
           </a:prstGeom>
         </p:spPr>
       </p:pic>
+      <p:pic>
+        <p:nvPicPr>
+          <p:cNvPr id="5" name="Picture 4">
+            <a:extLst>
+              <a:ext uri="{FF2B5EF4-FFF2-40B4-BE49-F238E27FC236}">
+                <a16:creationId xmlns:a16="http://schemas.microsoft.com/office/drawing/2014/main" id="{E7C8FCC4-9708-30BE-8F07-02BA936A64AF}"/>
+              </a:ext>
+            </a:extLst>
+          </p:cNvPr>
+          <p:cNvPicPr>
+            <a:picLocks noChangeAspect="1"/>
+          </p:cNvPicPr>
+          <p:nvPr/>
+        </p:nvPicPr>
+        <p:blipFill rotWithShape="1">
+          <a:blip r:embed="rId10" cstate="print">
+            <a:extLst>
+              <a:ext uri="{28A0092B-C50C-407E-A947-70E740481C1C}">
+                <a14:useLocalDpi xmlns:a14="http://schemas.microsoft.com/office/drawing/2010/main" val="0"/>
+              </a:ext>
+            </a:extLst>
+          </a:blip>
+          <a:srcRect l="4529" t="20267" r="4175" b="26842"/>
+          <a:stretch/>
+        </p:blipFill>
+        <p:spPr>
+          <a:xfrm>
+            <a:off x="10838450" y="415672"/>
+            <a:ext cx="1249918" cy="474910"/>
+          </a:xfrm>
+          <a:prstGeom prst="rect">
+            <a:avLst/>
+          </a:prstGeom>
+        </p:spPr>
+      </p:pic>
     </p:spTree>
     <p:extLst>
       <p:ext uri="{BB962C8B-B14F-4D97-AF65-F5344CB8AC3E}">
@@ -8938,8 +14786,8 @@
         </p:nvSpPr>
         <p:spPr>
           <a:xfrm>
-            <a:off x="1666875" y="1402140"/>
-            <a:ext cx="7943850" cy="1569660"/>
+            <a:off x="1666874" y="1402140"/>
+            <a:ext cx="9439275" cy="1608335"/>
           </a:xfrm>
           <a:prstGeom prst="rect">
             <a:avLst/>
@@ -9170,6 +15018,41 @@
           </a:p>
         </p:txBody>
       </p:sp>
+      <p:pic>
+        <p:nvPicPr>
+          <p:cNvPr id="3" name="Picture 2">
+            <a:extLst>
+              <a:ext uri="{FF2B5EF4-FFF2-40B4-BE49-F238E27FC236}">
+                <a16:creationId xmlns:a16="http://schemas.microsoft.com/office/drawing/2014/main" id="{D3B0E34D-4A82-6755-386F-D449372CB4B3}"/>
+              </a:ext>
+            </a:extLst>
+          </p:cNvPr>
+          <p:cNvPicPr>
+            <a:picLocks noChangeAspect="1"/>
+          </p:cNvPicPr>
+          <p:nvPr/>
+        </p:nvPicPr>
+        <p:blipFill rotWithShape="1">
+          <a:blip r:embed="rId2" cstate="print">
+            <a:extLst>
+              <a:ext uri="{28A0092B-C50C-407E-A947-70E740481C1C}">
+                <a14:useLocalDpi xmlns:a14="http://schemas.microsoft.com/office/drawing/2010/main" val="0"/>
+              </a:ext>
+            </a:extLst>
+          </a:blip>
+          <a:srcRect l="4529" t="20267" r="4175" b="26842"/>
+          <a:stretch/>
+        </p:blipFill>
+        <p:spPr>
+          <a:xfrm>
+            <a:off x="10942081" y="105045"/>
+            <a:ext cx="1249918" cy="474910"/>
+          </a:xfrm>
+          <a:prstGeom prst="rect">
+            <a:avLst/>
+          </a:prstGeom>
+        </p:spPr>
+      </p:pic>
     </p:spTree>
     <p:extLst>
       <p:ext uri="{BB962C8B-B14F-4D97-AF65-F5344CB8AC3E}">
@@ -9216,7 +15099,12 @@
             <p:ph type="title"/>
           </p:nvPr>
         </p:nvSpPr>
-        <p:spPr/>
+        <p:spPr>
+          <a:xfrm>
+            <a:off x="1036083" y="105045"/>
+            <a:ext cx="9905998" cy="1905000"/>
+          </a:xfrm>
+        </p:spPr>
         <p:txBody>
           <a:bodyPr/>
           <a:lstStyle/>
@@ -9244,7 +15132,12 @@
             <p:ph idx="1"/>
           </p:nvPr>
         </p:nvSpPr>
-        <p:spPr/>
+        <p:spPr>
+          <a:xfrm>
+            <a:off x="1208088" y="1866899"/>
+            <a:ext cx="9905998" cy="3124201"/>
+          </a:xfrm>
+        </p:spPr>
         <p:txBody>
           <a:bodyPr/>
           <a:lstStyle/>
@@ -9252,6 +15145,16 @@
             <a:r>
               <a:rPr lang="en-IN" dirty="0"/>
               <a:t>Batch size = 4</a:t>
+            </a:r>
+          </a:p>
+          <a:p>
+            <a:r>
+              <a:rPr lang="en-IN" dirty="0" err="1"/>
+              <a:t>Promt</a:t>
+            </a:r>
+            <a:r>
+              <a:rPr lang="en-IN" dirty="0"/>
+              <a:t> : A lion</a:t>
             </a:r>
           </a:p>
           <a:p>
@@ -10039,6 +15942,41 @@
           </a:p>
         </p:txBody>
       </p:sp>
+      <p:pic>
+        <p:nvPicPr>
+          <p:cNvPr id="2" name="Picture 1">
+            <a:extLst>
+              <a:ext uri="{FF2B5EF4-FFF2-40B4-BE49-F238E27FC236}">
+                <a16:creationId xmlns:a16="http://schemas.microsoft.com/office/drawing/2014/main" id="{E61F26C1-CAC9-6D2B-CC7F-10E0E50371FF}"/>
+              </a:ext>
+            </a:extLst>
+          </p:cNvPr>
+          <p:cNvPicPr>
+            <a:picLocks noChangeAspect="1"/>
+          </p:cNvPicPr>
+          <p:nvPr/>
+        </p:nvPicPr>
+        <p:blipFill rotWithShape="1">
+          <a:blip r:embed="rId3" cstate="print">
+            <a:extLst>
+              <a:ext uri="{28A0092B-C50C-407E-A947-70E740481C1C}">
+                <a14:useLocalDpi xmlns:a14="http://schemas.microsoft.com/office/drawing/2010/main" val="0"/>
+              </a:ext>
+            </a:extLst>
+          </a:blip>
+          <a:srcRect l="4529" t="20267" r="4175" b="26842"/>
+          <a:stretch/>
+        </p:blipFill>
+        <p:spPr>
+          <a:xfrm>
+            <a:off x="10942082" y="205056"/>
+            <a:ext cx="1249918" cy="474910"/>
+          </a:xfrm>
+          <a:prstGeom prst="rect">
+            <a:avLst/>
+          </a:prstGeom>
+        </p:spPr>
+      </p:pic>
     </p:spTree>
     <p:extLst>
       <p:ext uri="{BB962C8B-B14F-4D97-AF65-F5344CB8AC3E}">
@@ -10348,6 +16286,262 @@
 </file>
 
 <file path=ppt/theme/theme2.xml><?xml version="1.0" encoding="utf-8"?>
+<a:theme xmlns:a="http://schemas.openxmlformats.org/drawingml/2006/main" name="Mesh">
+  <a:themeElements>
+    <a:clrScheme name="Mesh">
+      <a:dk1>
+        <a:sysClr val="windowText" lastClr="000000"/>
+      </a:dk1>
+      <a:lt1>
+        <a:sysClr val="window" lastClr="FFFFFF"/>
+      </a:lt1>
+      <a:dk2>
+        <a:srgbClr val="363D46"/>
+      </a:dk2>
+      <a:lt2>
+        <a:srgbClr val="EBEBEB"/>
+      </a:lt2>
+      <a:accent1>
+        <a:srgbClr val="6F6F6F"/>
+      </a:accent1>
+      <a:accent2>
+        <a:srgbClr val="BFBFA5"/>
+      </a:accent2>
+      <a:accent3>
+        <a:srgbClr val="DCD084"/>
+      </a:accent3>
+      <a:accent4>
+        <a:srgbClr val="E7BF5F"/>
+      </a:accent4>
+      <a:accent5>
+        <a:srgbClr val="E9A039"/>
+      </a:accent5>
+      <a:accent6>
+        <a:srgbClr val="CF7133"/>
+      </a:accent6>
+      <a:hlink>
+        <a:srgbClr val="F28943"/>
+      </a:hlink>
+      <a:folHlink>
+        <a:srgbClr val="F1B76C"/>
+      </a:folHlink>
+    </a:clrScheme>
+    <a:fontScheme name="Mesh">
+      <a:majorFont>
+        <a:latin typeface="Century Gothic" panose="020B0502020202020204"/>
+        <a:ea typeface=""/>
+        <a:cs typeface=""/>
+        <a:font script="Jpan" typeface="ＭＳ ゴシック"/>
+        <a:font script="Hang" typeface="맑은 고딕"/>
+        <a:font script="Hans" typeface="宋体"/>
+        <a:font script="Hant" typeface="新細明體"/>
+        <a:font script="Arab" typeface="Tahoma"/>
+        <a:font script="Hebr" typeface="Gisha"/>
+        <a:font script="Thai" typeface="DilleniaUPC"/>
+        <a:font script="Ethi" typeface="Nyala"/>
+        <a:font script="Beng" typeface="Vrinda"/>
+        <a:font script="Gujr" typeface="Shruti"/>
+        <a:font script="Khmr" typeface="DaunPenh"/>
+        <a:font script="Knda" typeface="Tunga"/>
+        <a:font script="Guru" typeface="Raavi"/>
+        <a:font script="Cans" typeface="Euphemia"/>
+        <a:font script="Cher" typeface="Plantagenet Cherokee"/>
+        <a:font script="Yiii" typeface="Microsoft Yi Baiti"/>
+        <a:font script="Tibt" typeface="Microsoft Himalaya"/>
+        <a:font script="Thaa" typeface="MV Boli"/>
+        <a:font script="Deva" typeface="Mangal"/>
+        <a:font script="Telu" typeface="Gautami"/>
+        <a:font script="Taml" typeface="Latha"/>
+        <a:font script="Syrc" typeface="Estrangelo Edessa"/>
+        <a:font script="Orya" typeface="Kalinga"/>
+        <a:font script="Mlym" typeface="Kartika"/>
+        <a:font script="Laoo" typeface="DokChampa"/>
+        <a:font script="Sinh" typeface="Iskoola Pota"/>
+        <a:font script="Mong" typeface="Mongolian Baiti"/>
+        <a:font script="Viet" typeface="Tahoma"/>
+        <a:font script="Uigh" typeface="Microsoft Uighur"/>
+        <a:font script="Geor" typeface="Sylfaen"/>
+      </a:majorFont>
+      <a:minorFont>
+        <a:latin typeface="Century Gothic" panose="020B0502020202020204"/>
+        <a:ea typeface=""/>
+        <a:cs typeface=""/>
+        <a:font script="Jpan" typeface="ＭＳ ゴシック"/>
+        <a:font script="Hang" typeface="맑은 고딕"/>
+        <a:font script="Hans" typeface="宋体"/>
+        <a:font script="Hant" typeface="新細明體"/>
+        <a:font script="Arab" typeface="Tahoma"/>
+        <a:font script="Hebr" typeface="Gisha"/>
+        <a:font script="Thai" typeface="DilleniaUPC"/>
+        <a:font script="Ethi" typeface="Nyala"/>
+        <a:font script="Beng" typeface="Vrinda"/>
+        <a:font script="Gujr" typeface="Shruti"/>
+        <a:font script="Khmr" typeface="DaunPenh"/>
+        <a:font script="Knda" typeface="Tunga"/>
+        <a:font script="Guru" typeface="Raavi"/>
+        <a:font script="Cans" typeface="Euphemia"/>
+        <a:font script="Cher" typeface="Plantagenet Cherokee"/>
+        <a:font script="Yiii" typeface="Microsoft Yi Baiti"/>
+        <a:font script="Tibt" typeface="Microsoft Himalaya"/>
+        <a:font script="Thaa" typeface="MV Boli"/>
+        <a:font script="Deva" typeface="Mangal"/>
+        <a:font script="Telu" typeface="Gautami"/>
+        <a:font script="Taml" typeface="Latha"/>
+        <a:font script="Syrc" typeface="Estrangelo Edessa"/>
+        <a:font script="Orya" typeface="Kalinga"/>
+        <a:font script="Mlym" typeface="Kartika"/>
+        <a:font script="Laoo" typeface="DokChampa"/>
+        <a:font script="Sinh" typeface="Iskoola Pota"/>
+        <a:font script="Mong" typeface="Mongolian Baiti"/>
+        <a:font script="Viet" typeface="Verdana"/>
+        <a:font script="Uigh" typeface="Microsoft Uighur"/>
+        <a:font script="Geor" typeface="Sylfaen"/>
+      </a:minorFont>
+    </a:fontScheme>
+    <a:fmtScheme name="Mesh">
+      <a:fillStyleLst>
+        <a:solidFill>
+          <a:schemeClr val="phClr"/>
+        </a:solidFill>
+        <a:gradFill rotWithShape="1">
+          <a:gsLst>
+            <a:gs pos="0">
+              <a:schemeClr val="phClr">
+                <a:tint val="60000"/>
+                <a:lumMod val="110000"/>
+              </a:schemeClr>
+            </a:gs>
+            <a:gs pos="100000">
+              <a:schemeClr val="phClr">
+                <a:tint val="82000"/>
+              </a:schemeClr>
+            </a:gs>
+          </a:gsLst>
+          <a:lin ang="5400000" scaled="0"/>
+        </a:gradFill>
+        <a:gradFill rotWithShape="1">
+          <a:gsLst>
+            <a:gs pos="0">
+              <a:schemeClr val="phClr">
+                <a:tint val="96000"/>
+                <a:lumMod val="104000"/>
+              </a:schemeClr>
+            </a:gs>
+            <a:gs pos="100000">
+              <a:schemeClr val="phClr">
+                <a:shade val="84000"/>
+                <a:lumMod val="84000"/>
+              </a:schemeClr>
+            </a:gs>
+          </a:gsLst>
+          <a:lin ang="5400000" scaled="0"/>
+        </a:gradFill>
+      </a:fillStyleLst>
+      <a:lnStyleLst>
+        <a:ln w="9525" cap="rnd" cmpd="sng" algn="ctr">
+          <a:solidFill>
+            <a:schemeClr val="phClr"/>
+          </a:solidFill>
+          <a:prstDash val="solid"/>
+        </a:ln>
+        <a:ln w="19050" cap="rnd" cmpd="sng" algn="ctr">
+          <a:solidFill>
+            <a:schemeClr val="phClr"/>
+          </a:solidFill>
+          <a:prstDash val="solid"/>
+        </a:ln>
+        <a:ln w="25400" cap="rnd" cmpd="sng" algn="ctr">
+          <a:solidFill>
+            <a:schemeClr val="phClr"/>
+          </a:solidFill>
+          <a:prstDash val="solid"/>
+        </a:ln>
+      </a:lnStyleLst>
+      <a:effectStyleLst>
+        <a:effectStyle>
+          <a:effectLst/>
+        </a:effectStyle>
+        <a:effectStyle>
+          <a:effectLst>
+            <a:innerShdw blurRad="50800" dist="25400" dir="13500000">
+              <a:srgbClr val="000000">
+                <a:alpha val="55000"/>
+              </a:srgbClr>
+            </a:innerShdw>
+          </a:effectLst>
+        </a:effectStyle>
+        <a:effectStyle>
+          <a:effectLst>
+            <a:outerShdw blurRad="50800" dist="38100" dir="5400000" rotWithShape="0">
+              <a:srgbClr val="000000">
+                <a:alpha val="60000"/>
+              </a:srgbClr>
+            </a:outerShdw>
+          </a:effectLst>
+          <a:scene3d>
+            <a:camera prst="orthographicFront">
+              <a:rot lat="0" lon="0" rev="0"/>
+            </a:camera>
+            <a:lightRig rig="threePt" dir="tl"/>
+          </a:scene3d>
+          <a:sp3d>
+            <a:bevelT w="25400" h="25400" prst="slope"/>
+          </a:sp3d>
+        </a:effectStyle>
+      </a:effectStyleLst>
+      <a:bgFillStyleLst>
+        <a:solidFill>
+          <a:schemeClr val="phClr"/>
+        </a:solidFill>
+        <a:gradFill rotWithShape="1">
+          <a:gsLst>
+            <a:gs pos="0">
+              <a:schemeClr val="phClr">
+                <a:tint val="90000"/>
+                <a:lumMod val="110000"/>
+              </a:schemeClr>
+            </a:gs>
+            <a:gs pos="100000">
+              <a:schemeClr val="phClr">
+                <a:shade val="64000"/>
+                <a:lumMod val="98000"/>
+              </a:schemeClr>
+            </a:gs>
+          </a:gsLst>
+          <a:lin ang="5400000" scaled="0"/>
+        </a:gradFill>
+        <a:blipFill rotWithShape="1">
+          <a:blip xmlns:r="http://schemas.openxmlformats.org/officeDocument/2006/relationships" r:embed="rId1">
+            <a:duotone>
+              <a:schemeClr val="phClr">
+                <a:shade val="28000"/>
+                <a:satMod val="94000"/>
+                <a:lumMod val="20000"/>
+              </a:schemeClr>
+              <a:schemeClr val="phClr">
+                <a:tint val="94000"/>
+                <a:shade val="84000"/>
+                <a:satMod val="148000"/>
+                <a:lumMod val="114000"/>
+              </a:schemeClr>
+            </a:duotone>
+          </a:blip>
+          <a:stretch/>
+        </a:blipFill>
+      </a:bgFillStyleLst>
+    </a:fmtScheme>
+  </a:themeElements>
+  <a:objectDefaults/>
+  <a:extraClrSchemeLst/>
+  <a:extLst>
+    <a:ext uri="{05A4C25C-085E-4340-85A3-A5531E510DB2}">
+      <thm15:themeFamily xmlns:thm15="http://schemas.microsoft.com/office/thememl/2012/main" name="Mesh" id="{789EC3FE-34FD-429C-9918-760025E6C145}" vid="{B8BE45C0-8141-4D58-8C71-A009BC26FBBB}"/>
+    </a:ext>
+  </a:extLst>
+</a:theme>
+</file>
+
+<file path=ppt/theme/theme3.xml><?xml version="1.0" encoding="utf-8"?>
 <a:theme xmlns:a="http://schemas.openxmlformats.org/drawingml/2006/main" name="Office Theme">
   <a:themeElements>
     <a:clrScheme name="Office">
